--- a/doc/diagrams/TestDriverComponent.pptx
+++ b/doc/diagrams/TestDriverComponent.pptx
@@ -192,7 +192,8 @@
           <a:p>
             <a:fld id="{AF301891-4E62-472A-98E9-95DBD40531A4}" type="datetimeFigureOut">
               <a:rPr lang="en-SG" smtClean="0"/>
-              <a:t>6/7/2012</a:t>
+              <a:pPr/>
+              <a:t>8/7/2012</a:t>
             </a:fld>
             <a:endParaRPr lang="en-SG"/>
           </a:p>
@@ -351,6 +352,7 @@
           <a:p>
             <a:fld id="{F5BE55D7-9F3A-4A65-A86C-A2B1968CD57D}" type="slidenum">
               <a:rPr lang="en-SG" smtClean="0"/>
+              <a:pPr/>
               <a:t>‹#›</a:t>
             </a:fld>
             <a:endParaRPr lang="en-SG"/>
@@ -360,7 +362,7 @@
     </p:spTree>
     <p:extLst>
       <p:ext uri="{BB962C8B-B14F-4D97-AF65-F5344CB8AC3E}">
-        <p14:creationId xmlns:p14="http://schemas.microsoft.com/office/powerpoint/2010/main" val="913918898"/>
+        <p14:creationId xmlns:p14="http://schemas.microsoft.com/office/powerpoint/2010/main" xmlns="" val="913918898"/>
       </p:ext>
     </p:extLst>
   </p:cSld>
@@ -525,6 +527,7 @@
           <a:p>
             <a:fld id="{F5BE55D7-9F3A-4A65-A86C-A2B1968CD57D}" type="slidenum">
               <a:rPr lang="en-SG" smtClean="0"/>
+              <a:pPr/>
               <a:t>1</a:t>
             </a:fld>
             <a:endParaRPr lang="en-SG"/>
@@ -534,7 +537,7 @@
     </p:spTree>
     <p:extLst>
       <p:ext uri="{BB962C8B-B14F-4D97-AF65-F5344CB8AC3E}">
-        <p14:creationId xmlns:p14="http://schemas.microsoft.com/office/powerpoint/2010/main" val="1998377649"/>
+        <p14:creationId xmlns:p14="http://schemas.microsoft.com/office/powerpoint/2010/main" xmlns="" val="1998377649"/>
       </p:ext>
     </p:extLst>
   </p:cSld>
@@ -726,7 +729,7 @@
             <a:fld id="{1D8BD707-D9CF-40AE-B4C6-C98DA3205C09}" type="datetimeFigureOut">
               <a:rPr lang="en-US" smtClean="0"/>
               <a:pPr/>
-              <a:t>7/6/2012</a:t>
+              <a:t>7/8/2012</a:t>
             </a:fld>
             <a:endParaRPr lang="en-US"/>
           </a:p>
@@ -893,7 +896,7 @@
             <a:fld id="{1D8BD707-D9CF-40AE-B4C6-C98DA3205C09}" type="datetimeFigureOut">
               <a:rPr lang="en-US" smtClean="0"/>
               <a:pPr/>
-              <a:t>7/6/2012</a:t>
+              <a:t>7/8/2012</a:t>
             </a:fld>
             <a:endParaRPr lang="en-US"/>
           </a:p>
@@ -1070,7 +1073,7 @@
             <a:fld id="{1D8BD707-D9CF-40AE-B4C6-C98DA3205C09}" type="datetimeFigureOut">
               <a:rPr lang="en-US" smtClean="0"/>
               <a:pPr/>
-              <a:t>7/6/2012</a:t>
+              <a:t>7/8/2012</a:t>
             </a:fld>
             <a:endParaRPr lang="en-US"/>
           </a:p>
@@ -1237,7 +1240,7 @@
             <a:fld id="{1D8BD707-D9CF-40AE-B4C6-C98DA3205C09}" type="datetimeFigureOut">
               <a:rPr lang="en-US" smtClean="0"/>
               <a:pPr/>
-              <a:t>7/6/2012</a:t>
+              <a:t>7/8/2012</a:t>
             </a:fld>
             <a:endParaRPr lang="en-US"/>
           </a:p>
@@ -1480,7 +1483,7 @@
             <a:fld id="{1D8BD707-D9CF-40AE-B4C6-C98DA3205C09}" type="datetimeFigureOut">
               <a:rPr lang="en-US" smtClean="0"/>
               <a:pPr/>
-              <a:t>7/6/2012</a:t>
+              <a:t>7/8/2012</a:t>
             </a:fld>
             <a:endParaRPr lang="en-US"/>
           </a:p>
@@ -1765,7 +1768,7 @@
             <a:fld id="{1D8BD707-D9CF-40AE-B4C6-C98DA3205C09}" type="datetimeFigureOut">
               <a:rPr lang="en-US" smtClean="0"/>
               <a:pPr/>
-              <a:t>7/6/2012</a:t>
+              <a:t>7/8/2012</a:t>
             </a:fld>
             <a:endParaRPr lang="en-US"/>
           </a:p>
@@ -2184,7 +2187,7 @@
             <a:fld id="{1D8BD707-D9CF-40AE-B4C6-C98DA3205C09}" type="datetimeFigureOut">
               <a:rPr lang="en-US" smtClean="0"/>
               <a:pPr/>
-              <a:t>7/6/2012</a:t>
+              <a:t>7/8/2012</a:t>
             </a:fld>
             <a:endParaRPr lang="en-US"/>
           </a:p>
@@ -2299,7 +2302,7 @@
             <a:fld id="{1D8BD707-D9CF-40AE-B4C6-C98DA3205C09}" type="datetimeFigureOut">
               <a:rPr lang="en-US" smtClean="0"/>
               <a:pPr/>
-              <a:t>7/6/2012</a:t>
+              <a:t>7/8/2012</a:t>
             </a:fld>
             <a:endParaRPr lang="en-US"/>
           </a:p>
@@ -2391,7 +2394,7 @@
             <a:fld id="{1D8BD707-D9CF-40AE-B4C6-C98DA3205C09}" type="datetimeFigureOut">
               <a:rPr lang="en-US" smtClean="0"/>
               <a:pPr/>
-              <a:t>7/6/2012</a:t>
+              <a:t>7/8/2012</a:t>
             </a:fld>
             <a:endParaRPr lang="en-US"/>
           </a:p>
@@ -2665,7 +2668,7 @@
             <a:fld id="{1D8BD707-D9CF-40AE-B4C6-C98DA3205C09}" type="datetimeFigureOut">
               <a:rPr lang="en-US" smtClean="0"/>
               <a:pPr/>
-              <a:t>7/6/2012</a:t>
+              <a:t>7/8/2012</a:t>
             </a:fld>
             <a:endParaRPr lang="en-US"/>
           </a:p>
@@ -2915,7 +2918,7 @@
             <a:fld id="{1D8BD707-D9CF-40AE-B4C6-C98DA3205C09}" type="datetimeFigureOut">
               <a:rPr lang="en-US" smtClean="0"/>
               <a:pPr/>
-              <a:t>7/6/2012</a:t>
+              <a:t>7/8/2012</a:t>
             </a:fld>
             <a:endParaRPr lang="en-US"/>
           </a:p>
@@ -3125,7 +3128,7 @@
             <a:fld id="{1D8BD707-D9CF-40AE-B4C6-C98DA3205C09}" type="datetimeFigureOut">
               <a:rPr lang="en-US" smtClean="0"/>
               <a:pPr/>
-              <a:t>7/6/2012</a:t>
+              <a:t>7/8/2012</a:t>
             </a:fld>
             <a:endParaRPr lang="en-US"/>
           </a:p>
@@ -4087,7 +4090,7 @@
         </p:nvSpPr>
         <p:spPr>
           <a:xfrm>
-            <a:off x="1025552" y="5657380"/>
+            <a:off x="1222761" y="5657380"/>
             <a:ext cx="1368039" cy="361770"/>
           </a:xfrm>
           <a:prstGeom prst="rect">
@@ -4173,7 +4176,7 @@
         </p:nvSpPr>
         <p:spPr>
           <a:xfrm>
-            <a:off x="1421563" y="1110176"/>
+            <a:off x="1269163" y="1110176"/>
             <a:ext cx="1321637" cy="361770"/>
           </a:xfrm>
           <a:prstGeom prst="rect">
@@ -4764,7 +4767,7 @@
         </p:nvSpPr>
         <p:spPr>
           <a:xfrm>
-            <a:off x="1638812" y="5530974"/>
+            <a:off x="1839682" y="5530974"/>
             <a:ext cx="141518" cy="127830"/>
           </a:xfrm>
           <a:prstGeom prst="flowChartDecision">
@@ -4807,8 +4810,8 @@
         </p:nvCxnSpPr>
         <p:spPr>
           <a:xfrm rot="5400000">
-            <a:off x="1779660" y="5281718"/>
-            <a:ext cx="179167" cy="319344"/>
+            <a:off x="1880095" y="5382153"/>
+            <a:ext cx="179167" cy="118474"/>
           </a:xfrm>
           <a:prstGeom prst="bentConnector3">
             <a:avLst>
@@ -4851,8 +4854,8 @@
         </p:nvCxnSpPr>
         <p:spPr>
           <a:xfrm rot="5400000">
-            <a:off x="2046359" y="5015018"/>
-            <a:ext cx="179168" cy="852744"/>
+            <a:off x="2146794" y="5115453"/>
+            <a:ext cx="179168" cy="651874"/>
           </a:xfrm>
           <a:prstGeom prst="bentConnector3">
             <a:avLst>
@@ -4979,8 +4982,8 @@
         </p:nvCxnSpPr>
         <p:spPr>
           <a:xfrm rot="16200000" flipH="1">
-            <a:off x="321381" y="4142784"/>
-            <a:ext cx="2244350" cy="532030"/>
+            <a:off x="421816" y="4042349"/>
+            <a:ext cx="2244350" cy="732900"/>
           </a:xfrm>
           <a:prstGeom prst="bentConnector3">
             <a:avLst>
@@ -5728,50 +5731,6 @@
           </a:p>
         </p:txBody>
       </p:sp>
-      <p:cxnSp>
-        <p:nvCxnSpPr>
-          <p:cNvPr id="289" name="Elbow Connector 288"/>
-          <p:cNvCxnSpPr/>
-          <p:nvPr/>
-        </p:nvCxnSpPr>
-        <p:spPr>
-          <a:xfrm>
-            <a:off x="3284220" y="1219200"/>
-            <a:ext cx="1048291" cy="12700"/>
-          </a:xfrm>
-          <a:prstGeom prst="bentConnector3">
-            <a:avLst>
-              <a:gd name="adj1" fmla="val 50000"/>
-            </a:avLst>
-          </a:prstGeom>
-          <a:ln>
-            <a:solidFill>
-              <a:schemeClr val="accent2">
-                <a:lumMod val="75000"/>
-              </a:schemeClr>
-            </a:solidFill>
-            <a:prstDash val="sysDot"/>
-            <a:headEnd type="none" w="med" len="med"/>
-            <a:tailEnd type="arrow" w="med" len="med"/>
-          </a:ln>
-        </p:spPr>
-        <p:style>
-          <a:lnRef idx="2">
-            <a:schemeClr val="accent6">
-              <a:shade val="50000"/>
-            </a:schemeClr>
-          </a:lnRef>
-          <a:fillRef idx="1">
-            <a:schemeClr val="accent6"/>
-          </a:fillRef>
-          <a:effectRef idx="0">
-            <a:schemeClr val="accent6"/>
-          </a:effectRef>
-          <a:fontRef idx="minor">
-            <a:schemeClr val="lt1"/>
-          </a:fontRef>
-        </p:style>
-      </p:cxnSp>
       <p:sp>
         <p:nvSpPr>
           <p:cNvPr id="116" name="Rectangle 115"/>
@@ -6203,10 +6162,52 @@
           </a:fontRef>
         </p:style>
       </p:cxnSp>
+      <p:cxnSp>
+        <p:nvCxnSpPr>
+          <p:cNvPr id="61" name="Straight Arrow Connector 60"/>
+          <p:cNvCxnSpPr/>
+          <p:nvPr/>
+        </p:nvCxnSpPr>
+        <p:spPr>
+          <a:xfrm>
+            <a:off x="3276600" y="1295400"/>
+            <a:ext cx="1066800" cy="0"/>
+          </a:xfrm>
+          <a:prstGeom prst="straightConnector1">
+            <a:avLst/>
+          </a:prstGeom>
+          <a:ln>
+            <a:solidFill>
+              <a:schemeClr val="accent2">
+                <a:lumMod val="75000"/>
+              </a:schemeClr>
+            </a:solidFill>
+            <a:prstDash val="sysDot"/>
+            <a:headEnd type="none" w="med" len="med"/>
+            <a:tailEnd type="arrow" w="med" len="med"/>
+          </a:ln>
+        </p:spPr>
+        <p:style>
+          <a:lnRef idx="2">
+            <a:schemeClr val="accent6">
+              <a:shade val="50000"/>
+            </a:schemeClr>
+          </a:lnRef>
+          <a:fillRef idx="1">
+            <a:schemeClr val="accent6"/>
+          </a:fillRef>
+          <a:effectRef idx="0">
+            <a:schemeClr val="accent6"/>
+          </a:effectRef>
+          <a:fontRef idx="minor">
+            <a:schemeClr val="lt1"/>
+          </a:fontRef>
+        </p:style>
+      </p:cxnSp>
     </p:spTree>
     <p:extLst>
       <p:ext uri="{BB962C8B-B14F-4D97-AF65-F5344CB8AC3E}">
-        <p14:creationId xmlns:p14="http://schemas.microsoft.com/office/powerpoint/2010/main" val="2312643091"/>
+        <p14:creationId xmlns:p14="http://schemas.microsoft.com/office/powerpoint/2010/main" xmlns="" val="2312643091"/>
       </p:ext>
     </p:extLst>
   </p:cSld>

--- a/doc/diagrams/TestDriverComponent.pptx
+++ b/doc/diagrams/TestDriverComponent.pptx
@@ -362,7 +362,7 @@
     </p:spTree>
     <p:extLst>
       <p:ext uri="{BB962C8B-B14F-4D97-AF65-F5344CB8AC3E}">
-        <p14:creationId xmlns:p14="http://schemas.microsoft.com/office/powerpoint/2010/main" xmlns="" val="913918898"/>
+        <p14:creationId xmlns="" xmlns:p14="http://schemas.microsoft.com/office/powerpoint/2010/main" val="913918898"/>
       </p:ext>
     </p:extLst>
   </p:cSld>
@@ -537,7 +537,7 @@
     </p:spTree>
     <p:extLst>
       <p:ext uri="{BB962C8B-B14F-4D97-AF65-F5344CB8AC3E}">
-        <p14:creationId xmlns:p14="http://schemas.microsoft.com/office/powerpoint/2010/main" xmlns="" val="1998377649"/>
+        <p14:creationId xmlns="" xmlns:p14="http://schemas.microsoft.com/office/powerpoint/2010/main" val="1998377649"/>
       </p:ext>
     </p:extLst>
   </p:cSld>
@@ -4415,7 +4415,11 @@
             <a:pPr algn="ctr"/>
             <a:r>
               <a:rPr lang="en-US" sz="1600" b="1" dirty="0" smtClean="0"/>
-              <a:t>Ui Tests</a:t>
+              <a:t>Ui </a:t>
+            </a:r>
+            <a:r>
+              <a:rPr lang="en-US" sz="1600" b="1" dirty="0" smtClean="0"/>
+              <a:t>Tests</a:t>
             </a:r>
             <a:endParaRPr lang="en-SG" sz="1600" b="1" dirty="0"/>
           </a:p>
@@ -4429,7 +4433,7 @@
         </p:nvSpPr>
         <p:spPr>
           <a:xfrm rot="16200000">
-            <a:off x="1344604" y="2402727"/>
+            <a:off x="1178674" y="2402727"/>
             <a:ext cx="1204823" cy="361770"/>
           </a:xfrm>
           <a:prstGeom prst="rect">
@@ -4473,7 +4477,7 @@
         </p:nvSpPr>
         <p:spPr>
           <a:xfrm rot="16200000">
-            <a:off x="1388755" y="2433362"/>
+            <a:off x="1222825" y="2433362"/>
             <a:ext cx="1204823" cy="361770"/>
           </a:xfrm>
           <a:prstGeom prst="rect">
@@ -4517,8 +4521,8 @@
         </p:nvSpPr>
         <p:spPr>
           <a:xfrm rot="16200000">
-            <a:off x="1435406" y="2476091"/>
-            <a:ext cx="1204823" cy="361770"/>
+            <a:off x="1341224" y="2404341"/>
+            <a:ext cx="1204823" cy="505268"/>
           </a:xfrm>
           <a:prstGeom prst="rect">
             <a:avLst/>
@@ -4547,7 +4551,11 @@
             <a:pPr algn="ctr"/>
             <a:r>
               <a:rPr lang="en-US" sz="1600" b="1" dirty="0" smtClean="0"/>
-              <a:t>Unit Tests</a:t>
+              <a:t>Component </a:t>
+            </a:r>
+            <a:r>
+              <a:rPr lang="en-US" sz="1600" b="1" dirty="0" smtClean="0"/>
+              <a:t>Tests</a:t>
             </a:r>
             <a:endParaRPr lang="en-SG" sz="1600" b="1" dirty="0"/>
           </a:p>
@@ -4644,9 +4652,9 @@
           <p:nvPr/>
         </p:nvCxnSpPr>
         <p:spPr>
-          <a:xfrm rot="16200000" flipV="1">
-            <a:off x="1814708" y="1848894"/>
-            <a:ext cx="261425" cy="3190"/>
+          <a:xfrm rot="5400000" flipH="1" flipV="1">
+            <a:off x="1731743" y="1769119"/>
+            <a:ext cx="261425" cy="162740"/>
           </a:xfrm>
           <a:prstGeom prst="bentConnector3">
             <a:avLst>
@@ -4679,7 +4687,7 @@
         </p:nvSpPr>
         <p:spPr>
           <a:xfrm rot="16200000">
-            <a:off x="1197104" y="4339111"/>
+            <a:off x="1072975" y="4339111"/>
             <a:ext cx="1663621" cy="361770"/>
           </a:xfrm>
           <a:prstGeom prst="rect">
@@ -4809,9 +4817,9 @@
           <p:nvPr/>
         </p:nvCxnSpPr>
         <p:spPr>
-          <a:xfrm rot="5400000">
-            <a:off x="1880095" y="5382153"/>
-            <a:ext cx="179167" cy="118474"/>
+          <a:xfrm rot="16200000" flipH="1">
+            <a:off x="1818030" y="5438562"/>
+            <a:ext cx="179167" cy="5655"/>
           </a:xfrm>
           <a:prstGeom prst="bentConnector3">
             <a:avLst>
@@ -5612,7 +5620,7 @@
         </p:nvSpPr>
         <p:spPr>
           <a:xfrm>
-            <a:off x="1977796" y="3541675"/>
+            <a:off x="1853667" y="3541675"/>
             <a:ext cx="141518" cy="127830"/>
           </a:xfrm>
           <a:prstGeom prst="flowChartDecision">
@@ -5654,7 +5662,7 @@
         </p:nvCxnSpPr>
         <p:spPr>
           <a:xfrm rot="5400000">
-            <a:off x="1908423" y="3401538"/>
+            <a:off x="1784294" y="3401538"/>
             <a:ext cx="280270" cy="5"/>
           </a:xfrm>
           <a:prstGeom prst="bentConnector3">
@@ -6204,10 +6212,171 @@
           </a:fontRef>
         </p:style>
       </p:cxnSp>
+      <p:sp>
+        <p:nvSpPr>
+          <p:cNvPr id="58" name="TextBox 57"/>
+          <p:cNvSpPr txBox="1"/>
+          <p:nvPr/>
+        </p:nvSpPr>
+        <p:spPr>
+          <a:xfrm>
+            <a:off x="838200" y="6550223"/>
+            <a:ext cx="1319257" cy="307777"/>
+          </a:xfrm>
+          <a:prstGeom prst="rect">
+            <a:avLst/>
+          </a:prstGeom>
+          <a:grpFill/>
+          <a:ln>
+            <a:noFill/>
+          </a:ln>
+        </p:spPr>
+        <p:style>
+          <a:lnRef idx="2">
+            <a:schemeClr val="accent1">
+              <a:shade val="50000"/>
+            </a:schemeClr>
+          </a:lnRef>
+          <a:fillRef idx="1">
+            <a:schemeClr val="accent1"/>
+          </a:fillRef>
+          <a:effectRef idx="0">
+            <a:schemeClr val="accent1"/>
+          </a:effectRef>
+          <a:fontRef idx="minor">
+            <a:schemeClr val="lt1"/>
+          </a:fontRef>
+        </p:style>
+        <p:txBody>
+          <a:bodyPr rtlCol="0" anchor="t" anchorCtr="0"/>
+          <a:lstStyle>
+            <a:defPPr>
+              <a:defRPr lang="en-US"/>
+            </a:defPPr>
+            <a:lvl1pPr>
+              <a:defRPr sz="1400" b="1">
+                <a:solidFill>
+                  <a:srgbClr val="7030A0"/>
+                </a:solidFill>
+              </a:defRPr>
+            </a:lvl1pPr>
+            <a:lvl2pPr>
+              <a:defRPr>
+                <a:solidFill>
+                  <a:schemeClr val="lt1"/>
+                </a:solidFill>
+              </a:defRPr>
+            </a:lvl2pPr>
+            <a:lvl3pPr>
+              <a:defRPr>
+                <a:solidFill>
+                  <a:schemeClr val="lt1"/>
+                </a:solidFill>
+              </a:defRPr>
+            </a:lvl3pPr>
+            <a:lvl4pPr>
+              <a:defRPr>
+                <a:solidFill>
+                  <a:schemeClr val="lt1"/>
+                </a:solidFill>
+              </a:defRPr>
+            </a:lvl4pPr>
+            <a:lvl5pPr>
+              <a:defRPr>
+                <a:solidFill>
+                  <a:schemeClr val="lt1"/>
+                </a:solidFill>
+              </a:defRPr>
+            </a:lvl5pPr>
+            <a:lvl6pPr>
+              <a:defRPr>
+                <a:solidFill>
+                  <a:schemeClr val="lt1"/>
+                </a:solidFill>
+              </a:defRPr>
+            </a:lvl6pPr>
+            <a:lvl7pPr>
+              <a:defRPr>
+                <a:solidFill>
+                  <a:schemeClr val="lt1"/>
+                </a:solidFill>
+              </a:defRPr>
+            </a:lvl7pPr>
+            <a:lvl8pPr>
+              <a:defRPr>
+                <a:solidFill>
+                  <a:schemeClr val="lt1"/>
+                </a:solidFill>
+              </a:defRPr>
+            </a:lvl8pPr>
+            <a:lvl9pPr>
+              <a:defRPr>
+                <a:solidFill>
+                  <a:schemeClr val="lt1"/>
+                </a:solidFill>
+              </a:defRPr>
+            </a:lvl9pPr>
+          </a:lstStyle>
+          <a:p>
+            <a:pPr algn="ctr"/>
+            <a:r>
+              <a:rPr lang="en-US" dirty="0" err="1" smtClean="0">
+                <a:solidFill>
+                  <a:schemeClr val="tx1"/>
+                </a:solidFill>
+              </a:rPr>
+              <a:t>JUnit</a:t>
+            </a:r>
+            <a:endParaRPr lang="en-SG" dirty="0">
+              <a:solidFill>
+                <a:schemeClr val="tx1"/>
+              </a:solidFill>
+            </a:endParaRPr>
+          </a:p>
+        </p:txBody>
+      </p:sp>
+      <p:cxnSp>
+        <p:nvCxnSpPr>
+          <p:cNvPr id="59" name="Straight Arrow Connector 58"/>
+          <p:cNvCxnSpPr/>
+          <p:nvPr/>
+        </p:nvCxnSpPr>
+        <p:spPr>
+          <a:xfrm flipH="1">
+            <a:off x="1524000" y="6172200"/>
+            <a:ext cx="1" cy="457200"/>
+          </a:xfrm>
+          <a:prstGeom prst="straightConnector1">
+            <a:avLst/>
+          </a:prstGeom>
+          <a:ln w="38100">
+            <a:solidFill>
+              <a:schemeClr val="tx1"/>
+            </a:solidFill>
+            <a:prstDash val="sysDash"/>
+            <a:headEnd type="arrow" w="med" len="med"/>
+            <a:tailEnd type="none" w="med" len="med"/>
+          </a:ln>
+        </p:spPr>
+        <p:style>
+          <a:lnRef idx="1">
+            <a:schemeClr val="accent1"/>
+          </a:lnRef>
+          <a:fillRef idx="0">
+            <a:schemeClr val="accent1"/>
+          </a:fillRef>
+          <a:effectRef idx="0">
+            <a:schemeClr val="accent1"/>
+          </a:effectRef>
+          <a:fontRef idx="minor">
+            <a:schemeClr val="tx1"/>
+          </a:fontRef>
+        </p:style>
+      </p:cxnSp>
     </p:spTree>
     <p:extLst>
       <p:ext uri="{BB962C8B-B14F-4D97-AF65-F5344CB8AC3E}">
-        <p14:creationId xmlns:p14="http://schemas.microsoft.com/office/powerpoint/2010/main" xmlns="" val="2312643091"/>
+        <p14:creationId xmlns="" xmlns:p14="http://schemas.microsoft.com/office/powerpoint/2010/main" val="2312643091"/>
       </p:ext>
     </p:extLst>
   </p:cSld>

--- a/doc/diagrams/TestDriverComponent.pptx
+++ b/doc/diagrams/TestDriverComponent.pptx
@@ -193,7 +193,7 @@
             <a:fld id="{AF301891-4E62-472A-98E9-95DBD40531A4}" type="datetimeFigureOut">
               <a:rPr lang="en-SG" smtClean="0"/>
               <a:pPr/>
-              <a:t>8/7/2012</a:t>
+              <a:t>10/7/2012</a:t>
             </a:fld>
             <a:endParaRPr lang="en-SG"/>
           </a:p>
@@ -362,7 +362,7 @@
     </p:spTree>
     <p:extLst>
       <p:ext uri="{BB962C8B-B14F-4D97-AF65-F5344CB8AC3E}">
-        <p14:creationId xmlns="" xmlns:p14="http://schemas.microsoft.com/office/powerpoint/2010/main" val="913918898"/>
+        <p14:creationId xmlns:p14="http://schemas.microsoft.com/office/powerpoint/2010/main" val="913918898"/>
       </p:ext>
     </p:extLst>
   </p:cSld>
@@ -537,7 +537,7 @@
     </p:spTree>
     <p:extLst>
       <p:ext uri="{BB962C8B-B14F-4D97-AF65-F5344CB8AC3E}">
-        <p14:creationId xmlns="" xmlns:p14="http://schemas.microsoft.com/office/powerpoint/2010/main" val="1998377649"/>
+        <p14:creationId xmlns:p14="http://schemas.microsoft.com/office/powerpoint/2010/main" val="1998377649"/>
       </p:ext>
     </p:extLst>
   </p:cSld>
@@ -729,7 +729,7 @@
             <a:fld id="{1D8BD707-D9CF-40AE-B4C6-C98DA3205C09}" type="datetimeFigureOut">
               <a:rPr lang="en-US" smtClean="0"/>
               <a:pPr/>
-              <a:t>7/8/2012</a:t>
+              <a:t>7/10/2012</a:t>
             </a:fld>
             <a:endParaRPr lang="en-US"/>
           </a:p>
@@ -896,7 +896,7 @@
             <a:fld id="{1D8BD707-D9CF-40AE-B4C6-C98DA3205C09}" type="datetimeFigureOut">
               <a:rPr lang="en-US" smtClean="0"/>
               <a:pPr/>
-              <a:t>7/8/2012</a:t>
+              <a:t>7/10/2012</a:t>
             </a:fld>
             <a:endParaRPr lang="en-US"/>
           </a:p>
@@ -1073,7 +1073,7 @@
             <a:fld id="{1D8BD707-D9CF-40AE-B4C6-C98DA3205C09}" type="datetimeFigureOut">
               <a:rPr lang="en-US" smtClean="0"/>
               <a:pPr/>
-              <a:t>7/8/2012</a:t>
+              <a:t>7/10/2012</a:t>
             </a:fld>
             <a:endParaRPr lang="en-US"/>
           </a:p>
@@ -1240,7 +1240,7 @@
             <a:fld id="{1D8BD707-D9CF-40AE-B4C6-C98DA3205C09}" type="datetimeFigureOut">
               <a:rPr lang="en-US" smtClean="0"/>
               <a:pPr/>
-              <a:t>7/8/2012</a:t>
+              <a:t>7/10/2012</a:t>
             </a:fld>
             <a:endParaRPr lang="en-US"/>
           </a:p>
@@ -1483,7 +1483,7 @@
             <a:fld id="{1D8BD707-D9CF-40AE-B4C6-C98DA3205C09}" type="datetimeFigureOut">
               <a:rPr lang="en-US" smtClean="0"/>
               <a:pPr/>
-              <a:t>7/8/2012</a:t>
+              <a:t>7/10/2012</a:t>
             </a:fld>
             <a:endParaRPr lang="en-US"/>
           </a:p>
@@ -1768,7 +1768,7 @@
             <a:fld id="{1D8BD707-D9CF-40AE-B4C6-C98DA3205C09}" type="datetimeFigureOut">
               <a:rPr lang="en-US" smtClean="0"/>
               <a:pPr/>
-              <a:t>7/8/2012</a:t>
+              <a:t>7/10/2012</a:t>
             </a:fld>
             <a:endParaRPr lang="en-US"/>
           </a:p>
@@ -2187,7 +2187,7 @@
             <a:fld id="{1D8BD707-D9CF-40AE-B4C6-C98DA3205C09}" type="datetimeFigureOut">
               <a:rPr lang="en-US" smtClean="0"/>
               <a:pPr/>
-              <a:t>7/8/2012</a:t>
+              <a:t>7/10/2012</a:t>
             </a:fld>
             <a:endParaRPr lang="en-US"/>
           </a:p>
@@ -2302,7 +2302,7 @@
             <a:fld id="{1D8BD707-D9CF-40AE-B4C6-C98DA3205C09}" type="datetimeFigureOut">
               <a:rPr lang="en-US" smtClean="0"/>
               <a:pPr/>
-              <a:t>7/8/2012</a:t>
+              <a:t>7/10/2012</a:t>
             </a:fld>
             <a:endParaRPr lang="en-US"/>
           </a:p>
@@ -2394,7 +2394,7 @@
             <a:fld id="{1D8BD707-D9CF-40AE-B4C6-C98DA3205C09}" type="datetimeFigureOut">
               <a:rPr lang="en-US" smtClean="0"/>
               <a:pPr/>
-              <a:t>7/8/2012</a:t>
+              <a:t>7/10/2012</a:t>
             </a:fld>
             <a:endParaRPr lang="en-US"/>
           </a:p>
@@ -2668,7 +2668,7 @@
             <a:fld id="{1D8BD707-D9CF-40AE-B4C6-C98DA3205C09}" type="datetimeFigureOut">
               <a:rPr lang="en-US" smtClean="0"/>
               <a:pPr/>
-              <a:t>7/8/2012</a:t>
+              <a:t>7/10/2012</a:t>
             </a:fld>
             <a:endParaRPr lang="en-US"/>
           </a:p>
@@ -2918,7 +2918,7 @@
             <a:fld id="{1D8BD707-D9CF-40AE-B4C6-C98DA3205C09}" type="datetimeFigureOut">
               <a:rPr lang="en-US" smtClean="0"/>
               <a:pPr/>
-              <a:t>7/8/2012</a:t>
+              <a:t>7/10/2012</a:t>
             </a:fld>
             <a:endParaRPr lang="en-US"/>
           </a:p>
@@ -3128,7 +3128,7 @@
             <a:fld id="{1D8BD707-D9CF-40AE-B4C6-C98DA3205C09}" type="datetimeFigureOut">
               <a:rPr lang="en-US" smtClean="0"/>
               <a:pPr/>
-              <a:t>7/8/2012</a:t>
+              <a:t>7/10/2012</a:t>
             </a:fld>
             <a:endParaRPr lang="en-US"/>
           </a:p>
@@ -4120,7 +4120,7 @@
             <a:pPr algn="ctr"/>
             <a:r>
               <a:rPr lang="en-US" sz="1600" b="1" dirty="0" err="1" smtClean="0"/>
-              <a:t>AllCasesSuite</a:t>
+              <a:t>AllTestsSuite</a:t>
             </a:r>
             <a:endParaRPr lang="en-SG" sz="1600" b="1" dirty="0"/>
           </a:p>
@@ -4415,11 +4415,7 @@
             <a:pPr algn="ctr"/>
             <a:r>
               <a:rPr lang="en-US" sz="1600" b="1" dirty="0" smtClean="0"/>
-              <a:t>Ui </a:t>
-            </a:r>
-            <a:r>
-              <a:rPr lang="en-US" sz="1600" b="1" dirty="0" smtClean="0"/>
-              <a:t>Tests</a:t>
+              <a:t>Ui Tests</a:t>
             </a:r>
             <a:endParaRPr lang="en-SG" sz="1600" b="1" dirty="0"/>
           </a:p>
@@ -4551,11 +4547,7 @@
             <a:pPr algn="ctr"/>
             <a:r>
               <a:rPr lang="en-US" sz="1600" b="1" dirty="0" smtClean="0"/>
-              <a:t>Component </a:t>
-            </a:r>
-            <a:r>
-              <a:rPr lang="en-US" sz="1600" b="1" dirty="0" smtClean="0"/>
-              <a:t>Tests</a:t>
+              <a:t>Component Tests</a:t>
             </a:r>
             <a:endParaRPr lang="en-SG" sz="1600" b="1" dirty="0"/>
           </a:p>
@@ -4687,8 +4679,8 @@
         </p:nvSpPr>
         <p:spPr>
           <a:xfrm rot="16200000">
-            <a:off x="1072975" y="4339111"/>
-            <a:ext cx="1663621" cy="361770"/>
+            <a:off x="1011126" y="4277261"/>
+            <a:ext cx="1663621" cy="485469"/>
           </a:xfrm>
           <a:prstGeom prst="rect">
             <a:avLst/>
@@ -4717,7 +4709,18 @@
             <a:pPr algn="ctr"/>
             <a:r>
               <a:rPr lang="en-US" sz="1600" b="1" dirty="0" err="1" smtClean="0"/>
-              <a:t>AllUnitTestsSuite</a:t>
+              <a:t>AllComponet</a:t>
+            </a:r>
+            <a:r>
+              <a:rPr lang="en-US" sz="1600" b="1" dirty="0" smtClean="0"/>
+              <a:t/>
+            </a:r>
+            <a:br>
+              <a:rPr lang="en-US" sz="1600" b="1" dirty="0" smtClean="0"/>
+            </a:br>
+            <a:r>
+              <a:rPr lang="en-US" sz="1600" b="1" dirty="0" err="1" smtClean="0"/>
+              <a:t>TestsSuite</a:t>
             </a:r>
             <a:endParaRPr lang="en-SG" sz="1600" b="1" dirty="0"/>
           </a:p>
@@ -4818,8 +4821,8 @@
         </p:nvCxnSpPr>
         <p:spPr>
           <a:xfrm rot="16200000" flipH="1">
-            <a:off x="1818030" y="5438562"/>
-            <a:ext cx="179167" cy="5655"/>
+            <a:off x="1787105" y="5407638"/>
+            <a:ext cx="179168" cy="67504"/>
           </a:xfrm>
           <a:prstGeom prst="bentConnector3">
             <a:avLst>
@@ -6376,7 +6379,7 @@
     </p:spTree>
     <p:extLst>
       <p:ext uri="{BB962C8B-B14F-4D97-AF65-F5344CB8AC3E}">
-        <p14:creationId xmlns="" xmlns:p14="http://schemas.microsoft.com/office/powerpoint/2010/main" val="2312643091"/>
+        <p14:creationId xmlns:p14="http://schemas.microsoft.com/office/powerpoint/2010/main" val="2312643091"/>
       </p:ext>
     </p:extLst>
   </p:cSld>

--- a/doc/diagrams/TestDriverComponent.pptx
+++ b/doc/diagrams/TestDriverComponent.pptx
@@ -193,7 +193,7 @@
             <a:fld id="{AF301891-4E62-472A-98E9-95DBD40531A4}" type="datetimeFigureOut">
               <a:rPr lang="en-SG" smtClean="0"/>
               <a:pPr/>
-              <a:t>10/7/2012</a:t>
+              <a:t>28/4/2013</a:t>
             </a:fld>
             <a:endParaRPr lang="en-SG"/>
           </a:p>
@@ -729,7 +729,7 @@
             <a:fld id="{1D8BD707-D9CF-40AE-B4C6-C98DA3205C09}" type="datetimeFigureOut">
               <a:rPr lang="en-US" smtClean="0"/>
               <a:pPr/>
-              <a:t>7/10/2012</a:t>
+              <a:t>4/28/2013</a:t>
             </a:fld>
             <a:endParaRPr lang="en-US"/>
           </a:p>
@@ -896,7 +896,7 @@
             <a:fld id="{1D8BD707-D9CF-40AE-B4C6-C98DA3205C09}" type="datetimeFigureOut">
               <a:rPr lang="en-US" smtClean="0"/>
               <a:pPr/>
-              <a:t>7/10/2012</a:t>
+              <a:t>4/28/2013</a:t>
             </a:fld>
             <a:endParaRPr lang="en-US"/>
           </a:p>
@@ -1073,7 +1073,7 @@
             <a:fld id="{1D8BD707-D9CF-40AE-B4C6-C98DA3205C09}" type="datetimeFigureOut">
               <a:rPr lang="en-US" smtClean="0"/>
               <a:pPr/>
-              <a:t>7/10/2012</a:t>
+              <a:t>4/28/2013</a:t>
             </a:fld>
             <a:endParaRPr lang="en-US"/>
           </a:p>
@@ -1240,7 +1240,7 @@
             <a:fld id="{1D8BD707-D9CF-40AE-B4C6-C98DA3205C09}" type="datetimeFigureOut">
               <a:rPr lang="en-US" smtClean="0"/>
               <a:pPr/>
-              <a:t>7/10/2012</a:t>
+              <a:t>4/28/2013</a:t>
             </a:fld>
             <a:endParaRPr lang="en-US"/>
           </a:p>
@@ -1483,7 +1483,7 @@
             <a:fld id="{1D8BD707-D9CF-40AE-B4C6-C98DA3205C09}" type="datetimeFigureOut">
               <a:rPr lang="en-US" smtClean="0"/>
               <a:pPr/>
-              <a:t>7/10/2012</a:t>
+              <a:t>4/28/2013</a:t>
             </a:fld>
             <a:endParaRPr lang="en-US"/>
           </a:p>
@@ -1768,7 +1768,7 @@
             <a:fld id="{1D8BD707-D9CF-40AE-B4C6-C98DA3205C09}" type="datetimeFigureOut">
               <a:rPr lang="en-US" smtClean="0"/>
               <a:pPr/>
-              <a:t>7/10/2012</a:t>
+              <a:t>4/28/2013</a:t>
             </a:fld>
             <a:endParaRPr lang="en-US"/>
           </a:p>
@@ -2187,7 +2187,7 @@
             <a:fld id="{1D8BD707-D9CF-40AE-B4C6-C98DA3205C09}" type="datetimeFigureOut">
               <a:rPr lang="en-US" smtClean="0"/>
               <a:pPr/>
-              <a:t>7/10/2012</a:t>
+              <a:t>4/28/2013</a:t>
             </a:fld>
             <a:endParaRPr lang="en-US"/>
           </a:p>
@@ -2302,7 +2302,7 @@
             <a:fld id="{1D8BD707-D9CF-40AE-B4C6-C98DA3205C09}" type="datetimeFigureOut">
               <a:rPr lang="en-US" smtClean="0"/>
               <a:pPr/>
-              <a:t>7/10/2012</a:t>
+              <a:t>4/28/2013</a:t>
             </a:fld>
             <a:endParaRPr lang="en-US"/>
           </a:p>
@@ -2394,7 +2394,7 @@
             <a:fld id="{1D8BD707-D9CF-40AE-B4C6-C98DA3205C09}" type="datetimeFigureOut">
               <a:rPr lang="en-US" smtClean="0"/>
               <a:pPr/>
-              <a:t>7/10/2012</a:t>
+              <a:t>4/28/2013</a:t>
             </a:fld>
             <a:endParaRPr lang="en-US"/>
           </a:p>
@@ -2668,7 +2668,7 @@
             <a:fld id="{1D8BD707-D9CF-40AE-B4C6-C98DA3205C09}" type="datetimeFigureOut">
               <a:rPr lang="en-US" smtClean="0"/>
               <a:pPr/>
-              <a:t>7/10/2012</a:t>
+              <a:t>4/28/2013</a:t>
             </a:fld>
             <a:endParaRPr lang="en-US"/>
           </a:p>
@@ -2918,7 +2918,7 @@
             <a:fld id="{1D8BD707-D9CF-40AE-B4C6-C98DA3205C09}" type="datetimeFigureOut">
               <a:rPr lang="en-US" smtClean="0"/>
               <a:pPr/>
-              <a:t>7/10/2012</a:t>
+              <a:t>4/28/2013</a:t>
             </a:fld>
             <a:endParaRPr lang="en-US"/>
           </a:p>
@@ -3128,7 +3128,7 @@
             <a:fld id="{1D8BD707-D9CF-40AE-B4C6-C98DA3205C09}" type="datetimeFigureOut">
               <a:rPr lang="en-US" smtClean="0"/>
               <a:pPr/>
-              <a:t>7/10/2012</a:t>
+              <a:t>4/28/2013</a:t>
             </a:fld>
             <a:endParaRPr lang="en-US"/>
           </a:p>
@@ -4090,7 +4090,7 @@
         </p:nvSpPr>
         <p:spPr>
           <a:xfrm>
-            <a:off x="1222761" y="5657380"/>
+            <a:off x="1261950" y="5657380"/>
             <a:ext cx="1368039" cy="361770"/>
           </a:xfrm>
           <a:prstGeom prst="rect">
@@ -4119,8 +4119,8 @@
           <a:p>
             <a:pPr algn="ctr"/>
             <a:r>
-              <a:rPr lang="en-US" sz="1600" b="1" dirty="0" err="1" smtClean="0"/>
-              <a:t>AllTestsSuite</a:t>
+              <a:rPr lang="en-US" sz="1600" b="1" dirty="0" smtClean="0"/>
+              <a:t>testing.xml</a:t>
             </a:r>
             <a:endParaRPr lang="en-SG" sz="1600" b="1" dirty="0"/>
           </a:p>
@@ -4220,7 +4220,7 @@
         </p:nvSpPr>
         <p:spPr>
           <a:xfrm rot="16200000">
-            <a:off x="1907202" y="2402727"/>
+            <a:off x="1907202" y="3154702"/>
             <a:ext cx="1204823" cy="361770"/>
           </a:xfrm>
           <a:prstGeom prst="rect">
@@ -4307,12 +4307,12 @@
         </p:nvCxnSpPr>
         <p:spPr>
           <a:xfrm rot="16200000" flipV="1">
-            <a:off x="2102765" y="1560836"/>
-            <a:ext cx="292060" cy="609940"/>
+            <a:off x="1726778" y="1936824"/>
+            <a:ext cx="1044035" cy="609940"/>
           </a:xfrm>
           <a:prstGeom prst="bentConnector3">
             <a:avLst>
-              <a:gd name="adj1" fmla="val 57827"/>
+              <a:gd name="adj1" fmla="val 50000"/>
             </a:avLst>
           </a:prstGeom>
         </p:spPr>
@@ -4341,7 +4341,7 @@
         </p:nvSpPr>
         <p:spPr>
           <a:xfrm rot="16200000">
-            <a:off x="1951353" y="2433362"/>
+            <a:off x="1951353" y="3185337"/>
             <a:ext cx="1204823" cy="361770"/>
           </a:xfrm>
           <a:prstGeom prst="rect">
@@ -4385,7 +4385,7 @@
         </p:nvSpPr>
         <p:spPr>
           <a:xfrm rot="16200000">
-            <a:off x="1998004" y="2476091"/>
+            <a:off x="1998004" y="3228066"/>
             <a:ext cx="1204823" cy="361770"/>
           </a:xfrm>
           <a:prstGeom prst="rect">
@@ -4429,7 +4429,7 @@
         </p:nvSpPr>
         <p:spPr>
           <a:xfrm rot="16200000">
-            <a:off x="1178674" y="2402727"/>
+            <a:off x="1178674" y="3154702"/>
             <a:ext cx="1204823" cy="361770"/>
           </a:xfrm>
           <a:prstGeom prst="rect">
@@ -4473,7 +4473,7 @@
         </p:nvSpPr>
         <p:spPr>
           <a:xfrm rot="16200000">
-            <a:off x="1222825" y="2433362"/>
+            <a:off x="1222825" y="3185337"/>
             <a:ext cx="1204823" cy="361770"/>
           </a:xfrm>
           <a:prstGeom prst="rect">
@@ -4517,7 +4517,7 @@
         </p:nvSpPr>
         <p:spPr>
           <a:xfrm rot="16200000">
-            <a:off x="1341224" y="2404341"/>
+            <a:off x="1341224" y="3156316"/>
             <a:ext cx="1204823" cy="505268"/>
           </a:xfrm>
           <a:prstGeom prst="rect">
@@ -4561,7 +4561,7 @@
         </p:nvSpPr>
         <p:spPr>
           <a:xfrm rot="16200000">
-            <a:off x="524829" y="2453027"/>
+            <a:off x="524829" y="3205002"/>
             <a:ext cx="1305424" cy="361770"/>
           </a:xfrm>
           <a:prstGeom prst="rect">
@@ -4608,8 +4608,8 @@
         </p:nvCxnSpPr>
         <p:spPr>
           <a:xfrm rot="5400000">
-            <a:off x="1429971" y="1467346"/>
-            <a:ext cx="261424" cy="766284"/>
+            <a:off x="1053984" y="1843333"/>
+            <a:ext cx="1013399" cy="766284"/>
           </a:xfrm>
           <a:prstGeom prst="bentConnector3">
             <a:avLst>
@@ -4645,325 +4645,14 @@
         </p:nvCxnSpPr>
         <p:spPr>
           <a:xfrm rot="5400000" flipH="1" flipV="1">
-            <a:off x="1731743" y="1769119"/>
-            <a:ext cx="261425" cy="162740"/>
+            <a:off x="1355755" y="2145106"/>
+            <a:ext cx="1013400" cy="162740"/>
           </a:xfrm>
           <a:prstGeom prst="bentConnector3">
             <a:avLst>
               <a:gd name="adj1" fmla="val 50000"/>
             </a:avLst>
           </a:prstGeom>
-        </p:spPr>
-        <p:style>
-          <a:lnRef idx="2">
-            <a:schemeClr val="accent6">
-              <a:shade val="50000"/>
-            </a:schemeClr>
-          </a:lnRef>
-          <a:fillRef idx="1">
-            <a:schemeClr val="accent6"/>
-          </a:fillRef>
-          <a:effectRef idx="0">
-            <a:schemeClr val="accent6"/>
-          </a:effectRef>
-          <a:fontRef idx="minor">
-            <a:schemeClr val="lt1"/>
-          </a:fontRef>
-        </p:style>
-      </p:cxnSp>
-      <p:sp>
-        <p:nvSpPr>
-          <p:cNvPr id="170" name="Rectangle 169"/>
-          <p:cNvSpPr/>
-          <p:nvPr/>
-        </p:nvSpPr>
-        <p:spPr>
-          <a:xfrm rot="16200000">
-            <a:off x="1011126" y="4277261"/>
-            <a:ext cx="1663621" cy="485469"/>
-          </a:xfrm>
-          <a:prstGeom prst="rect">
-            <a:avLst/>
-          </a:prstGeom>
-        </p:spPr>
-        <p:style>
-          <a:lnRef idx="2">
-            <a:schemeClr val="accent5">
-              <a:shade val="50000"/>
-            </a:schemeClr>
-          </a:lnRef>
-          <a:fillRef idx="1">
-            <a:schemeClr val="accent5"/>
-          </a:fillRef>
-          <a:effectRef idx="0">
-            <a:schemeClr val="accent5"/>
-          </a:effectRef>
-          <a:fontRef idx="minor">
-            <a:schemeClr val="lt1"/>
-          </a:fontRef>
-        </p:style>
-        <p:txBody>
-          <a:bodyPr rtlCol="0" anchor="ctr"/>
-          <a:lstStyle/>
-          <a:p>
-            <a:pPr algn="ctr"/>
-            <a:r>
-              <a:rPr lang="en-US" sz="1600" b="1" dirty="0" err="1" smtClean="0"/>
-              <a:t>AllComponet</a:t>
-            </a:r>
-            <a:r>
-              <a:rPr lang="en-US" sz="1600" b="1" dirty="0" smtClean="0"/>
-              <a:t/>
-            </a:r>
-            <a:br>
-              <a:rPr lang="en-US" sz="1600" b="1" dirty="0" smtClean="0"/>
-            </a:br>
-            <a:r>
-              <a:rPr lang="en-US" sz="1600" b="1" dirty="0" err="1" smtClean="0"/>
-              <a:t>TestsSuite</a:t>
-            </a:r>
-            <a:endParaRPr lang="en-SG" sz="1600" b="1" dirty="0"/>
-          </a:p>
-        </p:txBody>
-      </p:sp>
-      <p:sp>
-        <p:nvSpPr>
-          <p:cNvPr id="171" name="Rectangle 170"/>
-          <p:cNvSpPr/>
-          <p:nvPr/>
-        </p:nvSpPr>
-        <p:spPr>
-          <a:xfrm rot="16200000">
-            <a:off x="1721135" y="4329741"/>
-            <a:ext cx="1682360" cy="361770"/>
-          </a:xfrm>
-          <a:prstGeom prst="rect">
-            <a:avLst/>
-          </a:prstGeom>
-        </p:spPr>
-        <p:style>
-          <a:lnRef idx="2">
-            <a:schemeClr val="accent5">
-              <a:shade val="50000"/>
-            </a:schemeClr>
-          </a:lnRef>
-          <a:fillRef idx="1">
-            <a:schemeClr val="accent5"/>
-          </a:fillRef>
-          <a:effectRef idx="0">
-            <a:schemeClr val="accent5"/>
-          </a:effectRef>
-          <a:fontRef idx="minor">
-            <a:schemeClr val="lt1"/>
-          </a:fontRef>
-        </p:style>
-        <p:txBody>
-          <a:bodyPr rtlCol="0" anchor="ctr"/>
-          <a:lstStyle/>
-          <a:p>
-            <a:pPr algn="ctr"/>
-            <a:r>
-              <a:rPr lang="en-US" sz="1600" b="1" dirty="0" err="1" smtClean="0"/>
-              <a:t>AllUiTestsSuite</a:t>
-            </a:r>
-            <a:endParaRPr lang="en-SG" sz="1600" b="1" dirty="0"/>
-          </a:p>
-        </p:txBody>
-      </p:sp>
-      <p:sp>
-        <p:nvSpPr>
-          <p:cNvPr id="175" name="Flowchart: Decision 174"/>
-          <p:cNvSpPr/>
-          <p:nvPr/>
-        </p:nvSpPr>
-        <p:spPr>
-          <a:xfrm>
-            <a:off x="1839682" y="5530974"/>
-            <a:ext cx="141518" cy="127830"/>
-          </a:xfrm>
-          <a:prstGeom prst="flowChartDecision">
-            <a:avLst/>
-          </a:prstGeom>
-        </p:spPr>
-        <p:style>
-          <a:lnRef idx="2">
-            <a:schemeClr val="accent5">
-              <a:shade val="50000"/>
-            </a:schemeClr>
-          </a:lnRef>
-          <a:fillRef idx="1">
-            <a:schemeClr val="accent5"/>
-          </a:fillRef>
-          <a:effectRef idx="0">
-            <a:schemeClr val="accent5"/>
-          </a:effectRef>
-          <a:fontRef idx="minor">
-            <a:schemeClr val="lt1"/>
-          </a:fontRef>
-        </p:style>
-        <p:txBody>
-          <a:bodyPr rtlCol="0" anchor="ctr"/>
-          <a:lstStyle/>
-          <a:p>
-            <a:pPr algn="ctr"/>
-            <a:endParaRPr lang="en-SG"/>
-          </a:p>
-        </p:txBody>
-      </p:sp>
-      <p:cxnSp>
-        <p:nvCxnSpPr>
-          <p:cNvPr id="176" name="Elbow Connector 175"/>
-          <p:cNvCxnSpPr>
-            <a:stCxn id="170" idx="1"/>
-            <a:endCxn id="175" idx="0"/>
-          </p:cNvCxnSpPr>
-          <p:nvPr/>
-        </p:nvCxnSpPr>
-        <p:spPr>
-          <a:xfrm rot="16200000" flipH="1">
-            <a:off x="1787105" y="5407638"/>
-            <a:ext cx="179168" cy="67504"/>
-          </a:xfrm>
-          <a:prstGeom prst="bentConnector3">
-            <a:avLst>
-              <a:gd name="adj1" fmla="val 50000"/>
-            </a:avLst>
-          </a:prstGeom>
-          <a:ln>
-            <a:solidFill>
-              <a:schemeClr val="accent5">
-                <a:lumMod val="75000"/>
-              </a:schemeClr>
-            </a:solidFill>
-          </a:ln>
-        </p:spPr>
-        <p:style>
-          <a:lnRef idx="2">
-            <a:schemeClr val="accent6">
-              <a:shade val="50000"/>
-            </a:schemeClr>
-          </a:lnRef>
-          <a:fillRef idx="1">
-            <a:schemeClr val="accent6"/>
-          </a:fillRef>
-          <a:effectRef idx="0">
-            <a:schemeClr val="accent6"/>
-          </a:effectRef>
-          <a:fontRef idx="minor">
-            <a:schemeClr val="lt1"/>
-          </a:fontRef>
-        </p:style>
-      </p:cxnSp>
-      <p:cxnSp>
-        <p:nvCxnSpPr>
-          <p:cNvPr id="179" name="Elbow Connector 178"/>
-          <p:cNvCxnSpPr>
-            <a:stCxn id="171" idx="1"/>
-            <a:endCxn id="175" idx="0"/>
-          </p:cNvCxnSpPr>
-          <p:nvPr/>
-        </p:nvCxnSpPr>
-        <p:spPr>
-          <a:xfrm rot="5400000">
-            <a:off x="2146794" y="5115453"/>
-            <a:ext cx="179168" cy="651874"/>
-          </a:xfrm>
-          <a:prstGeom prst="bentConnector3">
-            <a:avLst>
-              <a:gd name="adj1" fmla="val 50000"/>
-            </a:avLst>
-          </a:prstGeom>
-          <a:ln>
-            <a:solidFill>
-              <a:schemeClr val="accent5">
-                <a:lumMod val="75000"/>
-              </a:schemeClr>
-            </a:solidFill>
-          </a:ln>
-        </p:spPr>
-        <p:style>
-          <a:lnRef idx="2">
-            <a:schemeClr val="accent6">
-              <a:shade val="50000"/>
-            </a:schemeClr>
-          </a:lnRef>
-          <a:fillRef idx="1">
-            <a:schemeClr val="accent6"/>
-          </a:fillRef>
-          <a:effectRef idx="0">
-            <a:schemeClr val="accent6"/>
-          </a:effectRef>
-          <a:fontRef idx="minor">
-            <a:schemeClr val="lt1"/>
-          </a:fontRef>
-        </p:style>
-      </p:cxnSp>
-      <p:sp>
-        <p:nvSpPr>
-          <p:cNvPr id="182" name="Flowchart: Decision 181"/>
-          <p:cNvSpPr/>
-          <p:nvPr/>
-        </p:nvSpPr>
-        <p:spPr>
-          <a:xfrm>
-            <a:off x="2529652" y="3539658"/>
-            <a:ext cx="141518" cy="127830"/>
-          </a:xfrm>
-          <a:prstGeom prst="flowChartDecision">
-            <a:avLst/>
-          </a:prstGeom>
-        </p:spPr>
-        <p:style>
-          <a:lnRef idx="2">
-            <a:schemeClr val="accent5">
-              <a:shade val="50000"/>
-            </a:schemeClr>
-          </a:lnRef>
-          <a:fillRef idx="1">
-            <a:schemeClr val="accent5"/>
-          </a:fillRef>
-          <a:effectRef idx="0">
-            <a:schemeClr val="accent5"/>
-          </a:effectRef>
-          <a:fontRef idx="minor">
-            <a:schemeClr val="lt1"/>
-          </a:fontRef>
-        </p:style>
-        <p:txBody>
-          <a:bodyPr rtlCol="0" anchor="ctr"/>
-          <a:lstStyle/>
-          <a:p>
-            <a:pPr algn="ctr"/>
-            <a:endParaRPr lang="en-SG"/>
-          </a:p>
-        </p:txBody>
-      </p:sp>
-      <p:cxnSp>
-        <p:nvCxnSpPr>
-          <p:cNvPr id="183" name="Elbow Connector 182"/>
-          <p:cNvCxnSpPr>
-            <a:stCxn id="145" idx="1"/>
-            <a:endCxn id="182" idx="0"/>
-          </p:cNvCxnSpPr>
-          <p:nvPr/>
-        </p:nvCxnSpPr>
-        <p:spPr>
-          <a:xfrm rot="5400000">
-            <a:off x="2460279" y="3399521"/>
-            <a:ext cx="280270" cy="5"/>
-          </a:xfrm>
-          <a:prstGeom prst="bentConnector3">
-            <a:avLst>
-              <a:gd name="adj1" fmla="val 50000"/>
-            </a:avLst>
-          </a:prstGeom>
-          <a:ln>
-            <a:solidFill>
-              <a:schemeClr val="accent5">
-                <a:lumMod val="75000"/>
-              </a:schemeClr>
-            </a:solidFill>
-          </a:ln>
         </p:spPr>
         <p:style>
           <a:lnRef idx="2">
@@ -4987,26 +4676,27 @@
           <p:cNvPr id="187" name="Elbow Connector 186"/>
           <p:cNvCxnSpPr>
             <a:stCxn id="150" idx="1"/>
-            <a:endCxn id="175" idx="0"/>
+            <a:endCxn id="103" idx="0"/>
           </p:cNvCxnSpPr>
           <p:nvPr/>
         </p:nvCxnSpPr>
         <p:spPr>
           <a:xfrm rot="16200000" flipH="1">
-            <a:off x="421816" y="4042349"/>
-            <a:ext cx="2244350" cy="732900"/>
+            <a:off x="752365" y="4463774"/>
+            <a:ext cx="1618781" cy="768429"/>
           </a:xfrm>
           <a:prstGeom prst="bentConnector3">
             <a:avLst>
-              <a:gd name="adj1" fmla="val 96175"/>
+              <a:gd name="adj1" fmla="val 50000"/>
             </a:avLst>
           </a:prstGeom>
           <a:ln>
             <a:solidFill>
-              <a:schemeClr val="accent5">
-                <a:lumMod val="75000"/>
-              </a:schemeClr>
+              <a:schemeClr val="accent1"/>
             </a:solidFill>
+            <a:prstDash val="sysDot"/>
+            <a:headEnd type="arrow" w="med" len="med"/>
+            <a:tailEnd type="none" w="med" len="med"/>
           </a:ln>
         </p:spPr>
         <p:style>
@@ -5500,8 +5190,8 @@
         </p:nvCxnSpPr>
         <p:spPr>
           <a:xfrm>
-            <a:off x="2781301" y="2656976"/>
-            <a:ext cx="1551210" cy="2864967"/>
+            <a:off x="2781301" y="3408951"/>
+            <a:ext cx="1551210" cy="2112992"/>
           </a:xfrm>
           <a:prstGeom prst="bentConnector3">
             <a:avLst>
@@ -5542,8 +5232,8 @@
         </p:nvCxnSpPr>
         <p:spPr>
           <a:xfrm>
-            <a:off x="2781301" y="2656976"/>
-            <a:ext cx="1551210" cy="2105524"/>
+            <a:off x="2781301" y="3408951"/>
+            <a:ext cx="1551210" cy="1353549"/>
           </a:xfrm>
           <a:prstGeom prst="bentConnector3">
             <a:avLst>
@@ -5583,9 +5273,9 @@
           <p:nvPr/>
         </p:nvCxnSpPr>
         <p:spPr>
-          <a:xfrm>
-            <a:off x="2781301" y="2656976"/>
-            <a:ext cx="1551210" cy="385328"/>
+          <a:xfrm flipV="1">
+            <a:off x="2781301" y="3042304"/>
+            <a:ext cx="1551210" cy="366647"/>
           </a:xfrm>
           <a:prstGeom prst="bentConnector3">
             <a:avLst>
@@ -5596,89 +5286,6 @@
             <a:prstDash val="sysDot"/>
             <a:headEnd type="none" w="med" len="med"/>
             <a:tailEnd type="arrow" w="med" len="med"/>
-          </a:ln>
-        </p:spPr>
-        <p:style>
-          <a:lnRef idx="2">
-            <a:schemeClr val="accent6">
-              <a:shade val="50000"/>
-            </a:schemeClr>
-          </a:lnRef>
-          <a:fillRef idx="1">
-            <a:schemeClr val="accent6"/>
-          </a:fillRef>
-          <a:effectRef idx="0">
-            <a:schemeClr val="accent6"/>
-          </a:effectRef>
-          <a:fontRef idx="minor">
-            <a:schemeClr val="lt1"/>
-          </a:fontRef>
-        </p:style>
-      </p:cxnSp>
-      <p:sp>
-        <p:nvSpPr>
-          <p:cNvPr id="280" name="Flowchart: Decision 279"/>
-          <p:cNvSpPr/>
-          <p:nvPr/>
-        </p:nvSpPr>
-        <p:spPr>
-          <a:xfrm>
-            <a:off x="1853667" y="3541675"/>
-            <a:ext cx="141518" cy="127830"/>
-          </a:xfrm>
-          <a:prstGeom prst="flowChartDecision">
-            <a:avLst/>
-          </a:prstGeom>
-        </p:spPr>
-        <p:style>
-          <a:lnRef idx="2">
-            <a:schemeClr val="accent5">
-              <a:shade val="50000"/>
-            </a:schemeClr>
-          </a:lnRef>
-          <a:fillRef idx="1">
-            <a:schemeClr val="accent5"/>
-          </a:fillRef>
-          <a:effectRef idx="0">
-            <a:schemeClr val="accent5"/>
-          </a:effectRef>
-          <a:fontRef idx="minor">
-            <a:schemeClr val="lt1"/>
-          </a:fontRef>
-        </p:style>
-        <p:txBody>
-          <a:bodyPr rtlCol="0" anchor="ctr"/>
-          <a:lstStyle/>
-          <a:p>
-            <a:pPr algn="ctr"/>
-            <a:endParaRPr lang="en-SG"/>
-          </a:p>
-        </p:txBody>
-      </p:sp>
-      <p:cxnSp>
-        <p:nvCxnSpPr>
-          <p:cNvPr id="281" name="Elbow Connector 280"/>
-          <p:cNvCxnSpPr>
-            <a:endCxn id="280" idx="0"/>
-          </p:cNvCxnSpPr>
-          <p:nvPr/>
-        </p:nvCxnSpPr>
-        <p:spPr>
-          <a:xfrm rot="5400000">
-            <a:off x="1784294" y="3401538"/>
-            <a:ext cx="280270" cy="5"/>
-          </a:xfrm>
-          <a:prstGeom prst="bentConnector3">
-            <a:avLst>
-              <a:gd name="adj1" fmla="val 50000"/>
-            </a:avLst>
-          </a:prstGeom>
-          <a:ln>
-            <a:solidFill>
-              <a:schemeClr val="accent5">
-                <a:lumMod val="75000"/>
-              </a:schemeClr>
-            </a:solidFill>
           </a:ln>
         </p:spPr>
         <p:style>
@@ -5928,7 +5535,7 @@
         <p:spPr>
           <a:xfrm flipV="1">
             <a:off x="2781301" y="1828069"/>
-            <a:ext cx="1551210" cy="828907"/>
+            <a:ext cx="1551210" cy="1580882"/>
           </a:xfrm>
           <a:prstGeom prst="bentConnector3">
             <a:avLst>
@@ -5969,8 +5576,8 @@
         </p:nvCxnSpPr>
         <p:spPr>
           <a:xfrm>
-            <a:off x="2781301" y="2656976"/>
-            <a:ext cx="1551210" cy="1153024"/>
+            <a:off x="2781301" y="3408951"/>
+            <a:ext cx="1551210" cy="401049"/>
           </a:xfrm>
           <a:prstGeom prst="bentConnector3">
             <a:avLst>
@@ -6328,7 +5935,7 @@
                   <a:schemeClr val="tx1"/>
                 </a:solidFill>
               </a:rPr>
-              <a:t>JUnit</a:t>
+              <a:t>TestNG</a:t>
             </a:r>
             <a:endParaRPr lang="en-SG" dirty="0">
               <a:solidFill>
@@ -6373,6 +5980,96 @@
           </a:effectRef>
           <a:fontRef idx="minor">
             <a:schemeClr val="tx1"/>
+          </a:fontRef>
+        </p:style>
+      </p:cxnSp>
+      <p:cxnSp>
+        <p:nvCxnSpPr>
+          <p:cNvPr id="62" name="Elbow Connector 61"/>
+          <p:cNvCxnSpPr>
+            <a:stCxn id="149" idx="1"/>
+            <a:endCxn id="103" idx="0"/>
+          </p:cNvCxnSpPr>
+          <p:nvPr/>
+        </p:nvCxnSpPr>
+        <p:spPr>
+          <a:xfrm rot="16200000" flipH="1">
+            <a:off x="1121794" y="4833204"/>
+            <a:ext cx="1646018" cy="2334"/>
+          </a:xfrm>
+          <a:prstGeom prst="bentConnector3">
+            <a:avLst>
+              <a:gd name="adj1" fmla="val 50000"/>
+            </a:avLst>
+          </a:prstGeom>
+          <a:ln>
+            <a:solidFill>
+              <a:schemeClr val="accent1"/>
+            </a:solidFill>
+            <a:prstDash val="sysDot"/>
+            <a:headEnd type="arrow" w="med" len="med"/>
+            <a:tailEnd type="none" w="med" len="med"/>
+          </a:ln>
+        </p:spPr>
+        <p:style>
+          <a:lnRef idx="2">
+            <a:schemeClr val="accent6">
+              <a:shade val="50000"/>
+            </a:schemeClr>
+          </a:lnRef>
+          <a:fillRef idx="1">
+            <a:schemeClr val="accent6"/>
+          </a:fillRef>
+          <a:effectRef idx="0">
+            <a:schemeClr val="accent6"/>
+          </a:effectRef>
+          <a:fontRef idx="minor">
+            <a:schemeClr val="lt1"/>
+          </a:fontRef>
+        </p:style>
+      </p:cxnSp>
+      <p:cxnSp>
+        <p:nvCxnSpPr>
+          <p:cNvPr id="64" name="Elbow Connector 63"/>
+          <p:cNvCxnSpPr>
+            <a:stCxn id="145" idx="1"/>
+            <a:endCxn id="103" idx="0"/>
+          </p:cNvCxnSpPr>
+          <p:nvPr/>
+        </p:nvCxnSpPr>
+        <p:spPr>
+          <a:xfrm rot="5400000">
+            <a:off x="1450185" y="4507148"/>
+            <a:ext cx="1646017" cy="654446"/>
+          </a:xfrm>
+          <a:prstGeom prst="bentConnector3">
+            <a:avLst>
+              <a:gd name="adj1" fmla="val 50000"/>
+            </a:avLst>
+          </a:prstGeom>
+          <a:ln>
+            <a:solidFill>
+              <a:schemeClr val="accent1"/>
+            </a:solidFill>
+            <a:prstDash val="sysDot"/>
+            <a:headEnd type="arrow" w="med" len="med"/>
+            <a:tailEnd type="none" w="med" len="med"/>
+          </a:ln>
+        </p:spPr>
+        <p:style>
+          <a:lnRef idx="2">
+            <a:schemeClr val="accent6">
+              <a:shade val="50000"/>
+            </a:schemeClr>
+          </a:lnRef>
+          <a:fillRef idx="1">
+            <a:schemeClr val="accent6"/>
+          </a:fillRef>
+          <a:effectRef idx="0">
+            <a:schemeClr val="accent6"/>
+          </a:effectRef>
+          <a:fontRef idx="minor">
+            <a:schemeClr val="lt1"/>
           </a:fontRef>
         </p:style>
       </p:cxnSp>

--- a/doc/diagrams/TestDriverComponent.pptx
+++ b/doc/diagrams/TestDriverComponent.pptx
@@ -193,7 +193,7 @@
             <a:fld id="{AF301891-4E62-472A-98E9-95DBD40531A4}" type="datetimeFigureOut">
               <a:rPr lang="en-SG" smtClean="0"/>
               <a:pPr/>
-              <a:t>28/4/2013</a:t>
+              <a:t>18/5/2013</a:t>
             </a:fld>
             <a:endParaRPr lang="en-SG"/>
           </a:p>
@@ -579,6 +579,9 @@
             <a:off x="685800" y="2130425"/>
             <a:ext cx="7772400" cy="1470025"/>
           </a:xfrm>
+          <a:prstGeom prst="rect">
+            <a:avLst/>
+          </a:prstGeom>
         </p:spPr>
         <p:txBody>
           <a:bodyPr/>
@@ -607,6 +610,9 @@
             <a:off x="1371600" y="3886200"/>
             <a:ext cx="6400800" cy="1752600"/>
           </a:xfrm>
+          <a:prstGeom prst="rect">
+            <a:avLst/>
+          </a:prstGeom>
         </p:spPr>
         <p:txBody>
           <a:bodyPr/>
@@ -721,7 +727,15 @@
             <p:ph type="dt" sz="half" idx="10"/>
           </p:nvPr>
         </p:nvSpPr>
-        <p:spPr/>
+        <p:spPr>
+          <a:xfrm>
+            <a:off x="457200" y="6356350"/>
+            <a:ext cx="2133600" cy="365125"/>
+          </a:xfrm>
+          <a:prstGeom prst="rect">
+            <a:avLst/>
+          </a:prstGeom>
+        </p:spPr>
         <p:txBody>
           <a:bodyPr/>
           <a:lstStyle/>
@@ -729,7 +743,7 @@
             <a:fld id="{1D8BD707-D9CF-40AE-B4C6-C98DA3205C09}" type="datetimeFigureOut">
               <a:rPr lang="en-US" smtClean="0"/>
               <a:pPr/>
-              <a:t>4/28/2013</a:t>
+              <a:t>5/18/2013</a:t>
             </a:fld>
             <a:endParaRPr lang="en-US"/>
           </a:p>
@@ -745,7 +759,15 @@
             <p:ph type="ftr" sz="quarter" idx="11"/>
           </p:nvPr>
         </p:nvSpPr>
-        <p:spPr/>
+        <p:spPr>
+          <a:xfrm>
+            <a:off x="3124200" y="6356350"/>
+            <a:ext cx="2895600" cy="365125"/>
+          </a:xfrm>
+          <a:prstGeom prst="rect">
+            <a:avLst/>
+          </a:prstGeom>
+        </p:spPr>
         <p:txBody>
           <a:bodyPr/>
           <a:lstStyle/>
@@ -764,7 +786,15 @@
             <p:ph type="sldNum" sz="quarter" idx="12"/>
           </p:nvPr>
         </p:nvSpPr>
-        <p:spPr/>
+        <p:spPr>
+          <a:xfrm>
+            <a:off x="6553200" y="6356350"/>
+            <a:ext cx="2133600" cy="365125"/>
+          </a:xfrm>
+          <a:prstGeom prst="rect">
+            <a:avLst/>
+          </a:prstGeom>
+        </p:spPr>
         <p:txBody>
           <a:bodyPr/>
           <a:lstStyle/>
@@ -813,7 +843,15 @@
             <p:ph type="title"/>
           </p:nvPr>
         </p:nvSpPr>
-        <p:spPr/>
+        <p:spPr>
+          <a:xfrm>
+            <a:off x="457200" y="274638"/>
+            <a:ext cx="8229600" cy="1143000"/>
+          </a:xfrm>
+          <a:prstGeom prst="rect">
+            <a:avLst/>
+          </a:prstGeom>
+        </p:spPr>
         <p:txBody>
           <a:bodyPr/>
           <a:lstStyle/>
@@ -836,7 +874,15 @@
             <p:ph type="body" orient="vert" idx="1"/>
           </p:nvPr>
         </p:nvSpPr>
-        <p:spPr/>
+        <p:spPr>
+          <a:xfrm>
+            <a:off x="457200" y="1600200"/>
+            <a:ext cx="8229600" cy="4525963"/>
+          </a:xfrm>
+          <a:prstGeom prst="rect">
+            <a:avLst/>
+          </a:prstGeom>
+        </p:spPr>
         <p:txBody>
           <a:bodyPr vert="eaVert"/>
           <a:lstStyle/>
@@ -888,7 +934,15 @@
             <p:ph type="dt" sz="half" idx="10"/>
           </p:nvPr>
         </p:nvSpPr>
-        <p:spPr/>
+        <p:spPr>
+          <a:xfrm>
+            <a:off x="457200" y="6356350"/>
+            <a:ext cx="2133600" cy="365125"/>
+          </a:xfrm>
+          <a:prstGeom prst="rect">
+            <a:avLst/>
+          </a:prstGeom>
+        </p:spPr>
         <p:txBody>
           <a:bodyPr/>
           <a:lstStyle/>
@@ -896,7 +950,7 @@
             <a:fld id="{1D8BD707-D9CF-40AE-B4C6-C98DA3205C09}" type="datetimeFigureOut">
               <a:rPr lang="en-US" smtClean="0"/>
               <a:pPr/>
-              <a:t>4/28/2013</a:t>
+              <a:t>5/18/2013</a:t>
             </a:fld>
             <a:endParaRPr lang="en-US"/>
           </a:p>
@@ -912,7 +966,15 @@
             <p:ph type="ftr" sz="quarter" idx="11"/>
           </p:nvPr>
         </p:nvSpPr>
-        <p:spPr/>
+        <p:spPr>
+          <a:xfrm>
+            <a:off x="3124200" y="6356350"/>
+            <a:ext cx="2895600" cy="365125"/>
+          </a:xfrm>
+          <a:prstGeom prst="rect">
+            <a:avLst/>
+          </a:prstGeom>
+        </p:spPr>
         <p:txBody>
           <a:bodyPr/>
           <a:lstStyle/>
@@ -931,7 +993,15 @@
             <p:ph type="sldNum" sz="quarter" idx="12"/>
           </p:nvPr>
         </p:nvSpPr>
-        <p:spPr/>
+        <p:spPr>
+          <a:xfrm>
+            <a:off x="6553200" y="6356350"/>
+            <a:ext cx="2133600" cy="365125"/>
+          </a:xfrm>
+          <a:prstGeom prst="rect">
+            <a:avLst/>
+          </a:prstGeom>
+        </p:spPr>
         <p:txBody>
           <a:bodyPr/>
           <a:lstStyle/>
@@ -985,6 +1055,9 @@
             <a:off x="6629400" y="274638"/>
             <a:ext cx="2057400" cy="5851525"/>
           </a:xfrm>
+          <a:prstGeom prst="rect">
+            <a:avLst/>
+          </a:prstGeom>
         </p:spPr>
         <p:txBody>
           <a:bodyPr vert="eaVert"/>
@@ -1013,6 +1086,9 @@
             <a:off x="457200" y="274638"/>
             <a:ext cx="6019800" cy="5851525"/>
           </a:xfrm>
+          <a:prstGeom prst="rect">
+            <a:avLst/>
+          </a:prstGeom>
         </p:spPr>
         <p:txBody>
           <a:bodyPr vert="eaVert"/>
@@ -1065,7 +1141,15 @@
             <p:ph type="dt" sz="half" idx="10"/>
           </p:nvPr>
         </p:nvSpPr>
-        <p:spPr/>
+        <p:spPr>
+          <a:xfrm>
+            <a:off x="457200" y="6356350"/>
+            <a:ext cx="2133600" cy="365125"/>
+          </a:xfrm>
+          <a:prstGeom prst="rect">
+            <a:avLst/>
+          </a:prstGeom>
+        </p:spPr>
         <p:txBody>
           <a:bodyPr/>
           <a:lstStyle/>
@@ -1073,7 +1157,7 @@
             <a:fld id="{1D8BD707-D9CF-40AE-B4C6-C98DA3205C09}" type="datetimeFigureOut">
               <a:rPr lang="en-US" smtClean="0"/>
               <a:pPr/>
-              <a:t>4/28/2013</a:t>
+              <a:t>5/18/2013</a:t>
             </a:fld>
             <a:endParaRPr lang="en-US"/>
           </a:p>
@@ -1089,7 +1173,15 @@
             <p:ph type="ftr" sz="quarter" idx="11"/>
           </p:nvPr>
         </p:nvSpPr>
-        <p:spPr/>
+        <p:spPr>
+          <a:xfrm>
+            <a:off x="3124200" y="6356350"/>
+            <a:ext cx="2895600" cy="365125"/>
+          </a:xfrm>
+          <a:prstGeom prst="rect">
+            <a:avLst/>
+          </a:prstGeom>
+        </p:spPr>
         <p:txBody>
           <a:bodyPr/>
           <a:lstStyle/>
@@ -1108,7 +1200,15 @@
             <p:ph type="sldNum" sz="quarter" idx="12"/>
           </p:nvPr>
         </p:nvSpPr>
-        <p:spPr/>
+        <p:spPr>
+          <a:xfrm>
+            <a:off x="6553200" y="6356350"/>
+            <a:ext cx="2133600" cy="365125"/>
+          </a:xfrm>
+          <a:prstGeom prst="rect">
+            <a:avLst/>
+          </a:prstGeom>
+        </p:spPr>
         <p:txBody>
           <a:bodyPr/>
           <a:lstStyle/>
@@ -1157,7 +1257,15 @@
             <p:ph type="title"/>
           </p:nvPr>
         </p:nvSpPr>
-        <p:spPr/>
+        <p:spPr>
+          <a:xfrm>
+            <a:off x="457200" y="274638"/>
+            <a:ext cx="8229600" cy="1143000"/>
+          </a:xfrm>
+          <a:prstGeom prst="rect">
+            <a:avLst/>
+          </a:prstGeom>
+        </p:spPr>
         <p:txBody>
           <a:bodyPr/>
           <a:lstStyle/>
@@ -1180,7 +1288,15 @@
             <p:ph idx="1"/>
           </p:nvPr>
         </p:nvSpPr>
-        <p:spPr/>
+        <p:spPr>
+          <a:xfrm>
+            <a:off x="457200" y="1600200"/>
+            <a:ext cx="8229600" cy="4525963"/>
+          </a:xfrm>
+          <a:prstGeom prst="rect">
+            <a:avLst/>
+          </a:prstGeom>
+        </p:spPr>
         <p:txBody>
           <a:bodyPr/>
           <a:lstStyle/>
@@ -1232,7 +1348,15 @@
             <p:ph type="dt" sz="half" idx="10"/>
           </p:nvPr>
         </p:nvSpPr>
-        <p:spPr/>
+        <p:spPr>
+          <a:xfrm>
+            <a:off x="457200" y="6356350"/>
+            <a:ext cx="2133600" cy="365125"/>
+          </a:xfrm>
+          <a:prstGeom prst="rect">
+            <a:avLst/>
+          </a:prstGeom>
+        </p:spPr>
         <p:txBody>
           <a:bodyPr/>
           <a:lstStyle/>
@@ -1240,7 +1364,7 @@
             <a:fld id="{1D8BD707-D9CF-40AE-B4C6-C98DA3205C09}" type="datetimeFigureOut">
               <a:rPr lang="en-US" smtClean="0"/>
               <a:pPr/>
-              <a:t>4/28/2013</a:t>
+              <a:t>5/18/2013</a:t>
             </a:fld>
             <a:endParaRPr lang="en-US"/>
           </a:p>
@@ -1256,7 +1380,15 @@
             <p:ph type="ftr" sz="quarter" idx="11"/>
           </p:nvPr>
         </p:nvSpPr>
-        <p:spPr/>
+        <p:spPr>
+          <a:xfrm>
+            <a:off x="3124200" y="6356350"/>
+            <a:ext cx="2895600" cy="365125"/>
+          </a:xfrm>
+          <a:prstGeom prst="rect">
+            <a:avLst/>
+          </a:prstGeom>
+        </p:spPr>
         <p:txBody>
           <a:bodyPr/>
           <a:lstStyle/>
@@ -1275,7 +1407,15 @@
             <p:ph type="sldNum" sz="quarter" idx="12"/>
           </p:nvPr>
         </p:nvSpPr>
-        <p:spPr/>
+        <p:spPr>
+          <a:xfrm>
+            <a:off x="6553200" y="6356350"/>
+            <a:ext cx="2133600" cy="365125"/>
+          </a:xfrm>
+          <a:prstGeom prst="rect">
+            <a:avLst/>
+          </a:prstGeom>
+        </p:spPr>
         <p:txBody>
           <a:bodyPr/>
           <a:lstStyle/>
@@ -1329,6 +1469,9 @@
             <a:off x="722313" y="4406900"/>
             <a:ext cx="7772400" cy="1362075"/>
           </a:xfrm>
+          <a:prstGeom prst="rect">
+            <a:avLst/>
+          </a:prstGeom>
         </p:spPr>
         <p:txBody>
           <a:bodyPr anchor="t"/>
@@ -1361,6 +1504,9 @@
             <a:off x="722313" y="2906713"/>
             <a:ext cx="7772400" cy="1500187"/>
           </a:xfrm>
+          <a:prstGeom prst="rect">
+            <a:avLst/>
+          </a:prstGeom>
         </p:spPr>
         <p:txBody>
           <a:bodyPr anchor="b"/>
@@ -1475,7 +1621,15 @@
             <p:ph type="dt" sz="half" idx="10"/>
           </p:nvPr>
         </p:nvSpPr>
-        <p:spPr/>
+        <p:spPr>
+          <a:xfrm>
+            <a:off x="457200" y="6356350"/>
+            <a:ext cx="2133600" cy="365125"/>
+          </a:xfrm>
+          <a:prstGeom prst="rect">
+            <a:avLst/>
+          </a:prstGeom>
+        </p:spPr>
         <p:txBody>
           <a:bodyPr/>
           <a:lstStyle/>
@@ -1483,7 +1637,7 @@
             <a:fld id="{1D8BD707-D9CF-40AE-B4C6-C98DA3205C09}" type="datetimeFigureOut">
               <a:rPr lang="en-US" smtClean="0"/>
               <a:pPr/>
-              <a:t>4/28/2013</a:t>
+              <a:t>5/18/2013</a:t>
             </a:fld>
             <a:endParaRPr lang="en-US"/>
           </a:p>
@@ -1499,7 +1653,15 @@
             <p:ph type="ftr" sz="quarter" idx="11"/>
           </p:nvPr>
         </p:nvSpPr>
-        <p:spPr/>
+        <p:spPr>
+          <a:xfrm>
+            <a:off x="3124200" y="6356350"/>
+            <a:ext cx="2895600" cy="365125"/>
+          </a:xfrm>
+          <a:prstGeom prst="rect">
+            <a:avLst/>
+          </a:prstGeom>
+        </p:spPr>
         <p:txBody>
           <a:bodyPr/>
           <a:lstStyle/>
@@ -1518,7 +1680,15 @@
             <p:ph type="sldNum" sz="quarter" idx="12"/>
           </p:nvPr>
         </p:nvSpPr>
-        <p:spPr/>
+        <p:spPr>
+          <a:xfrm>
+            <a:off x="6553200" y="6356350"/>
+            <a:ext cx="2133600" cy="365125"/>
+          </a:xfrm>
+          <a:prstGeom prst="rect">
+            <a:avLst/>
+          </a:prstGeom>
+        </p:spPr>
         <p:txBody>
           <a:bodyPr/>
           <a:lstStyle/>
@@ -1567,7 +1737,15 @@
             <p:ph type="title"/>
           </p:nvPr>
         </p:nvSpPr>
-        <p:spPr/>
+        <p:spPr>
+          <a:xfrm>
+            <a:off x="457200" y="274638"/>
+            <a:ext cx="8229600" cy="1143000"/>
+          </a:xfrm>
+          <a:prstGeom prst="rect">
+            <a:avLst/>
+          </a:prstGeom>
+        </p:spPr>
         <p:txBody>
           <a:bodyPr/>
           <a:lstStyle/>
@@ -1595,6 +1773,9 @@
             <a:off x="457200" y="1600200"/>
             <a:ext cx="4038600" cy="4525963"/>
           </a:xfrm>
+          <a:prstGeom prst="rect">
+            <a:avLst/>
+          </a:prstGeom>
         </p:spPr>
         <p:txBody>
           <a:bodyPr/>
@@ -1680,6 +1861,9 @@
             <a:off x="4648200" y="1600200"/>
             <a:ext cx="4038600" cy="4525963"/>
           </a:xfrm>
+          <a:prstGeom prst="rect">
+            <a:avLst/>
+          </a:prstGeom>
         </p:spPr>
         <p:txBody>
           <a:bodyPr/>
@@ -1760,7 +1944,15 @@
             <p:ph type="dt" sz="half" idx="10"/>
           </p:nvPr>
         </p:nvSpPr>
-        <p:spPr/>
+        <p:spPr>
+          <a:xfrm>
+            <a:off x="457200" y="6356350"/>
+            <a:ext cx="2133600" cy="365125"/>
+          </a:xfrm>
+          <a:prstGeom prst="rect">
+            <a:avLst/>
+          </a:prstGeom>
+        </p:spPr>
         <p:txBody>
           <a:bodyPr/>
           <a:lstStyle/>
@@ -1768,7 +1960,7 @@
             <a:fld id="{1D8BD707-D9CF-40AE-B4C6-C98DA3205C09}" type="datetimeFigureOut">
               <a:rPr lang="en-US" smtClean="0"/>
               <a:pPr/>
-              <a:t>4/28/2013</a:t>
+              <a:t>5/18/2013</a:t>
             </a:fld>
             <a:endParaRPr lang="en-US"/>
           </a:p>
@@ -1784,7 +1976,15 @@
             <p:ph type="ftr" sz="quarter" idx="11"/>
           </p:nvPr>
         </p:nvSpPr>
-        <p:spPr/>
+        <p:spPr>
+          <a:xfrm>
+            <a:off x="3124200" y="6356350"/>
+            <a:ext cx="2895600" cy="365125"/>
+          </a:xfrm>
+          <a:prstGeom prst="rect">
+            <a:avLst/>
+          </a:prstGeom>
+        </p:spPr>
         <p:txBody>
           <a:bodyPr/>
           <a:lstStyle/>
@@ -1803,7 +2003,15 @@
             <p:ph type="sldNum" sz="quarter" idx="12"/>
           </p:nvPr>
         </p:nvSpPr>
-        <p:spPr/>
+        <p:spPr>
+          <a:xfrm>
+            <a:off x="6553200" y="6356350"/>
+            <a:ext cx="2133600" cy="365125"/>
+          </a:xfrm>
+          <a:prstGeom prst="rect">
+            <a:avLst/>
+          </a:prstGeom>
+        </p:spPr>
         <p:txBody>
           <a:bodyPr/>
           <a:lstStyle/>
@@ -1852,7 +2060,15 @@
             <p:ph type="title"/>
           </p:nvPr>
         </p:nvSpPr>
-        <p:spPr/>
+        <p:spPr>
+          <a:xfrm>
+            <a:off x="457200" y="274638"/>
+            <a:ext cx="8229600" cy="1143000"/>
+          </a:xfrm>
+          <a:prstGeom prst="rect">
+            <a:avLst/>
+          </a:prstGeom>
+        </p:spPr>
         <p:txBody>
           <a:bodyPr/>
           <a:lstStyle>
@@ -1884,6 +2100,9 @@
             <a:off x="457200" y="1535113"/>
             <a:ext cx="4040188" cy="639762"/>
           </a:xfrm>
+          <a:prstGeom prst="rect">
+            <a:avLst/>
+          </a:prstGeom>
         </p:spPr>
         <p:txBody>
           <a:bodyPr anchor="b"/>
@@ -1949,6 +2168,9 @@
             <a:off x="457200" y="2174875"/>
             <a:ext cx="4040188" cy="3951288"/>
           </a:xfrm>
+          <a:prstGeom prst="rect">
+            <a:avLst/>
+          </a:prstGeom>
         </p:spPr>
         <p:txBody>
           <a:bodyPr/>
@@ -2034,6 +2256,9 @@
             <a:off x="4645025" y="1535113"/>
             <a:ext cx="4041775" cy="639762"/>
           </a:xfrm>
+          <a:prstGeom prst="rect">
+            <a:avLst/>
+          </a:prstGeom>
         </p:spPr>
         <p:txBody>
           <a:bodyPr anchor="b"/>
@@ -2099,6 +2324,9 @@
             <a:off x="4645025" y="2174875"/>
             <a:ext cx="4041775" cy="3951288"/>
           </a:xfrm>
+          <a:prstGeom prst="rect">
+            <a:avLst/>
+          </a:prstGeom>
         </p:spPr>
         <p:txBody>
           <a:bodyPr/>
@@ -2179,7 +2407,15 @@
             <p:ph type="dt" sz="half" idx="10"/>
           </p:nvPr>
         </p:nvSpPr>
-        <p:spPr/>
+        <p:spPr>
+          <a:xfrm>
+            <a:off x="457200" y="6356350"/>
+            <a:ext cx="2133600" cy="365125"/>
+          </a:xfrm>
+          <a:prstGeom prst="rect">
+            <a:avLst/>
+          </a:prstGeom>
+        </p:spPr>
         <p:txBody>
           <a:bodyPr/>
           <a:lstStyle/>
@@ -2187,7 +2423,7 @@
             <a:fld id="{1D8BD707-D9CF-40AE-B4C6-C98DA3205C09}" type="datetimeFigureOut">
               <a:rPr lang="en-US" smtClean="0"/>
               <a:pPr/>
-              <a:t>4/28/2013</a:t>
+              <a:t>5/18/2013</a:t>
             </a:fld>
             <a:endParaRPr lang="en-US"/>
           </a:p>
@@ -2203,7 +2439,15 @@
             <p:ph type="ftr" sz="quarter" idx="11"/>
           </p:nvPr>
         </p:nvSpPr>
-        <p:spPr/>
+        <p:spPr>
+          <a:xfrm>
+            <a:off x="3124200" y="6356350"/>
+            <a:ext cx="2895600" cy="365125"/>
+          </a:xfrm>
+          <a:prstGeom prst="rect">
+            <a:avLst/>
+          </a:prstGeom>
+        </p:spPr>
         <p:txBody>
           <a:bodyPr/>
           <a:lstStyle/>
@@ -2222,7 +2466,15 @@
             <p:ph type="sldNum" sz="quarter" idx="12"/>
           </p:nvPr>
         </p:nvSpPr>
-        <p:spPr/>
+        <p:spPr>
+          <a:xfrm>
+            <a:off x="6553200" y="6356350"/>
+            <a:ext cx="2133600" cy="365125"/>
+          </a:xfrm>
+          <a:prstGeom prst="rect">
+            <a:avLst/>
+          </a:prstGeom>
+        </p:spPr>
         <p:txBody>
           <a:bodyPr/>
           <a:lstStyle/>
@@ -2271,7 +2523,15 @@
             <p:ph type="title"/>
           </p:nvPr>
         </p:nvSpPr>
-        <p:spPr/>
+        <p:spPr>
+          <a:xfrm>
+            <a:off x="457200" y="274638"/>
+            <a:ext cx="8229600" cy="1143000"/>
+          </a:xfrm>
+          <a:prstGeom prst="rect">
+            <a:avLst/>
+          </a:prstGeom>
+        </p:spPr>
         <p:txBody>
           <a:bodyPr/>
           <a:lstStyle/>
@@ -2294,7 +2554,15 @@
             <p:ph type="dt" sz="half" idx="10"/>
           </p:nvPr>
         </p:nvSpPr>
-        <p:spPr/>
+        <p:spPr>
+          <a:xfrm>
+            <a:off x="457200" y="6356350"/>
+            <a:ext cx="2133600" cy="365125"/>
+          </a:xfrm>
+          <a:prstGeom prst="rect">
+            <a:avLst/>
+          </a:prstGeom>
+        </p:spPr>
         <p:txBody>
           <a:bodyPr/>
           <a:lstStyle/>
@@ -2302,7 +2570,7 @@
             <a:fld id="{1D8BD707-D9CF-40AE-B4C6-C98DA3205C09}" type="datetimeFigureOut">
               <a:rPr lang="en-US" smtClean="0"/>
               <a:pPr/>
-              <a:t>4/28/2013</a:t>
+              <a:t>5/18/2013</a:t>
             </a:fld>
             <a:endParaRPr lang="en-US"/>
           </a:p>
@@ -2318,7 +2586,15 @@
             <p:ph type="ftr" sz="quarter" idx="11"/>
           </p:nvPr>
         </p:nvSpPr>
-        <p:spPr/>
+        <p:spPr>
+          <a:xfrm>
+            <a:off x="3124200" y="6356350"/>
+            <a:ext cx="2895600" cy="365125"/>
+          </a:xfrm>
+          <a:prstGeom prst="rect">
+            <a:avLst/>
+          </a:prstGeom>
+        </p:spPr>
         <p:txBody>
           <a:bodyPr/>
           <a:lstStyle/>
@@ -2337,7 +2613,15 @@
             <p:ph type="sldNum" sz="quarter" idx="12"/>
           </p:nvPr>
         </p:nvSpPr>
-        <p:spPr/>
+        <p:spPr>
+          <a:xfrm>
+            <a:off x="6553200" y="6356350"/>
+            <a:ext cx="2133600" cy="365125"/>
+          </a:xfrm>
+          <a:prstGeom prst="rect">
+            <a:avLst/>
+          </a:prstGeom>
+        </p:spPr>
         <p:txBody>
           <a:bodyPr/>
           <a:lstStyle/>
@@ -2386,7 +2670,15 @@
             <p:ph type="dt" sz="half" idx="10"/>
           </p:nvPr>
         </p:nvSpPr>
-        <p:spPr/>
+        <p:spPr>
+          <a:xfrm>
+            <a:off x="457200" y="6356350"/>
+            <a:ext cx="2133600" cy="365125"/>
+          </a:xfrm>
+          <a:prstGeom prst="rect">
+            <a:avLst/>
+          </a:prstGeom>
+        </p:spPr>
         <p:txBody>
           <a:bodyPr/>
           <a:lstStyle/>
@@ -2394,7 +2686,7 @@
             <a:fld id="{1D8BD707-D9CF-40AE-B4C6-C98DA3205C09}" type="datetimeFigureOut">
               <a:rPr lang="en-US" smtClean="0"/>
               <a:pPr/>
-              <a:t>4/28/2013</a:t>
+              <a:t>5/18/2013</a:t>
             </a:fld>
             <a:endParaRPr lang="en-US"/>
           </a:p>
@@ -2410,7 +2702,15 @@
             <p:ph type="ftr" sz="quarter" idx="11"/>
           </p:nvPr>
         </p:nvSpPr>
-        <p:spPr/>
+        <p:spPr>
+          <a:xfrm>
+            <a:off x="3124200" y="6356350"/>
+            <a:ext cx="2895600" cy="365125"/>
+          </a:xfrm>
+          <a:prstGeom prst="rect">
+            <a:avLst/>
+          </a:prstGeom>
+        </p:spPr>
         <p:txBody>
           <a:bodyPr/>
           <a:lstStyle/>
@@ -2429,7 +2729,15 @@
             <p:ph type="sldNum" sz="quarter" idx="12"/>
           </p:nvPr>
         </p:nvSpPr>
-        <p:spPr/>
+        <p:spPr>
+          <a:xfrm>
+            <a:off x="6553200" y="6356350"/>
+            <a:ext cx="2133600" cy="365125"/>
+          </a:xfrm>
+          <a:prstGeom prst="rect">
+            <a:avLst/>
+          </a:prstGeom>
+        </p:spPr>
         <p:txBody>
           <a:bodyPr/>
           <a:lstStyle/>
@@ -2483,6 +2791,9 @@
             <a:off x="457200" y="273050"/>
             <a:ext cx="3008313" cy="1162050"/>
           </a:xfrm>
+          <a:prstGeom prst="rect">
+            <a:avLst/>
+          </a:prstGeom>
         </p:spPr>
         <p:txBody>
           <a:bodyPr anchor="b"/>
@@ -2515,6 +2826,9 @@
             <a:off x="3575050" y="273050"/>
             <a:ext cx="5111750" cy="5853113"/>
           </a:xfrm>
+          <a:prstGeom prst="rect">
+            <a:avLst/>
+          </a:prstGeom>
         </p:spPr>
         <p:txBody>
           <a:bodyPr/>
@@ -2600,6 +2914,9 @@
             <a:off x="457200" y="1435100"/>
             <a:ext cx="3008313" cy="4691063"/>
           </a:xfrm>
+          <a:prstGeom prst="rect">
+            <a:avLst/>
+          </a:prstGeom>
         </p:spPr>
         <p:txBody>
           <a:bodyPr/>
@@ -2660,7 +2977,15 @@
             <p:ph type="dt" sz="half" idx="10"/>
           </p:nvPr>
         </p:nvSpPr>
-        <p:spPr/>
+        <p:spPr>
+          <a:xfrm>
+            <a:off x="457200" y="6356350"/>
+            <a:ext cx="2133600" cy="365125"/>
+          </a:xfrm>
+          <a:prstGeom prst="rect">
+            <a:avLst/>
+          </a:prstGeom>
+        </p:spPr>
         <p:txBody>
           <a:bodyPr/>
           <a:lstStyle/>
@@ -2668,7 +2993,7 @@
             <a:fld id="{1D8BD707-D9CF-40AE-B4C6-C98DA3205C09}" type="datetimeFigureOut">
               <a:rPr lang="en-US" smtClean="0"/>
               <a:pPr/>
-              <a:t>4/28/2013</a:t>
+              <a:t>5/18/2013</a:t>
             </a:fld>
             <a:endParaRPr lang="en-US"/>
           </a:p>
@@ -2684,7 +3009,15 @@
             <p:ph type="ftr" sz="quarter" idx="11"/>
           </p:nvPr>
         </p:nvSpPr>
-        <p:spPr/>
+        <p:spPr>
+          <a:xfrm>
+            <a:off x="3124200" y="6356350"/>
+            <a:ext cx="2895600" cy="365125"/>
+          </a:xfrm>
+          <a:prstGeom prst="rect">
+            <a:avLst/>
+          </a:prstGeom>
+        </p:spPr>
         <p:txBody>
           <a:bodyPr/>
           <a:lstStyle/>
@@ -2703,7 +3036,15 @@
             <p:ph type="sldNum" sz="quarter" idx="12"/>
           </p:nvPr>
         </p:nvSpPr>
-        <p:spPr/>
+        <p:spPr>
+          <a:xfrm>
+            <a:off x="6553200" y="6356350"/>
+            <a:ext cx="2133600" cy="365125"/>
+          </a:xfrm>
+          <a:prstGeom prst="rect">
+            <a:avLst/>
+          </a:prstGeom>
+        </p:spPr>
         <p:txBody>
           <a:bodyPr/>
           <a:lstStyle/>
@@ -2757,6 +3098,9 @@
             <a:off x="1792288" y="4800600"/>
             <a:ext cx="5486400" cy="566738"/>
           </a:xfrm>
+          <a:prstGeom prst="rect">
+            <a:avLst/>
+          </a:prstGeom>
         </p:spPr>
         <p:txBody>
           <a:bodyPr anchor="b"/>
@@ -2789,6 +3133,9 @@
             <a:off x="1792288" y="612775"/>
             <a:ext cx="5486400" cy="4114800"/>
           </a:xfrm>
+          <a:prstGeom prst="rect">
+            <a:avLst/>
+          </a:prstGeom>
         </p:spPr>
         <p:txBody>
           <a:bodyPr/>
@@ -2850,6 +3197,9 @@
             <a:off x="1792288" y="5367338"/>
             <a:ext cx="5486400" cy="804862"/>
           </a:xfrm>
+          <a:prstGeom prst="rect">
+            <a:avLst/>
+          </a:prstGeom>
         </p:spPr>
         <p:txBody>
           <a:bodyPr/>
@@ -2910,7 +3260,15 @@
             <p:ph type="dt" sz="half" idx="10"/>
           </p:nvPr>
         </p:nvSpPr>
-        <p:spPr/>
+        <p:spPr>
+          <a:xfrm>
+            <a:off x="457200" y="6356350"/>
+            <a:ext cx="2133600" cy="365125"/>
+          </a:xfrm>
+          <a:prstGeom prst="rect">
+            <a:avLst/>
+          </a:prstGeom>
+        </p:spPr>
         <p:txBody>
           <a:bodyPr/>
           <a:lstStyle/>
@@ -2918,7 +3276,7 @@
             <a:fld id="{1D8BD707-D9CF-40AE-B4C6-C98DA3205C09}" type="datetimeFigureOut">
               <a:rPr lang="en-US" smtClean="0"/>
               <a:pPr/>
-              <a:t>4/28/2013</a:t>
+              <a:t>5/18/2013</a:t>
             </a:fld>
             <a:endParaRPr lang="en-US"/>
           </a:p>
@@ -2934,7 +3292,15 @@
             <p:ph type="ftr" sz="quarter" idx="11"/>
           </p:nvPr>
         </p:nvSpPr>
-        <p:spPr/>
+        <p:spPr>
+          <a:xfrm>
+            <a:off x="3124200" y="6356350"/>
+            <a:ext cx="2895600" cy="365125"/>
+          </a:xfrm>
+          <a:prstGeom prst="rect">
+            <a:avLst/>
+          </a:prstGeom>
+        </p:spPr>
         <p:txBody>
           <a:bodyPr/>
           <a:lstStyle/>
@@ -2953,7 +3319,15 @@
             <p:ph type="sldNum" sz="quarter" idx="12"/>
           </p:nvPr>
         </p:nvSpPr>
-        <p:spPr/>
+        <p:spPr>
+          <a:xfrm>
+            <a:off x="6553200" y="6356350"/>
+            <a:ext cx="2133600" cy="365125"/>
+          </a:xfrm>
+          <a:prstGeom prst="rect">
+            <a:avLst/>
+          </a:prstGeom>
+        </p:spPr>
         <p:txBody>
           <a:bodyPr/>
           <a:lstStyle/>
@@ -2999,220 +3373,338 @@
       </p:grpSpPr>
       <p:sp>
         <p:nvSpPr>
-          <p:cNvPr id="2" name="Title Placeholder 1"/>
-          <p:cNvSpPr>
-            <a:spLocks noGrp="1"/>
-          </p:cNvSpPr>
-          <p:nvPr>
-            <p:ph type="title"/>
-          </p:nvPr>
-        </p:nvSpPr>
-        <p:spPr>
-          <a:xfrm>
-            <a:off x="457200" y="274638"/>
-            <a:ext cx="8229600" cy="1143000"/>
-          </a:xfrm>
-          <a:prstGeom prst="rect">
-            <a:avLst/>
-          </a:prstGeom>
-        </p:spPr>
-        <p:txBody>
-          <a:bodyPr vert="horz" lIns="91440" tIns="45720" rIns="91440" bIns="45720" rtlCol="0" anchor="ctr">
-            <a:normAutofit/>
-          </a:bodyPr>
+          <p:cNvPr id="7" name="Rounded Rectangle 6"/>
+          <p:cNvSpPr/>
+          <p:nvPr userDrawn="1"/>
+        </p:nvSpPr>
+        <p:spPr>
+          <a:xfrm>
+            <a:off x="228600" y="186583"/>
+            <a:ext cx="6400800" cy="6176115"/>
+          </a:xfrm>
+          <a:prstGeom prst="roundRect">
+            <a:avLst>
+              <a:gd name="adj" fmla="val 3546"/>
+            </a:avLst>
+          </a:prstGeom>
+          <a:solidFill>
+            <a:schemeClr val="accent2">
+              <a:lumMod val="40000"/>
+              <a:lumOff val="60000"/>
+            </a:schemeClr>
+          </a:solidFill>
+          <a:ln>
+            <a:solidFill>
+              <a:schemeClr val="accent2">
+                <a:lumMod val="60000"/>
+                <a:lumOff val="40000"/>
+              </a:schemeClr>
+            </a:solidFill>
+          </a:ln>
+        </p:spPr>
+        <p:style>
+          <a:lnRef idx="2">
+            <a:schemeClr val="accent1">
+              <a:shade val="50000"/>
+            </a:schemeClr>
+          </a:lnRef>
+          <a:fillRef idx="1">
+            <a:schemeClr val="accent1"/>
+          </a:fillRef>
+          <a:effectRef idx="0">
+            <a:schemeClr val="accent1"/>
+          </a:effectRef>
+          <a:fontRef idx="minor">
+            <a:schemeClr val="lt1"/>
+          </a:fontRef>
+        </p:style>
+        <p:txBody>
+          <a:bodyPr rtlCol="0" anchor="t" anchorCtr="1"/>
           <a:lstStyle/>
           <a:p>
-            <a:r>
-              <a:rPr lang="en-US" smtClean="0"/>
-              <a:t>Click to edit Master title style</a:t>
-            </a:r>
-            <a:endParaRPr lang="en-US"/>
-          </a:p>
-        </p:txBody>
-      </p:sp>
-      <p:sp>
-        <p:nvSpPr>
-          <p:cNvPr id="3" name="Text Placeholder 2"/>
-          <p:cNvSpPr>
-            <a:spLocks noGrp="1"/>
-          </p:cNvSpPr>
-          <p:nvPr>
-            <p:ph type="body" idx="1"/>
-          </p:nvPr>
-        </p:nvSpPr>
-        <p:spPr>
-          <a:xfrm>
-            <a:off x="457200" y="1600200"/>
-            <a:ext cx="8229600" cy="4525963"/>
-          </a:xfrm>
-          <a:prstGeom prst="rect">
-            <a:avLst/>
-          </a:prstGeom>
-        </p:spPr>
-        <p:txBody>
-          <a:bodyPr vert="horz" lIns="91440" tIns="45720" rIns="91440" bIns="45720" rtlCol="0">
-            <a:normAutofit/>
-          </a:bodyPr>
-          <a:lstStyle/>
-          <a:p>
-            <a:pPr lvl="0"/>
-            <a:r>
-              <a:rPr lang="en-US" smtClean="0"/>
-              <a:t>Click to edit Master text styles</a:t>
-            </a:r>
-          </a:p>
-          <a:p>
-            <a:pPr lvl="1"/>
-            <a:r>
-              <a:rPr lang="en-US" smtClean="0"/>
-              <a:t>Second level</a:t>
-            </a:r>
-          </a:p>
-          <a:p>
-            <a:pPr lvl="2"/>
-            <a:r>
-              <a:rPr lang="en-US" smtClean="0"/>
-              <a:t>Third level</a:t>
-            </a:r>
-          </a:p>
-          <a:p>
-            <a:pPr lvl="3"/>
-            <a:r>
-              <a:rPr lang="en-US" smtClean="0"/>
-              <a:t>Fourth level</a:t>
-            </a:r>
-          </a:p>
-          <a:p>
-            <a:pPr lvl="4"/>
-            <a:r>
-              <a:rPr lang="en-US" smtClean="0"/>
-              <a:t>Fifth level</a:t>
-            </a:r>
-            <a:endParaRPr lang="en-US"/>
-          </a:p>
-        </p:txBody>
-      </p:sp>
-      <p:sp>
-        <p:nvSpPr>
-          <p:cNvPr id="4" name="Date Placeholder 3"/>
-          <p:cNvSpPr>
-            <a:spLocks noGrp="1"/>
-          </p:cNvSpPr>
-          <p:nvPr>
-            <p:ph type="dt" sz="half" idx="2"/>
-          </p:nvPr>
-        </p:nvSpPr>
-        <p:spPr>
-          <a:xfrm>
-            <a:off x="457200" y="6356350"/>
-            <a:ext cx="2133600" cy="365125"/>
-          </a:xfrm>
-          <a:prstGeom prst="rect">
-            <a:avLst/>
-          </a:prstGeom>
-        </p:spPr>
-        <p:txBody>
-          <a:bodyPr vert="horz" lIns="91440" tIns="45720" rIns="91440" bIns="45720" rtlCol="0" anchor="ctr"/>
-          <a:lstStyle>
-            <a:lvl1pPr algn="l">
-              <a:defRPr sz="1200">
+            <a:pPr algn="ctr"/>
+            <a:r>
+              <a:rPr lang="en-US" sz="1600" b="1" dirty="0" smtClean="0"/>
+              <a:t>Test Driver</a:t>
+            </a:r>
+            <a:endParaRPr lang="en-SG" sz="1600" b="1" dirty="0"/>
+          </a:p>
+        </p:txBody>
+      </p:sp>
+      <p:grpSp>
+        <p:nvGrpSpPr>
+          <p:cNvPr id="8" name="Group 7"/>
+          <p:cNvGrpSpPr/>
+          <p:nvPr userDrawn="1"/>
+        </p:nvGrpSpPr>
+        <p:grpSpPr>
+          <a:xfrm>
+            <a:off x="3886200" y="533400"/>
+            <a:ext cx="2514600" cy="5638800"/>
+            <a:chOff x="-1371600" y="1447800"/>
+            <a:chExt cx="2514600" cy="5638800"/>
+          </a:xfrm>
+          <a:solidFill>
+            <a:schemeClr val="bg1"/>
+          </a:solidFill>
+        </p:grpSpPr>
+        <p:sp>
+          <p:nvSpPr>
+            <p:cNvPr id="9" name="Rectangle 8"/>
+            <p:cNvSpPr/>
+            <p:nvPr/>
+          </p:nvSpPr>
+          <p:spPr>
+            <a:xfrm>
+              <a:off x="-1371600" y="1523999"/>
+              <a:ext cx="2514600" cy="5562601"/>
+            </a:xfrm>
+            <a:prstGeom prst="rect">
+              <a:avLst/>
+            </a:prstGeom>
+            <a:grpFill/>
+            <a:ln>
+              <a:solidFill>
+                <a:schemeClr val="accent2">
+                  <a:lumMod val="60000"/>
+                  <a:lumOff val="40000"/>
+                </a:schemeClr>
+              </a:solidFill>
+            </a:ln>
+          </p:spPr>
+          <p:style>
+            <a:lnRef idx="2">
+              <a:schemeClr val="accent1">
+                <a:shade val="50000"/>
+              </a:schemeClr>
+            </a:lnRef>
+            <a:fillRef idx="1">
+              <a:schemeClr val="accent1"/>
+            </a:fillRef>
+            <a:effectRef idx="0">
+              <a:schemeClr val="accent1"/>
+            </a:effectRef>
+            <a:fontRef idx="minor">
+              <a:schemeClr val="lt1"/>
+            </a:fontRef>
+          </p:style>
+          <p:txBody>
+            <a:bodyPr rtlCol="0" anchor="t" anchorCtr="0"/>
+            <a:lstStyle/>
+            <a:p>
+              <a:r>
+                <a:rPr lang="en-US" sz="1400" b="1" dirty="0" smtClean="0">
+                  <a:solidFill>
+                    <a:schemeClr val="accent2">
+                      <a:lumMod val="75000"/>
+                    </a:schemeClr>
+                  </a:solidFill>
+                </a:rPr>
+                <a:t>test::driver</a:t>
+              </a:r>
+              <a:endParaRPr lang="en-SG" sz="1400" b="1" dirty="0">
                 <a:solidFill>
-                  <a:schemeClr val="tx1">
-                    <a:tint val="75000"/>
+                  <a:schemeClr val="accent2">
+                    <a:lumMod val="75000"/>
                   </a:schemeClr>
                 </a:solidFill>
-              </a:defRPr>
-            </a:lvl1pPr>
-          </a:lstStyle>
-          <a:p>
-            <a:fld id="{1D8BD707-D9CF-40AE-B4C6-C98DA3205C09}" type="datetimeFigureOut">
-              <a:rPr lang="en-US" smtClean="0"/>
-              <a:pPr/>
-              <a:t>4/28/2013</a:t>
-            </a:fld>
-            <a:endParaRPr lang="en-US"/>
-          </a:p>
-        </p:txBody>
-      </p:sp>
-      <p:sp>
-        <p:nvSpPr>
-          <p:cNvPr id="5" name="Footer Placeholder 4"/>
-          <p:cNvSpPr>
-            <a:spLocks noGrp="1"/>
-          </p:cNvSpPr>
-          <p:nvPr>
-            <p:ph type="ftr" sz="quarter" idx="3"/>
-          </p:nvPr>
-        </p:nvSpPr>
-        <p:spPr>
-          <a:xfrm>
-            <a:off x="3124200" y="6356350"/>
-            <a:ext cx="2895600" cy="365125"/>
-          </a:xfrm>
-          <a:prstGeom prst="rect">
-            <a:avLst/>
-          </a:prstGeom>
-        </p:spPr>
-        <p:txBody>
-          <a:bodyPr vert="horz" lIns="91440" tIns="45720" rIns="91440" bIns="45720" rtlCol="0" anchor="ctr"/>
-          <a:lstStyle>
-            <a:lvl1pPr algn="ctr">
-              <a:defRPr sz="1200">
+              </a:endParaRPr>
+            </a:p>
+          </p:txBody>
+        </p:sp>
+        <p:sp>
+          <p:nvSpPr>
+            <p:cNvPr id="10" name="Rectangle 9"/>
+            <p:cNvSpPr/>
+            <p:nvPr/>
+          </p:nvSpPr>
+          <p:spPr>
+            <a:xfrm>
+              <a:off x="647700" y="1447800"/>
+              <a:ext cx="495300" cy="76200"/>
+            </a:xfrm>
+            <a:prstGeom prst="rect">
+              <a:avLst/>
+            </a:prstGeom>
+            <a:grpFill/>
+            <a:ln>
+              <a:solidFill>
+                <a:schemeClr val="accent2">
+                  <a:lumMod val="60000"/>
+                  <a:lumOff val="40000"/>
+                </a:schemeClr>
+              </a:solidFill>
+            </a:ln>
+          </p:spPr>
+          <p:style>
+            <a:lnRef idx="2">
+              <a:schemeClr val="accent1">
+                <a:shade val="50000"/>
+              </a:schemeClr>
+            </a:lnRef>
+            <a:fillRef idx="1">
+              <a:schemeClr val="accent1"/>
+            </a:fillRef>
+            <a:effectRef idx="0">
+              <a:schemeClr val="accent1"/>
+            </a:effectRef>
+            <a:fontRef idx="minor">
+              <a:schemeClr val="lt1"/>
+            </a:fontRef>
+          </p:style>
+          <p:txBody>
+            <a:bodyPr rtlCol="0" anchor="t" anchorCtr="0"/>
+            <a:lstStyle/>
+            <a:p>
+              <a:pPr algn="ctr"/>
+              <a:endParaRPr lang="en-SG" sz="1400" b="1">
                 <a:solidFill>
-                  <a:schemeClr val="tx1">
-                    <a:tint val="75000"/>
+                  <a:schemeClr val="accent2">
+                    <a:lumMod val="75000"/>
                   </a:schemeClr>
                 </a:solidFill>
-              </a:defRPr>
-            </a:lvl1pPr>
-          </a:lstStyle>
-          <a:p>
-            <a:endParaRPr lang="en-US"/>
-          </a:p>
-        </p:txBody>
-      </p:sp>
-      <p:sp>
-        <p:nvSpPr>
-          <p:cNvPr id="6" name="Slide Number Placeholder 5"/>
-          <p:cNvSpPr>
-            <a:spLocks noGrp="1"/>
-          </p:cNvSpPr>
-          <p:nvPr>
-            <p:ph type="sldNum" sz="quarter" idx="4"/>
-          </p:nvPr>
-        </p:nvSpPr>
-        <p:spPr>
-          <a:xfrm>
-            <a:off x="6553200" y="6356350"/>
-            <a:ext cx="2133600" cy="365125"/>
-          </a:xfrm>
-          <a:prstGeom prst="rect">
-            <a:avLst/>
-          </a:prstGeom>
-        </p:spPr>
-        <p:txBody>
-          <a:bodyPr vert="horz" lIns="91440" tIns="45720" rIns="91440" bIns="45720" rtlCol="0" anchor="ctr"/>
-          <a:lstStyle>
-            <a:lvl1pPr algn="r">
-              <a:defRPr sz="1200">
+              </a:endParaRPr>
+            </a:p>
+          </p:txBody>
+        </p:sp>
+      </p:grpSp>
+      <p:grpSp>
+        <p:nvGrpSpPr>
+          <p:cNvPr id="11" name="Group 10"/>
+          <p:cNvGrpSpPr/>
+          <p:nvPr userDrawn="1"/>
+        </p:nvGrpSpPr>
+        <p:grpSpPr>
+          <a:xfrm>
+            <a:off x="457200" y="572210"/>
+            <a:ext cx="2819400" cy="5599990"/>
+            <a:chOff x="-1676400" y="1447800"/>
+            <a:chExt cx="2819400" cy="5599990"/>
+          </a:xfrm>
+          <a:solidFill>
+            <a:schemeClr val="bg1"/>
+          </a:solidFill>
+        </p:grpSpPr>
+        <p:sp>
+          <p:nvSpPr>
+            <p:cNvPr id="12" name="Rectangle 11"/>
+            <p:cNvSpPr/>
+            <p:nvPr/>
+          </p:nvSpPr>
+          <p:spPr>
+            <a:xfrm>
+              <a:off x="-1676400" y="1523999"/>
+              <a:ext cx="2819400" cy="5523791"/>
+            </a:xfrm>
+            <a:prstGeom prst="rect">
+              <a:avLst/>
+            </a:prstGeom>
+            <a:grpFill/>
+            <a:ln>
+              <a:solidFill>
+                <a:schemeClr val="accent2">
+                  <a:lumMod val="60000"/>
+                  <a:lumOff val="40000"/>
+                </a:schemeClr>
+              </a:solidFill>
+            </a:ln>
+          </p:spPr>
+          <p:style>
+            <a:lnRef idx="2">
+              <a:schemeClr val="accent1">
+                <a:shade val="50000"/>
+              </a:schemeClr>
+            </a:lnRef>
+            <a:fillRef idx="1">
+              <a:schemeClr val="accent1"/>
+            </a:fillRef>
+            <a:effectRef idx="0">
+              <a:schemeClr val="accent1"/>
+            </a:effectRef>
+            <a:fontRef idx="minor">
+              <a:schemeClr val="lt1"/>
+            </a:fontRef>
+          </p:style>
+          <p:txBody>
+            <a:bodyPr rtlCol="0" anchor="t" anchorCtr="0"/>
+            <a:lstStyle/>
+            <a:p>
+              <a:r>
+                <a:rPr lang="en-US" sz="1400" b="1" dirty="0" smtClean="0">
+                  <a:solidFill>
+                    <a:schemeClr val="accent2">
+                      <a:lumMod val="75000"/>
+                    </a:schemeClr>
+                  </a:solidFill>
+                </a:rPr>
+                <a:t>test::cases</a:t>
+              </a:r>
+              <a:endParaRPr lang="en-SG" sz="1400" b="1" dirty="0">
                 <a:solidFill>
-                  <a:schemeClr val="tx1">
-                    <a:tint val="75000"/>
+                  <a:schemeClr val="accent2">
+                    <a:lumMod val="75000"/>
                   </a:schemeClr>
                 </a:solidFill>
-              </a:defRPr>
-            </a:lvl1pPr>
-          </a:lstStyle>
-          <a:p>
-            <a:fld id="{B6F15528-21DE-4FAA-801E-634DDDAF4B2B}" type="slidenum">
-              <a:rPr lang="en-US" smtClean="0"/>
-              <a:pPr/>
-              <a:t>‹#›</a:t>
-            </a:fld>
-            <a:endParaRPr lang="en-US"/>
-          </a:p>
-        </p:txBody>
-      </p:sp>
+              </a:endParaRPr>
+            </a:p>
+          </p:txBody>
+        </p:sp>
+        <p:sp>
+          <p:nvSpPr>
+            <p:cNvPr id="13" name="Rectangle 12"/>
+            <p:cNvSpPr/>
+            <p:nvPr/>
+          </p:nvSpPr>
+          <p:spPr>
+            <a:xfrm>
+              <a:off x="647700" y="1447800"/>
+              <a:ext cx="495300" cy="76200"/>
+            </a:xfrm>
+            <a:prstGeom prst="rect">
+              <a:avLst/>
+            </a:prstGeom>
+            <a:grpFill/>
+            <a:ln>
+              <a:solidFill>
+                <a:schemeClr val="accent2">
+                  <a:lumMod val="60000"/>
+                  <a:lumOff val="40000"/>
+                </a:schemeClr>
+              </a:solidFill>
+            </a:ln>
+          </p:spPr>
+          <p:style>
+            <a:lnRef idx="2">
+              <a:schemeClr val="accent1">
+                <a:shade val="50000"/>
+              </a:schemeClr>
+            </a:lnRef>
+            <a:fillRef idx="1">
+              <a:schemeClr val="accent1"/>
+            </a:fillRef>
+            <a:effectRef idx="0">
+              <a:schemeClr val="accent1"/>
+            </a:effectRef>
+            <a:fontRef idx="minor">
+              <a:schemeClr val="lt1"/>
+            </a:fontRef>
+          </p:style>
+          <p:txBody>
+            <a:bodyPr rtlCol="0" anchor="t" anchorCtr="0"/>
+            <a:lstStyle/>
+            <a:p>
+              <a:pPr algn="ctr"/>
+              <a:endParaRPr lang="en-SG" sz="1400" b="1">
+                <a:solidFill>
+                  <a:schemeClr val="accent2">
+                    <a:lumMod val="75000"/>
+                  </a:schemeClr>
+                </a:solidFill>
+              </a:endParaRPr>
+            </a:p>
+          </p:txBody>
+        </p:sp>
+      </p:grpSp>
     </p:spTree>
   </p:cSld>
   <p:clrMap bg1="lt1" tx1="dk1" bg2="lt2" tx2="dk2" accent1="accent1" accent2="accent2" accent3="accent3" accent4="accent4" accent5="accent5" accent6="accent6" hlink="hlink" folHlink="folHlink"/>
@@ -3501,340 +3993,6 @@
       </p:grpSpPr>
       <p:sp>
         <p:nvSpPr>
-          <p:cNvPr id="5" name="Rounded Rectangle 4"/>
-          <p:cNvSpPr/>
-          <p:nvPr/>
-        </p:nvSpPr>
-        <p:spPr>
-          <a:xfrm>
-            <a:off x="533400" y="186583"/>
-            <a:ext cx="6096000" cy="6176115"/>
-          </a:xfrm>
-          <a:prstGeom prst="roundRect">
-            <a:avLst>
-              <a:gd name="adj" fmla="val 3546"/>
-            </a:avLst>
-          </a:prstGeom>
-          <a:solidFill>
-            <a:schemeClr val="accent2">
-              <a:lumMod val="40000"/>
-              <a:lumOff val="60000"/>
-            </a:schemeClr>
-          </a:solidFill>
-          <a:ln>
-            <a:solidFill>
-              <a:schemeClr val="accent2">
-                <a:lumMod val="60000"/>
-                <a:lumOff val="40000"/>
-              </a:schemeClr>
-            </a:solidFill>
-          </a:ln>
-        </p:spPr>
-        <p:style>
-          <a:lnRef idx="2">
-            <a:schemeClr val="accent1">
-              <a:shade val="50000"/>
-            </a:schemeClr>
-          </a:lnRef>
-          <a:fillRef idx="1">
-            <a:schemeClr val="accent1"/>
-          </a:fillRef>
-          <a:effectRef idx="0">
-            <a:schemeClr val="accent1"/>
-          </a:effectRef>
-          <a:fontRef idx="minor">
-            <a:schemeClr val="lt1"/>
-          </a:fontRef>
-        </p:style>
-        <p:txBody>
-          <a:bodyPr rtlCol="0" anchor="t" anchorCtr="1"/>
-          <a:lstStyle/>
-          <a:p>
-            <a:pPr algn="ctr"/>
-            <a:r>
-              <a:rPr lang="en-US" sz="1600" b="1" dirty="0" smtClean="0"/>
-              <a:t>Test Driver</a:t>
-            </a:r>
-            <a:endParaRPr lang="en-SG" sz="1600" b="1" dirty="0"/>
-          </a:p>
-        </p:txBody>
-      </p:sp>
-      <p:grpSp>
-        <p:nvGrpSpPr>
-          <p:cNvPr id="12" name="Group 11"/>
-          <p:cNvGrpSpPr/>
-          <p:nvPr/>
-        </p:nvGrpSpPr>
-        <p:grpSpPr>
-          <a:xfrm>
-            <a:off x="4114800" y="533400"/>
-            <a:ext cx="2286000" cy="5638800"/>
-            <a:chOff x="-1143000" y="1447800"/>
-            <a:chExt cx="2286000" cy="5638800"/>
-          </a:xfrm>
-          <a:solidFill>
-            <a:schemeClr val="bg1"/>
-          </a:solidFill>
-        </p:grpSpPr>
-        <p:sp>
-          <p:nvSpPr>
-            <p:cNvPr id="13" name="Rectangle 12"/>
-            <p:cNvSpPr/>
-            <p:nvPr/>
-          </p:nvSpPr>
-          <p:spPr>
-            <a:xfrm>
-              <a:off x="-1143000" y="1523999"/>
-              <a:ext cx="2286000" cy="5562601"/>
-            </a:xfrm>
-            <a:prstGeom prst="rect">
-              <a:avLst/>
-            </a:prstGeom>
-            <a:grpFill/>
-            <a:ln>
-              <a:solidFill>
-                <a:schemeClr val="accent2">
-                  <a:lumMod val="60000"/>
-                  <a:lumOff val="40000"/>
-                </a:schemeClr>
-              </a:solidFill>
-            </a:ln>
-          </p:spPr>
-          <p:style>
-            <a:lnRef idx="2">
-              <a:schemeClr val="accent1">
-                <a:shade val="50000"/>
-              </a:schemeClr>
-            </a:lnRef>
-            <a:fillRef idx="1">
-              <a:schemeClr val="accent1"/>
-            </a:fillRef>
-            <a:effectRef idx="0">
-              <a:schemeClr val="accent1"/>
-            </a:effectRef>
-            <a:fontRef idx="minor">
-              <a:schemeClr val="lt1"/>
-            </a:fontRef>
-          </p:style>
-          <p:txBody>
-            <a:bodyPr rtlCol="0" anchor="t" anchorCtr="0"/>
-            <a:lstStyle/>
-            <a:p>
-              <a:r>
-                <a:rPr lang="en-US" sz="1400" b="1" dirty="0" smtClean="0">
-                  <a:solidFill>
-                    <a:schemeClr val="accent2">
-                      <a:lumMod val="75000"/>
-                    </a:schemeClr>
-                  </a:solidFill>
-                </a:rPr>
-                <a:t>test::driver</a:t>
-              </a:r>
-              <a:endParaRPr lang="en-SG" sz="1400" b="1" dirty="0">
-                <a:solidFill>
-                  <a:schemeClr val="accent2">
-                    <a:lumMod val="75000"/>
-                  </a:schemeClr>
-                </a:solidFill>
-              </a:endParaRPr>
-            </a:p>
-          </p:txBody>
-        </p:sp>
-        <p:sp>
-          <p:nvSpPr>
-            <p:cNvPr id="14" name="Rectangle 13"/>
-            <p:cNvSpPr/>
-            <p:nvPr/>
-          </p:nvSpPr>
-          <p:spPr>
-            <a:xfrm>
-              <a:off x="647700" y="1447800"/>
-              <a:ext cx="495300" cy="76200"/>
-            </a:xfrm>
-            <a:prstGeom prst="rect">
-              <a:avLst/>
-            </a:prstGeom>
-            <a:grpFill/>
-            <a:ln>
-              <a:solidFill>
-                <a:schemeClr val="accent2">
-                  <a:lumMod val="60000"/>
-                  <a:lumOff val="40000"/>
-                </a:schemeClr>
-              </a:solidFill>
-            </a:ln>
-          </p:spPr>
-          <p:style>
-            <a:lnRef idx="2">
-              <a:schemeClr val="accent1">
-                <a:shade val="50000"/>
-              </a:schemeClr>
-            </a:lnRef>
-            <a:fillRef idx="1">
-              <a:schemeClr val="accent1"/>
-            </a:fillRef>
-            <a:effectRef idx="0">
-              <a:schemeClr val="accent1"/>
-            </a:effectRef>
-            <a:fontRef idx="minor">
-              <a:schemeClr val="lt1"/>
-            </a:fontRef>
-          </p:style>
-          <p:txBody>
-            <a:bodyPr rtlCol="0" anchor="t" anchorCtr="0"/>
-            <a:lstStyle/>
-            <a:p>
-              <a:pPr algn="ctr"/>
-              <a:endParaRPr lang="en-SG" sz="1400" b="1">
-                <a:solidFill>
-                  <a:schemeClr val="accent2">
-                    <a:lumMod val="75000"/>
-                  </a:schemeClr>
-                </a:solidFill>
-              </a:endParaRPr>
-            </a:p>
-          </p:txBody>
-        </p:sp>
-      </p:grpSp>
-      <p:grpSp>
-        <p:nvGrpSpPr>
-          <p:cNvPr id="15" name="Group 14"/>
-          <p:cNvGrpSpPr/>
-          <p:nvPr/>
-        </p:nvGrpSpPr>
-        <p:grpSpPr>
-          <a:xfrm>
-            <a:off x="762000" y="572210"/>
-            <a:ext cx="2514600" cy="5599990"/>
-            <a:chOff x="-1371600" y="1447800"/>
-            <a:chExt cx="2514600" cy="5599990"/>
-          </a:xfrm>
-          <a:solidFill>
-            <a:schemeClr val="bg1"/>
-          </a:solidFill>
-        </p:grpSpPr>
-        <p:sp>
-          <p:nvSpPr>
-            <p:cNvPr id="16" name="Rectangle 15"/>
-            <p:cNvSpPr/>
-            <p:nvPr/>
-          </p:nvSpPr>
-          <p:spPr>
-            <a:xfrm>
-              <a:off x="-1371600" y="1523999"/>
-              <a:ext cx="2514600" cy="5523791"/>
-            </a:xfrm>
-            <a:prstGeom prst="rect">
-              <a:avLst/>
-            </a:prstGeom>
-            <a:grpFill/>
-            <a:ln>
-              <a:solidFill>
-                <a:schemeClr val="accent2">
-                  <a:lumMod val="60000"/>
-                  <a:lumOff val="40000"/>
-                </a:schemeClr>
-              </a:solidFill>
-            </a:ln>
-          </p:spPr>
-          <p:style>
-            <a:lnRef idx="2">
-              <a:schemeClr val="accent1">
-                <a:shade val="50000"/>
-              </a:schemeClr>
-            </a:lnRef>
-            <a:fillRef idx="1">
-              <a:schemeClr val="accent1"/>
-            </a:fillRef>
-            <a:effectRef idx="0">
-              <a:schemeClr val="accent1"/>
-            </a:effectRef>
-            <a:fontRef idx="minor">
-              <a:schemeClr val="lt1"/>
-            </a:fontRef>
-          </p:style>
-          <p:txBody>
-            <a:bodyPr rtlCol="0" anchor="t" anchorCtr="0"/>
-            <a:lstStyle/>
-            <a:p>
-              <a:r>
-                <a:rPr lang="en-US" sz="1400" b="1" dirty="0" smtClean="0">
-                  <a:solidFill>
-                    <a:schemeClr val="accent2">
-                      <a:lumMod val="75000"/>
-                    </a:schemeClr>
-                  </a:solidFill>
-                </a:rPr>
-                <a:t>test::cases</a:t>
-              </a:r>
-              <a:endParaRPr lang="en-SG" sz="1400" b="1" dirty="0">
-                <a:solidFill>
-                  <a:schemeClr val="accent2">
-                    <a:lumMod val="75000"/>
-                  </a:schemeClr>
-                </a:solidFill>
-              </a:endParaRPr>
-            </a:p>
-          </p:txBody>
-        </p:sp>
-        <p:sp>
-          <p:nvSpPr>
-            <p:cNvPr id="17" name="Rectangle 16"/>
-            <p:cNvSpPr/>
-            <p:nvPr/>
-          </p:nvSpPr>
-          <p:spPr>
-            <a:xfrm>
-              <a:off x="647700" y="1447800"/>
-              <a:ext cx="495300" cy="76200"/>
-            </a:xfrm>
-            <a:prstGeom prst="rect">
-              <a:avLst/>
-            </a:prstGeom>
-            <a:grpFill/>
-            <a:ln>
-              <a:solidFill>
-                <a:schemeClr val="accent2">
-                  <a:lumMod val="60000"/>
-                  <a:lumOff val="40000"/>
-                </a:schemeClr>
-              </a:solidFill>
-            </a:ln>
-          </p:spPr>
-          <p:style>
-            <a:lnRef idx="2">
-              <a:schemeClr val="accent1">
-                <a:shade val="50000"/>
-              </a:schemeClr>
-            </a:lnRef>
-            <a:fillRef idx="1">
-              <a:schemeClr val="accent1"/>
-            </a:fillRef>
-            <a:effectRef idx="0">
-              <a:schemeClr val="accent1"/>
-            </a:effectRef>
-            <a:fontRef idx="minor">
-              <a:schemeClr val="lt1"/>
-            </a:fontRef>
-          </p:style>
-          <p:txBody>
-            <a:bodyPr rtlCol="0" anchor="t" anchorCtr="0"/>
-            <a:lstStyle/>
-            <a:p>
-              <a:pPr algn="ctr"/>
-              <a:endParaRPr lang="en-SG" sz="1400" b="1">
-                <a:solidFill>
-                  <a:schemeClr val="accent2">
-                    <a:lumMod val="75000"/>
-                  </a:schemeClr>
-                </a:solidFill>
-              </a:endParaRPr>
-            </a:p>
-          </p:txBody>
-        </p:sp>
-      </p:grpSp>
-      <p:sp>
-        <p:nvSpPr>
           <p:cNvPr id="86" name="Rectangle 85"/>
           <p:cNvSpPr/>
           <p:nvPr/>
@@ -4090,7 +4248,7 @@
         </p:nvSpPr>
         <p:spPr>
           <a:xfrm>
-            <a:off x="1261950" y="5657380"/>
+            <a:off x="1182189" y="5657380"/>
             <a:ext cx="1368039" cy="361770"/>
           </a:xfrm>
           <a:prstGeom prst="rect">
@@ -4120,7 +4278,7 @@
             <a:pPr algn="ctr"/>
             <a:r>
               <a:rPr lang="en-US" sz="1600" b="1" dirty="0" smtClean="0"/>
-              <a:t>testing.xml</a:t>
+              <a:t>testng.xml</a:t>
             </a:r>
             <a:endParaRPr lang="en-SG" sz="1600" b="1" dirty="0"/>
           </a:p>
@@ -4176,7 +4334,7 @@
         </p:nvSpPr>
         <p:spPr>
           <a:xfrm>
-            <a:off x="1269163" y="1110176"/>
+            <a:off x="1029789" y="1110176"/>
             <a:ext cx="1321637" cy="361770"/>
           </a:xfrm>
           <a:prstGeom prst="rect">
@@ -4220,7 +4378,7 @@
         </p:nvSpPr>
         <p:spPr>
           <a:xfrm rot="16200000">
-            <a:off x="1907202" y="3154702"/>
+            <a:off x="2021501" y="3154702"/>
             <a:ext cx="1204823" cy="361770"/>
           </a:xfrm>
           <a:prstGeom prst="rect">
@@ -4264,7 +4422,7 @@
         </p:nvSpPr>
         <p:spPr>
           <a:xfrm>
-            <a:off x="1805712" y="1491176"/>
+            <a:off x="1566338" y="1491176"/>
             <a:ext cx="276225" cy="228600"/>
           </a:xfrm>
           <a:prstGeom prst="triangle">
@@ -4307,8 +4465,8 @@
         </p:nvCxnSpPr>
         <p:spPr>
           <a:xfrm rot="16200000" flipV="1">
-            <a:off x="1726778" y="1936824"/>
-            <a:ext cx="1044035" cy="609940"/>
+            <a:off x="1664241" y="1759987"/>
+            <a:ext cx="1044035" cy="963613"/>
           </a:xfrm>
           <a:prstGeom prst="bentConnector3">
             <a:avLst>
@@ -4341,7 +4499,7 @@
         </p:nvSpPr>
         <p:spPr>
           <a:xfrm rot="16200000">
-            <a:off x="1951353" y="3185337"/>
+            <a:off x="2065652" y="3185337"/>
             <a:ext cx="1204823" cy="361770"/>
           </a:xfrm>
           <a:prstGeom prst="rect">
@@ -4385,7 +4543,7 @@
         </p:nvSpPr>
         <p:spPr>
           <a:xfrm rot="16200000">
-            <a:off x="1998004" y="3228066"/>
+            <a:off x="2112303" y="3228066"/>
             <a:ext cx="1204823" cy="361770"/>
           </a:xfrm>
           <a:prstGeom prst="rect">
@@ -4429,7 +4587,7 @@
         </p:nvSpPr>
         <p:spPr>
           <a:xfrm rot="16200000">
-            <a:off x="1178674" y="3154702"/>
+            <a:off x="1102474" y="3154702"/>
             <a:ext cx="1204823" cy="361770"/>
           </a:xfrm>
           <a:prstGeom prst="rect">
@@ -4473,7 +4631,7 @@
         </p:nvSpPr>
         <p:spPr>
           <a:xfrm rot="16200000">
-            <a:off x="1222825" y="3185337"/>
+            <a:off x="1146625" y="3185337"/>
             <a:ext cx="1204823" cy="361770"/>
           </a:xfrm>
           <a:prstGeom prst="rect">
@@ -4517,7 +4675,7 @@
         </p:nvSpPr>
         <p:spPr>
           <a:xfrm rot="16200000">
-            <a:off x="1341224" y="3156316"/>
+            <a:off x="1265024" y="3156316"/>
             <a:ext cx="1204823" cy="505268"/>
           </a:xfrm>
           <a:prstGeom prst="rect">
@@ -4561,7 +4719,7 @@
         </p:nvSpPr>
         <p:spPr>
           <a:xfrm rot="16200000">
-            <a:off x="524829" y="3205002"/>
+            <a:off x="366374" y="3205002"/>
             <a:ext cx="1305424" cy="361770"/>
           </a:xfrm>
           <a:prstGeom prst="rect">
@@ -4608,12 +4766,12 @@
         </p:nvCxnSpPr>
         <p:spPr>
           <a:xfrm rot="5400000">
-            <a:off x="1053984" y="1843333"/>
-            <a:ext cx="1013399" cy="766284"/>
+            <a:off x="855070" y="1883793"/>
+            <a:ext cx="1013399" cy="685365"/>
           </a:xfrm>
           <a:prstGeom prst="bentConnector3">
             <a:avLst>
-              <a:gd name="adj1" fmla="val 50000"/>
+              <a:gd name="adj1" fmla="val 51289"/>
             </a:avLst>
           </a:prstGeom>
         </p:spPr>
@@ -4644,9 +4802,9 @@
           <p:nvPr/>
         </p:nvCxnSpPr>
         <p:spPr>
-          <a:xfrm rot="5400000" flipH="1" flipV="1">
-            <a:off x="1355755" y="2145106"/>
-            <a:ext cx="1013400" cy="162740"/>
+          <a:xfrm rot="16200000" flipV="1">
+            <a:off x="1197968" y="2226259"/>
+            <a:ext cx="1013400" cy="434"/>
           </a:xfrm>
           <a:prstGeom prst="bentConnector3">
             <a:avLst>
@@ -4682,8 +4840,8 @@
         </p:nvCxnSpPr>
         <p:spPr>
           <a:xfrm rot="16200000" flipH="1">
-            <a:off x="752365" y="4463774"/>
-            <a:ext cx="1618781" cy="768429"/>
+            <a:off x="633257" y="4424427"/>
+            <a:ext cx="1618781" cy="847123"/>
           </a:xfrm>
           <a:prstGeom prst="bentConnector3">
             <a:avLst>
@@ -5190,8 +5348,8 @@
         </p:nvCxnSpPr>
         <p:spPr>
           <a:xfrm>
-            <a:off x="2781301" y="3408951"/>
-            <a:ext cx="1551210" cy="2112992"/>
+            <a:off x="2895600" y="3408951"/>
+            <a:ext cx="1436911" cy="2112992"/>
           </a:xfrm>
           <a:prstGeom prst="bentConnector3">
             <a:avLst>
@@ -5232,8 +5390,8 @@
         </p:nvCxnSpPr>
         <p:spPr>
           <a:xfrm>
-            <a:off x="2781301" y="3408951"/>
-            <a:ext cx="1551210" cy="1353549"/>
+            <a:off x="2895600" y="3408951"/>
+            <a:ext cx="1436911" cy="1353549"/>
           </a:xfrm>
           <a:prstGeom prst="bentConnector3">
             <a:avLst>
@@ -5274,8 +5432,8 @@
         </p:nvCxnSpPr>
         <p:spPr>
           <a:xfrm flipV="1">
-            <a:off x="2781301" y="3042304"/>
-            <a:ext cx="1551210" cy="366647"/>
+            <a:off x="2895600" y="3042304"/>
+            <a:ext cx="1436911" cy="366647"/>
           </a:xfrm>
           <a:prstGeom prst="bentConnector3">
             <a:avLst>
@@ -5534,8 +5692,8 @@
         </p:nvCxnSpPr>
         <p:spPr>
           <a:xfrm flipV="1">
-            <a:off x="2781301" y="1828069"/>
-            <a:ext cx="1551210" cy="1580882"/>
+            <a:off x="2895600" y="1828069"/>
+            <a:ext cx="1436911" cy="1580882"/>
           </a:xfrm>
           <a:prstGeom prst="bentConnector3">
             <a:avLst>
@@ -5576,8 +5734,8 @@
         </p:nvCxnSpPr>
         <p:spPr>
           <a:xfrm>
-            <a:off x="2781301" y="3408951"/>
-            <a:ext cx="1551210" cy="401049"/>
+            <a:off x="2895600" y="3408951"/>
+            <a:ext cx="1436911" cy="401049"/>
           </a:xfrm>
           <a:prstGeom prst="bentConnector3">
             <a:avLst>
@@ -5993,9 +6151,9 @@
           <p:nvPr/>
         </p:nvCxnSpPr>
         <p:spPr>
-          <a:xfrm rot="16200000" flipH="1">
-            <a:off x="1121794" y="4833204"/>
-            <a:ext cx="1646018" cy="2334"/>
+          <a:xfrm rot="5400000">
+            <a:off x="1043814" y="4833758"/>
+            <a:ext cx="1646018" cy="1227"/>
           </a:xfrm>
           <a:prstGeom prst="bentConnector3">
             <a:avLst>
@@ -6039,8 +6197,8 @@
         </p:nvCxnSpPr>
         <p:spPr>
           <a:xfrm rot="5400000">
-            <a:off x="1450185" y="4507148"/>
-            <a:ext cx="1646017" cy="654446"/>
+            <a:off x="1467454" y="4410118"/>
+            <a:ext cx="1646017" cy="848506"/>
           </a:xfrm>
           <a:prstGeom prst="bentConnector3">
             <a:avLst>

--- a/doc/diagrams/TestDriverComponent.pptx
+++ b/doc/diagrams/TestDriverComponent.pptx
@@ -10,7 +10,7 @@
   <p:sldIdLst>
     <p:sldId id="256" r:id="rId2"/>
   </p:sldIdLst>
-  <p:sldSz cx="9144000" cy="6858000" type="screen4x3"/>
+  <p:sldSz cx="10801350" cy="6858000"/>
   <p:notesSz cx="6858000" cy="9144000"/>
   <p:defaultTextStyle>
     <a:defPPr>
@@ -193,7 +193,7 @@
             <a:fld id="{AF301891-4E62-472A-98E9-95DBD40531A4}" type="datetimeFigureOut">
               <a:rPr lang="en-SG" smtClean="0"/>
               <a:pPr/>
-              <a:t>18/5/2013</a:t>
+              <a:t>6/7/2013</a:t>
             </a:fld>
             <a:endParaRPr lang="en-SG"/>
           </a:p>
@@ -211,8 +211,8 @@
         </p:nvSpPr>
         <p:spPr>
           <a:xfrm>
-            <a:off x="1143000" y="685800"/>
-            <a:ext cx="4572000" cy="3429000"/>
+            <a:off x="728663" y="685800"/>
+            <a:ext cx="5400675" cy="3429000"/>
           </a:xfrm>
           <a:prstGeom prst="rect">
             <a:avLst/>
@@ -489,7 +489,12 @@
             <p:ph type="sldImg"/>
           </p:nvPr>
         </p:nvSpPr>
-        <p:spPr/>
+        <p:spPr>
+          <a:xfrm>
+            <a:off x="728663" y="685800"/>
+            <a:ext cx="5400675" cy="3429000"/>
+          </a:xfrm>
+        </p:spPr>
       </p:sp>
       <p:sp>
         <p:nvSpPr>
@@ -576,8 +581,8 @@
         </p:nvSpPr>
         <p:spPr>
           <a:xfrm>
-            <a:off x="685800" y="2130425"/>
-            <a:ext cx="7772400" cy="1470025"/>
+            <a:off x="810101" y="2130426"/>
+            <a:ext cx="9181148" cy="1470025"/>
           </a:xfrm>
           <a:prstGeom prst="rect">
             <a:avLst/>
@@ -607,8 +612,8 @@
         </p:nvSpPr>
         <p:spPr>
           <a:xfrm>
-            <a:off x="1371600" y="3886200"/>
-            <a:ext cx="6400800" cy="1752600"/>
+            <a:off x="1620203" y="3886200"/>
+            <a:ext cx="7560945" cy="1752600"/>
           </a:xfrm>
           <a:prstGeom prst="rect">
             <a:avLst/>
@@ -729,8 +734,8 @@
         </p:nvSpPr>
         <p:spPr>
           <a:xfrm>
-            <a:off x="457200" y="6356350"/>
-            <a:ext cx="2133600" cy="365125"/>
+            <a:off x="540067" y="6356351"/>
+            <a:ext cx="2520315" cy="365125"/>
           </a:xfrm>
           <a:prstGeom prst="rect">
             <a:avLst/>
@@ -743,7 +748,7 @@
             <a:fld id="{1D8BD707-D9CF-40AE-B4C6-C98DA3205C09}" type="datetimeFigureOut">
               <a:rPr lang="en-US" smtClean="0"/>
               <a:pPr/>
-              <a:t>5/18/2013</a:t>
+              <a:t>7/6/2013</a:t>
             </a:fld>
             <a:endParaRPr lang="en-US"/>
           </a:p>
@@ -761,8 +766,8 @@
         </p:nvSpPr>
         <p:spPr>
           <a:xfrm>
-            <a:off x="3124200" y="6356350"/>
-            <a:ext cx="2895600" cy="365125"/>
+            <a:off x="3690461" y="6356351"/>
+            <a:ext cx="3420428" cy="365125"/>
           </a:xfrm>
           <a:prstGeom prst="rect">
             <a:avLst/>
@@ -788,8 +793,8 @@
         </p:nvSpPr>
         <p:spPr>
           <a:xfrm>
-            <a:off x="6553200" y="6356350"/>
-            <a:ext cx="2133600" cy="365125"/>
+            <a:off x="7740968" y="6356351"/>
+            <a:ext cx="2520315" cy="365125"/>
           </a:xfrm>
           <a:prstGeom prst="rect">
             <a:avLst/>
@@ -813,6 +818,13 @@
   <p:clrMapOvr>
     <a:masterClrMapping/>
   </p:clrMapOvr>
+  <p:timing>
+    <p:tnLst>
+      <p:par>
+        <p:cTn id="1" dur="indefinite" restart="never" nodeType="tmRoot"/>
+      </p:par>
+    </p:tnLst>
+  </p:timing>
 </p:sldLayout>
 </file>
 
@@ -845,8 +857,8 @@
         </p:nvSpPr>
         <p:spPr>
           <a:xfrm>
-            <a:off x="457200" y="274638"/>
-            <a:ext cx="8229600" cy="1143000"/>
+            <a:off x="540068" y="274638"/>
+            <a:ext cx="9721215" cy="1143000"/>
           </a:xfrm>
           <a:prstGeom prst="rect">
             <a:avLst/>
@@ -876,8 +888,8 @@
         </p:nvSpPr>
         <p:spPr>
           <a:xfrm>
-            <a:off x="457200" y="1600200"/>
-            <a:ext cx="8229600" cy="4525963"/>
+            <a:off x="540068" y="1600201"/>
+            <a:ext cx="9721215" cy="4525963"/>
           </a:xfrm>
           <a:prstGeom prst="rect">
             <a:avLst/>
@@ -936,8 +948,8 @@
         </p:nvSpPr>
         <p:spPr>
           <a:xfrm>
-            <a:off x="457200" y="6356350"/>
-            <a:ext cx="2133600" cy="365125"/>
+            <a:off x="540067" y="6356351"/>
+            <a:ext cx="2520315" cy="365125"/>
           </a:xfrm>
           <a:prstGeom prst="rect">
             <a:avLst/>
@@ -950,7 +962,7 @@
             <a:fld id="{1D8BD707-D9CF-40AE-B4C6-C98DA3205C09}" type="datetimeFigureOut">
               <a:rPr lang="en-US" smtClean="0"/>
               <a:pPr/>
-              <a:t>5/18/2013</a:t>
+              <a:t>7/6/2013</a:t>
             </a:fld>
             <a:endParaRPr lang="en-US"/>
           </a:p>
@@ -968,8 +980,8 @@
         </p:nvSpPr>
         <p:spPr>
           <a:xfrm>
-            <a:off x="3124200" y="6356350"/>
-            <a:ext cx="2895600" cy="365125"/>
+            <a:off x="3690461" y="6356351"/>
+            <a:ext cx="3420428" cy="365125"/>
           </a:xfrm>
           <a:prstGeom prst="rect">
             <a:avLst/>
@@ -995,8 +1007,8 @@
         </p:nvSpPr>
         <p:spPr>
           <a:xfrm>
-            <a:off x="6553200" y="6356350"/>
-            <a:ext cx="2133600" cy="365125"/>
+            <a:off x="7740968" y="6356351"/>
+            <a:ext cx="2520315" cy="365125"/>
           </a:xfrm>
           <a:prstGeom prst="rect">
             <a:avLst/>
@@ -1052,8 +1064,8 @@
         </p:nvSpPr>
         <p:spPr>
           <a:xfrm>
-            <a:off x="6629400" y="274638"/>
-            <a:ext cx="2057400" cy="5851525"/>
+            <a:off x="7830979" y="274639"/>
+            <a:ext cx="2430304" cy="5851525"/>
           </a:xfrm>
           <a:prstGeom prst="rect">
             <a:avLst/>
@@ -1083,8 +1095,8 @@
         </p:nvSpPr>
         <p:spPr>
           <a:xfrm>
-            <a:off x="457200" y="274638"/>
-            <a:ext cx="6019800" cy="5851525"/>
+            <a:off x="540067" y="274639"/>
+            <a:ext cx="7110889" cy="5851525"/>
           </a:xfrm>
           <a:prstGeom prst="rect">
             <a:avLst/>
@@ -1143,8 +1155,8 @@
         </p:nvSpPr>
         <p:spPr>
           <a:xfrm>
-            <a:off x="457200" y="6356350"/>
-            <a:ext cx="2133600" cy="365125"/>
+            <a:off x="540067" y="6356351"/>
+            <a:ext cx="2520315" cy="365125"/>
           </a:xfrm>
           <a:prstGeom prst="rect">
             <a:avLst/>
@@ -1157,7 +1169,7 @@
             <a:fld id="{1D8BD707-D9CF-40AE-B4C6-C98DA3205C09}" type="datetimeFigureOut">
               <a:rPr lang="en-US" smtClean="0"/>
               <a:pPr/>
-              <a:t>5/18/2013</a:t>
+              <a:t>7/6/2013</a:t>
             </a:fld>
             <a:endParaRPr lang="en-US"/>
           </a:p>
@@ -1175,8 +1187,8 @@
         </p:nvSpPr>
         <p:spPr>
           <a:xfrm>
-            <a:off x="3124200" y="6356350"/>
-            <a:ext cx="2895600" cy="365125"/>
+            <a:off x="3690461" y="6356351"/>
+            <a:ext cx="3420428" cy="365125"/>
           </a:xfrm>
           <a:prstGeom prst="rect">
             <a:avLst/>
@@ -1202,8 +1214,8 @@
         </p:nvSpPr>
         <p:spPr>
           <a:xfrm>
-            <a:off x="6553200" y="6356350"/>
-            <a:ext cx="2133600" cy="365125"/>
+            <a:off x="7740968" y="6356351"/>
+            <a:ext cx="2520315" cy="365125"/>
           </a:xfrm>
           <a:prstGeom prst="rect">
             <a:avLst/>
@@ -1259,8 +1271,8 @@
         </p:nvSpPr>
         <p:spPr>
           <a:xfrm>
-            <a:off x="457200" y="274638"/>
-            <a:ext cx="8229600" cy="1143000"/>
+            <a:off x="540068" y="274638"/>
+            <a:ext cx="9721215" cy="1143000"/>
           </a:xfrm>
           <a:prstGeom prst="rect">
             <a:avLst/>
@@ -1290,8 +1302,8 @@
         </p:nvSpPr>
         <p:spPr>
           <a:xfrm>
-            <a:off x="457200" y="1600200"/>
-            <a:ext cx="8229600" cy="4525963"/>
+            <a:off x="540068" y="1600201"/>
+            <a:ext cx="9721215" cy="4525963"/>
           </a:xfrm>
           <a:prstGeom prst="rect">
             <a:avLst/>
@@ -1350,8 +1362,8 @@
         </p:nvSpPr>
         <p:spPr>
           <a:xfrm>
-            <a:off x="457200" y="6356350"/>
-            <a:ext cx="2133600" cy="365125"/>
+            <a:off x="540067" y="6356351"/>
+            <a:ext cx="2520315" cy="365125"/>
           </a:xfrm>
           <a:prstGeom prst="rect">
             <a:avLst/>
@@ -1364,7 +1376,7 @@
             <a:fld id="{1D8BD707-D9CF-40AE-B4C6-C98DA3205C09}" type="datetimeFigureOut">
               <a:rPr lang="en-US" smtClean="0"/>
               <a:pPr/>
-              <a:t>5/18/2013</a:t>
+              <a:t>7/6/2013</a:t>
             </a:fld>
             <a:endParaRPr lang="en-US"/>
           </a:p>
@@ -1382,8 +1394,8 @@
         </p:nvSpPr>
         <p:spPr>
           <a:xfrm>
-            <a:off x="3124200" y="6356350"/>
-            <a:ext cx="2895600" cy="365125"/>
+            <a:off x="3690461" y="6356351"/>
+            <a:ext cx="3420428" cy="365125"/>
           </a:xfrm>
           <a:prstGeom prst="rect">
             <a:avLst/>
@@ -1409,8 +1421,8 @@
         </p:nvSpPr>
         <p:spPr>
           <a:xfrm>
-            <a:off x="6553200" y="6356350"/>
-            <a:ext cx="2133600" cy="365125"/>
+            <a:off x="7740968" y="6356351"/>
+            <a:ext cx="2520315" cy="365125"/>
           </a:xfrm>
           <a:prstGeom prst="rect">
             <a:avLst/>
@@ -1466,8 +1478,8 @@
         </p:nvSpPr>
         <p:spPr>
           <a:xfrm>
-            <a:off x="722313" y="4406900"/>
-            <a:ext cx="7772400" cy="1362075"/>
+            <a:off x="853232" y="4406901"/>
+            <a:ext cx="9181148" cy="1362075"/>
           </a:xfrm>
           <a:prstGeom prst="rect">
             <a:avLst/>
@@ -1501,8 +1513,8 @@
         </p:nvSpPr>
         <p:spPr>
           <a:xfrm>
-            <a:off x="722313" y="2906713"/>
-            <a:ext cx="7772400" cy="1500187"/>
+            <a:off x="853232" y="2906713"/>
+            <a:ext cx="9181148" cy="1500187"/>
           </a:xfrm>
           <a:prstGeom prst="rect">
             <a:avLst/>
@@ -1623,8 +1635,8 @@
         </p:nvSpPr>
         <p:spPr>
           <a:xfrm>
-            <a:off x="457200" y="6356350"/>
-            <a:ext cx="2133600" cy="365125"/>
+            <a:off x="540067" y="6356351"/>
+            <a:ext cx="2520315" cy="365125"/>
           </a:xfrm>
           <a:prstGeom prst="rect">
             <a:avLst/>
@@ -1637,7 +1649,7 @@
             <a:fld id="{1D8BD707-D9CF-40AE-B4C6-C98DA3205C09}" type="datetimeFigureOut">
               <a:rPr lang="en-US" smtClean="0"/>
               <a:pPr/>
-              <a:t>5/18/2013</a:t>
+              <a:t>7/6/2013</a:t>
             </a:fld>
             <a:endParaRPr lang="en-US"/>
           </a:p>
@@ -1655,8 +1667,8 @@
         </p:nvSpPr>
         <p:spPr>
           <a:xfrm>
-            <a:off x="3124200" y="6356350"/>
-            <a:ext cx="2895600" cy="365125"/>
+            <a:off x="3690461" y="6356351"/>
+            <a:ext cx="3420428" cy="365125"/>
           </a:xfrm>
           <a:prstGeom prst="rect">
             <a:avLst/>
@@ -1682,8 +1694,8 @@
         </p:nvSpPr>
         <p:spPr>
           <a:xfrm>
-            <a:off x="6553200" y="6356350"/>
-            <a:ext cx="2133600" cy="365125"/>
+            <a:off x="7740968" y="6356351"/>
+            <a:ext cx="2520315" cy="365125"/>
           </a:xfrm>
           <a:prstGeom prst="rect">
             <a:avLst/>
@@ -1739,8 +1751,8 @@
         </p:nvSpPr>
         <p:spPr>
           <a:xfrm>
-            <a:off x="457200" y="274638"/>
-            <a:ext cx="8229600" cy="1143000"/>
+            <a:off x="540068" y="274638"/>
+            <a:ext cx="9721215" cy="1143000"/>
           </a:xfrm>
           <a:prstGeom prst="rect">
             <a:avLst/>
@@ -1770,8 +1782,8 @@
         </p:nvSpPr>
         <p:spPr>
           <a:xfrm>
-            <a:off x="457200" y="1600200"/>
-            <a:ext cx="4038600" cy="4525963"/>
+            <a:off x="540068" y="1600201"/>
+            <a:ext cx="4770596" cy="4525963"/>
           </a:xfrm>
           <a:prstGeom prst="rect">
             <a:avLst/>
@@ -1858,8 +1870,8 @@
         </p:nvSpPr>
         <p:spPr>
           <a:xfrm>
-            <a:off x="4648200" y="1600200"/>
-            <a:ext cx="4038600" cy="4525963"/>
+            <a:off x="5490686" y="1600201"/>
+            <a:ext cx="4770596" cy="4525963"/>
           </a:xfrm>
           <a:prstGeom prst="rect">
             <a:avLst/>
@@ -1946,8 +1958,8 @@
         </p:nvSpPr>
         <p:spPr>
           <a:xfrm>
-            <a:off x="457200" y="6356350"/>
-            <a:ext cx="2133600" cy="365125"/>
+            <a:off x="540067" y="6356351"/>
+            <a:ext cx="2520315" cy="365125"/>
           </a:xfrm>
           <a:prstGeom prst="rect">
             <a:avLst/>
@@ -1960,7 +1972,7 @@
             <a:fld id="{1D8BD707-D9CF-40AE-B4C6-C98DA3205C09}" type="datetimeFigureOut">
               <a:rPr lang="en-US" smtClean="0"/>
               <a:pPr/>
-              <a:t>5/18/2013</a:t>
+              <a:t>7/6/2013</a:t>
             </a:fld>
             <a:endParaRPr lang="en-US"/>
           </a:p>
@@ -1978,8 +1990,8 @@
         </p:nvSpPr>
         <p:spPr>
           <a:xfrm>
-            <a:off x="3124200" y="6356350"/>
-            <a:ext cx="2895600" cy="365125"/>
+            <a:off x="3690461" y="6356351"/>
+            <a:ext cx="3420428" cy="365125"/>
           </a:xfrm>
           <a:prstGeom prst="rect">
             <a:avLst/>
@@ -2005,8 +2017,8 @@
         </p:nvSpPr>
         <p:spPr>
           <a:xfrm>
-            <a:off x="6553200" y="6356350"/>
-            <a:ext cx="2133600" cy="365125"/>
+            <a:off x="7740968" y="6356351"/>
+            <a:ext cx="2520315" cy="365125"/>
           </a:xfrm>
           <a:prstGeom prst="rect">
             <a:avLst/>
@@ -2062,8 +2074,8 @@
         </p:nvSpPr>
         <p:spPr>
           <a:xfrm>
-            <a:off x="457200" y="274638"/>
-            <a:ext cx="8229600" cy="1143000"/>
+            <a:off x="540068" y="274638"/>
+            <a:ext cx="9721215" cy="1143000"/>
           </a:xfrm>
           <a:prstGeom prst="rect">
             <a:avLst/>
@@ -2097,8 +2109,8 @@
         </p:nvSpPr>
         <p:spPr>
           <a:xfrm>
-            <a:off x="457200" y="1535113"/>
-            <a:ext cx="4040188" cy="639762"/>
+            <a:off x="540068" y="1535113"/>
+            <a:ext cx="4772472" cy="639762"/>
           </a:xfrm>
           <a:prstGeom prst="rect">
             <a:avLst/>
@@ -2165,8 +2177,8 @@
         </p:nvSpPr>
         <p:spPr>
           <a:xfrm>
-            <a:off x="457200" y="2174875"/>
-            <a:ext cx="4040188" cy="3951288"/>
+            <a:off x="540068" y="2174875"/>
+            <a:ext cx="4772472" cy="3951288"/>
           </a:xfrm>
           <a:prstGeom prst="rect">
             <a:avLst/>
@@ -2253,8 +2265,8 @@
         </p:nvSpPr>
         <p:spPr>
           <a:xfrm>
-            <a:off x="4645025" y="1535113"/>
-            <a:ext cx="4041775" cy="639762"/>
+            <a:off x="5486936" y="1535113"/>
+            <a:ext cx="4774347" cy="639762"/>
           </a:xfrm>
           <a:prstGeom prst="rect">
             <a:avLst/>
@@ -2321,8 +2333,8 @@
         </p:nvSpPr>
         <p:spPr>
           <a:xfrm>
-            <a:off x="4645025" y="2174875"/>
-            <a:ext cx="4041775" cy="3951288"/>
+            <a:off x="5486936" y="2174875"/>
+            <a:ext cx="4774347" cy="3951288"/>
           </a:xfrm>
           <a:prstGeom prst="rect">
             <a:avLst/>
@@ -2409,8 +2421,8 @@
         </p:nvSpPr>
         <p:spPr>
           <a:xfrm>
-            <a:off x="457200" y="6356350"/>
-            <a:ext cx="2133600" cy="365125"/>
+            <a:off x="540067" y="6356351"/>
+            <a:ext cx="2520315" cy="365125"/>
           </a:xfrm>
           <a:prstGeom prst="rect">
             <a:avLst/>
@@ -2423,7 +2435,7 @@
             <a:fld id="{1D8BD707-D9CF-40AE-B4C6-C98DA3205C09}" type="datetimeFigureOut">
               <a:rPr lang="en-US" smtClean="0"/>
               <a:pPr/>
-              <a:t>5/18/2013</a:t>
+              <a:t>7/6/2013</a:t>
             </a:fld>
             <a:endParaRPr lang="en-US"/>
           </a:p>
@@ -2441,8 +2453,8 @@
         </p:nvSpPr>
         <p:spPr>
           <a:xfrm>
-            <a:off x="3124200" y="6356350"/>
-            <a:ext cx="2895600" cy="365125"/>
+            <a:off x="3690461" y="6356351"/>
+            <a:ext cx="3420428" cy="365125"/>
           </a:xfrm>
           <a:prstGeom prst="rect">
             <a:avLst/>
@@ -2468,8 +2480,8 @@
         </p:nvSpPr>
         <p:spPr>
           <a:xfrm>
-            <a:off x="6553200" y="6356350"/>
-            <a:ext cx="2133600" cy="365125"/>
+            <a:off x="7740968" y="6356351"/>
+            <a:ext cx="2520315" cy="365125"/>
           </a:xfrm>
           <a:prstGeom prst="rect">
             <a:avLst/>
@@ -2525,8 +2537,8 @@
         </p:nvSpPr>
         <p:spPr>
           <a:xfrm>
-            <a:off x="457200" y="274638"/>
-            <a:ext cx="8229600" cy="1143000"/>
+            <a:off x="540068" y="274638"/>
+            <a:ext cx="9721215" cy="1143000"/>
           </a:xfrm>
           <a:prstGeom prst="rect">
             <a:avLst/>
@@ -2556,8 +2568,8 @@
         </p:nvSpPr>
         <p:spPr>
           <a:xfrm>
-            <a:off x="457200" y="6356350"/>
-            <a:ext cx="2133600" cy="365125"/>
+            <a:off x="540067" y="6356351"/>
+            <a:ext cx="2520315" cy="365125"/>
           </a:xfrm>
           <a:prstGeom prst="rect">
             <a:avLst/>
@@ -2570,7 +2582,7 @@
             <a:fld id="{1D8BD707-D9CF-40AE-B4C6-C98DA3205C09}" type="datetimeFigureOut">
               <a:rPr lang="en-US" smtClean="0"/>
               <a:pPr/>
-              <a:t>5/18/2013</a:t>
+              <a:t>7/6/2013</a:t>
             </a:fld>
             <a:endParaRPr lang="en-US"/>
           </a:p>
@@ -2588,8 +2600,8 @@
         </p:nvSpPr>
         <p:spPr>
           <a:xfrm>
-            <a:off x="3124200" y="6356350"/>
-            <a:ext cx="2895600" cy="365125"/>
+            <a:off x="3690461" y="6356351"/>
+            <a:ext cx="3420428" cy="365125"/>
           </a:xfrm>
           <a:prstGeom prst="rect">
             <a:avLst/>
@@ -2615,8 +2627,8 @@
         </p:nvSpPr>
         <p:spPr>
           <a:xfrm>
-            <a:off x="6553200" y="6356350"/>
-            <a:ext cx="2133600" cy="365125"/>
+            <a:off x="7740968" y="6356351"/>
+            <a:ext cx="2520315" cy="365125"/>
           </a:xfrm>
           <a:prstGeom prst="rect">
             <a:avLst/>
@@ -2672,8 +2684,8 @@
         </p:nvSpPr>
         <p:spPr>
           <a:xfrm>
-            <a:off x="457200" y="6356350"/>
-            <a:ext cx="2133600" cy="365125"/>
+            <a:off x="540067" y="6356351"/>
+            <a:ext cx="2520315" cy="365125"/>
           </a:xfrm>
           <a:prstGeom prst="rect">
             <a:avLst/>
@@ -2686,7 +2698,7 @@
             <a:fld id="{1D8BD707-D9CF-40AE-B4C6-C98DA3205C09}" type="datetimeFigureOut">
               <a:rPr lang="en-US" smtClean="0"/>
               <a:pPr/>
-              <a:t>5/18/2013</a:t>
+              <a:t>7/6/2013</a:t>
             </a:fld>
             <a:endParaRPr lang="en-US"/>
           </a:p>
@@ -2704,8 +2716,8 @@
         </p:nvSpPr>
         <p:spPr>
           <a:xfrm>
-            <a:off x="3124200" y="6356350"/>
-            <a:ext cx="2895600" cy="365125"/>
+            <a:off x="3690461" y="6356351"/>
+            <a:ext cx="3420428" cy="365125"/>
           </a:xfrm>
           <a:prstGeom prst="rect">
             <a:avLst/>
@@ -2731,8 +2743,8 @@
         </p:nvSpPr>
         <p:spPr>
           <a:xfrm>
-            <a:off x="6553200" y="6356350"/>
-            <a:ext cx="2133600" cy="365125"/>
+            <a:off x="7740968" y="6356351"/>
+            <a:ext cx="2520315" cy="365125"/>
           </a:xfrm>
           <a:prstGeom prst="rect">
             <a:avLst/>
@@ -2788,8 +2800,8 @@
         </p:nvSpPr>
         <p:spPr>
           <a:xfrm>
-            <a:off x="457200" y="273050"/>
-            <a:ext cx="3008313" cy="1162050"/>
+            <a:off x="540068" y="273050"/>
+            <a:ext cx="3553570" cy="1162050"/>
           </a:xfrm>
           <a:prstGeom prst="rect">
             <a:avLst/>
@@ -2823,8 +2835,8 @@
         </p:nvSpPr>
         <p:spPr>
           <a:xfrm>
-            <a:off x="3575050" y="273050"/>
-            <a:ext cx="5111750" cy="5853113"/>
+            <a:off x="4223028" y="273051"/>
+            <a:ext cx="6038255" cy="5853113"/>
           </a:xfrm>
           <a:prstGeom prst="rect">
             <a:avLst/>
@@ -2911,8 +2923,8 @@
         </p:nvSpPr>
         <p:spPr>
           <a:xfrm>
-            <a:off x="457200" y="1435100"/>
-            <a:ext cx="3008313" cy="4691063"/>
+            <a:off x="540068" y="1435101"/>
+            <a:ext cx="3553570" cy="4691063"/>
           </a:xfrm>
           <a:prstGeom prst="rect">
             <a:avLst/>
@@ -2979,8 +2991,8 @@
         </p:nvSpPr>
         <p:spPr>
           <a:xfrm>
-            <a:off x="457200" y="6356350"/>
-            <a:ext cx="2133600" cy="365125"/>
+            <a:off x="540067" y="6356351"/>
+            <a:ext cx="2520315" cy="365125"/>
           </a:xfrm>
           <a:prstGeom prst="rect">
             <a:avLst/>
@@ -2993,7 +3005,7 @@
             <a:fld id="{1D8BD707-D9CF-40AE-B4C6-C98DA3205C09}" type="datetimeFigureOut">
               <a:rPr lang="en-US" smtClean="0"/>
               <a:pPr/>
-              <a:t>5/18/2013</a:t>
+              <a:t>7/6/2013</a:t>
             </a:fld>
             <a:endParaRPr lang="en-US"/>
           </a:p>
@@ -3011,8 +3023,8 @@
         </p:nvSpPr>
         <p:spPr>
           <a:xfrm>
-            <a:off x="3124200" y="6356350"/>
-            <a:ext cx="2895600" cy="365125"/>
+            <a:off x="3690461" y="6356351"/>
+            <a:ext cx="3420428" cy="365125"/>
           </a:xfrm>
           <a:prstGeom prst="rect">
             <a:avLst/>
@@ -3038,8 +3050,8 @@
         </p:nvSpPr>
         <p:spPr>
           <a:xfrm>
-            <a:off x="6553200" y="6356350"/>
-            <a:ext cx="2133600" cy="365125"/>
+            <a:off x="7740968" y="6356351"/>
+            <a:ext cx="2520315" cy="365125"/>
           </a:xfrm>
           <a:prstGeom prst="rect">
             <a:avLst/>
@@ -3095,8 +3107,8 @@
         </p:nvSpPr>
         <p:spPr>
           <a:xfrm>
-            <a:off x="1792288" y="4800600"/>
-            <a:ext cx="5486400" cy="566738"/>
+            <a:off x="2117140" y="4800600"/>
+            <a:ext cx="6480810" cy="566738"/>
           </a:xfrm>
           <a:prstGeom prst="rect">
             <a:avLst/>
@@ -3130,8 +3142,8 @@
         </p:nvSpPr>
         <p:spPr>
           <a:xfrm>
-            <a:off x="1792288" y="612775"/>
-            <a:ext cx="5486400" cy="4114800"/>
+            <a:off x="2117140" y="612775"/>
+            <a:ext cx="6480810" cy="4114800"/>
           </a:xfrm>
           <a:prstGeom prst="rect">
             <a:avLst/>
@@ -3194,8 +3206,8 @@
         </p:nvSpPr>
         <p:spPr>
           <a:xfrm>
-            <a:off x="1792288" y="5367338"/>
-            <a:ext cx="5486400" cy="804862"/>
+            <a:off x="2117140" y="5367338"/>
+            <a:ext cx="6480810" cy="804862"/>
           </a:xfrm>
           <a:prstGeom prst="rect">
             <a:avLst/>
@@ -3262,8 +3274,8 @@
         </p:nvSpPr>
         <p:spPr>
           <a:xfrm>
-            <a:off x="457200" y="6356350"/>
-            <a:ext cx="2133600" cy="365125"/>
+            <a:off x="540067" y="6356351"/>
+            <a:ext cx="2520315" cy="365125"/>
           </a:xfrm>
           <a:prstGeom prst="rect">
             <a:avLst/>
@@ -3276,7 +3288,7 @@
             <a:fld id="{1D8BD707-D9CF-40AE-B4C6-C98DA3205C09}" type="datetimeFigureOut">
               <a:rPr lang="en-US" smtClean="0"/>
               <a:pPr/>
-              <a:t>5/18/2013</a:t>
+              <a:t>7/6/2013</a:t>
             </a:fld>
             <a:endParaRPr lang="en-US"/>
           </a:p>
@@ -3294,8 +3306,8 @@
         </p:nvSpPr>
         <p:spPr>
           <a:xfrm>
-            <a:off x="3124200" y="6356350"/>
-            <a:ext cx="2895600" cy="365125"/>
+            <a:off x="3690461" y="6356351"/>
+            <a:ext cx="3420428" cy="365125"/>
           </a:xfrm>
           <a:prstGeom prst="rect">
             <a:avLst/>
@@ -3321,8 +3333,8 @@
         </p:nvSpPr>
         <p:spPr>
           <a:xfrm>
-            <a:off x="6553200" y="6356350"/>
-            <a:ext cx="2133600" cy="365125"/>
+            <a:off x="7740968" y="6356351"/>
+            <a:ext cx="2520315" cy="365125"/>
           </a:xfrm>
           <a:prstGeom prst="rect">
             <a:avLst/>
@@ -3379,8 +3391,8 @@
         </p:nvSpPr>
         <p:spPr>
           <a:xfrm>
-            <a:off x="228600" y="186583"/>
-            <a:ext cx="6400800" cy="6176115"/>
+            <a:off x="219076" y="186583"/>
+            <a:ext cx="8991599" cy="6138017"/>
           </a:xfrm>
           <a:prstGeom prst="roundRect">
             <a:avLst>
@@ -3439,10 +3451,10 @@
         </p:nvGrpSpPr>
         <p:grpSpPr>
           <a:xfrm>
-            <a:off x="3886200" y="533400"/>
-            <a:ext cx="2514600" cy="5638800"/>
+            <a:off x="6848475" y="533400"/>
+            <a:ext cx="2173605" cy="2667000"/>
             <a:chOff x="-1371600" y="1447800"/>
-            <a:chExt cx="2514600" cy="5638800"/>
+            <a:chExt cx="2514600" cy="2722192"/>
           </a:xfrm>
           <a:solidFill>
             <a:schemeClr val="bg1"/>
@@ -3456,8 +3468,8 @@
           </p:nvSpPr>
           <p:spPr>
             <a:xfrm>
-              <a:off x="-1371600" y="1523999"/>
-              <a:ext cx="2514600" cy="5562601"/>
+              <a:off x="-1371600" y="1524000"/>
+              <a:ext cx="2514600" cy="2645992"/>
             </a:xfrm>
             <a:prstGeom prst="rect">
               <a:avLst/>
@@ -3500,7 +3512,27 @@
                     </a:schemeClr>
                   </a:solidFill>
                 </a:rPr>
-                <a:t>test::driver</a:t>
+                <a:t>test</a:t>
+              </a:r>
+              <a:r>
+                <a:rPr lang="en-US" sz="1400" b="1" dirty="0" smtClean="0">
+                  <a:solidFill>
+                    <a:schemeClr val="accent2">
+                      <a:lumMod val="75000"/>
+                    </a:schemeClr>
+                  </a:solidFill>
+                </a:rPr>
+                <a:t>::</a:t>
+              </a:r>
+              <a:r>
+                <a:rPr lang="en-US" sz="1400" b="1" dirty="0" err="1" smtClean="0">
+                  <a:solidFill>
+                    <a:schemeClr val="accent2">
+                      <a:lumMod val="75000"/>
+                    </a:schemeClr>
+                  </a:solidFill>
+                </a:rPr>
+                <a:t>pageobjects</a:t>
               </a:r>
               <a:endParaRPr lang="en-SG" sz="1400" b="1" dirty="0">
                 <a:solidFill>
@@ -3576,8 +3608,8 @@
         </p:nvGrpSpPr>
         <p:grpSpPr>
           <a:xfrm>
-            <a:off x="457200" y="572210"/>
-            <a:ext cx="2819400" cy="5599990"/>
+            <a:off x="447675" y="572210"/>
+            <a:ext cx="6021705" cy="5599990"/>
             <a:chOff x="-1676400" y="1447800"/>
             <a:chExt cx="2819400" cy="5599990"/>
           </a:xfrm>
@@ -3705,6 +3737,143 @@
           </p:txBody>
         </p:sp>
       </p:grpSp>
+      <p:grpSp>
+        <p:nvGrpSpPr>
+          <p:cNvPr id="14" name="Group 13"/>
+          <p:cNvGrpSpPr/>
+          <p:nvPr userDrawn="1"/>
+        </p:nvGrpSpPr>
+        <p:grpSpPr>
+          <a:xfrm>
+            <a:off x="6848475" y="3429000"/>
+            <a:ext cx="2173605" cy="2722192"/>
+            <a:chOff x="-1371600" y="1447800"/>
+            <a:chExt cx="2514600" cy="2722192"/>
+          </a:xfrm>
+          <a:solidFill>
+            <a:schemeClr val="bg1"/>
+          </a:solidFill>
+        </p:grpSpPr>
+        <p:sp>
+          <p:nvSpPr>
+            <p:cNvPr id="15" name="Rectangle 14"/>
+            <p:cNvSpPr/>
+            <p:nvPr/>
+          </p:nvSpPr>
+          <p:spPr>
+            <a:xfrm>
+              <a:off x="-1371600" y="1524000"/>
+              <a:ext cx="2514600" cy="2645992"/>
+            </a:xfrm>
+            <a:prstGeom prst="rect">
+              <a:avLst/>
+            </a:prstGeom>
+            <a:grpFill/>
+            <a:ln>
+              <a:solidFill>
+                <a:schemeClr val="accent2">
+                  <a:lumMod val="60000"/>
+                  <a:lumOff val="40000"/>
+                </a:schemeClr>
+              </a:solidFill>
+            </a:ln>
+          </p:spPr>
+          <p:style>
+            <a:lnRef idx="2">
+              <a:schemeClr val="accent1">
+                <a:shade val="50000"/>
+              </a:schemeClr>
+            </a:lnRef>
+            <a:fillRef idx="1">
+              <a:schemeClr val="accent1"/>
+            </a:fillRef>
+            <a:effectRef idx="0">
+              <a:schemeClr val="accent1"/>
+            </a:effectRef>
+            <a:fontRef idx="minor">
+              <a:schemeClr val="lt1"/>
+            </a:fontRef>
+          </p:style>
+          <p:txBody>
+            <a:bodyPr rtlCol="0" anchor="t" anchorCtr="0"/>
+            <a:lstStyle/>
+            <a:p>
+              <a:r>
+                <a:rPr lang="en-US" sz="1400" b="1" dirty="0" smtClean="0">
+                  <a:solidFill>
+                    <a:schemeClr val="accent2">
+                      <a:lumMod val="75000"/>
+                    </a:schemeClr>
+                  </a:solidFill>
+                </a:rPr>
+                <a:t>test::driver</a:t>
+              </a:r>
+              <a:endParaRPr lang="en-SG" sz="1400" b="1" dirty="0">
+                <a:solidFill>
+                  <a:schemeClr val="accent2">
+                    <a:lumMod val="75000"/>
+                  </a:schemeClr>
+                </a:solidFill>
+              </a:endParaRPr>
+            </a:p>
+          </p:txBody>
+        </p:sp>
+        <p:sp>
+          <p:nvSpPr>
+            <p:cNvPr id="16" name="Rectangle 15"/>
+            <p:cNvSpPr/>
+            <p:nvPr/>
+          </p:nvSpPr>
+          <p:spPr>
+            <a:xfrm>
+              <a:off x="647700" y="1447800"/>
+              <a:ext cx="495300" cy="76200"/>
+            </a:xfrm>
+            <a:prstGeom prst="rect">
+              <a:avLst/>
+            </a:prstGeom>
+            <a:grpFill/>
+            <a:ln>
+              <a:solidFill>
+                <a:schemeClr val="accent2">
+                  <a:lumMod val="60000"/>
+                  <a:lumOff val="40000"/>
+                </a:schemeClr>
+              </a:solidFill>
+            </a:ln>
+          </p:spPr>
+          <p:style>
+            <a:lnRef idx="2">
+              <a:schemeClr val="accent1">
+                <a:shade val="50000"/>
+              </a:schemeClr>
+            </a:lnRef>
+            <a:fillRef idx="1">
+              <a:schemeClr val="accent1"/>
+            </a:fillRef>
+            <a:effectRef idx="0">
+              <a:schemeClr val="accent1"/>
+            </a:effectRef>
+            <a:fontRef idx="minor">
+              <a:schemeClr val="lt1"/>
+            </a:fontRef>
+          </p:style>
+          <p:txBody>
+            <a:bodyPr rtlCol="0" anchor="t" anchorCtr="0"/>
+            <a:lstStyle/>
+            <a:p>
+              <a:pPr algn="ctr"/>
+              <a:endParaRPr lang="en-SG" sz="1400" b="1">
+                <a:solidFill>
+                  <a:schemeClr val="accent2">
+                    <a:lumMod val="75000"/>
+                  </a:schemeClr>
+                </a:solidFill>
+              </a:endParaRPr>
+            </a:p>
+          </p:txBody>
+        </p:sp>
+      </p:grpSp>
     </p:spTree>
   </p:cSld>
   <p:clrMap bg1="lt1" tx1="dk1" bg2="lt2" tx2="dk2" accent1="accent1" accent2="accent2" accent3="accent3" accent4="accent4" accent5="accent5" accent6="accent6" hlink="hlink" folHlink="folHlink"/>
@@ -3721,6 +3890,13 @@
     <p:sldLayoutId id="2147483658" r:id="rId10"/>
     <p:sldLayoutId id="2147483659" r:id="rId11"/>
   </p:sldLayoutIdLst>
+  <p:timing>
+    <p:tnLst>
+      <p:par>
+        <p:cTn id="1" dur="indefinite" restart="never" nodeType="tmRoot"/>
+      </p:par>
+    </p:tnLst>
+  </p:timing>
   <p:txStyles>
     <p:titleStyle>
       <a:lvl1pPr algn="ctr" defTabSz="914400" rtl="0" eaLnBrk="1" latinLnBrk="0" hangingPunct="1">
@@ -3991,16 +4167,740 @@
           <a:chExt cx="0" cy="0"/>
         </a:xfrm>
       </p:grpSpPr>
-      <p:sp>
-        <p:nvSpPr>
-          <p:cNvPr id="86" name="Rectangle 85"/>
+      <p:grpSp>
+        <p:nvGrpSpPr>
+          <p:cNvPr id="290" name="Group 289"/>
+          <p:cNvGrpSpPr/>
+          <p:nvPr/>
+        </p:nvGrpSpPr>
+        <p:grpSpPr>
+          <a:xfrm>
+            <a:off x="3190875" y="1032305"/>
+            <a:ext cx="2362200" cy="872695"/>
+            <a:chOff x="3190875" y="1032305"/>
+            <a:chExt cx="2362200" cy="872695"/>
+          </a:xfrm>
+          <a:solidFill>
+            <a:schemeClr val="bg1">
+              <a:lumMod val="75000"/>
+            </a:schemeClr>
+          </a:solidFill>
+        </p:grpSpPr>
+        <p:sp>
+          <p:nvSpPr>
+            <p:cNvPr id="36" name="Rectangle 35"/>
+            <p:cNvSpPr/>
+            <p:nvPr/>
+          </p:nvSpPr>
+          <p:spPr>
+            <a:xfrm>
+              <a:off x="3190875" y="1032305"/>
+              <a:ext cx="2362200" cy="872695"/>
+            </a:xfrm>
+            <a:custGeom>
+              <a:avLst/>
+              <a:gdLst/>
+              <a:ahLst/>
+              <a:cxnLst/>
+              <a:rect l="l" t="t" r="r" b="b"/>
+              <a:pathLst>
+                <a:path w="2362200" h="1101295">
+                  <a:moveTo>
+                    <a:pt x="1524000" y="0"/>
+                  </a:moveTo>
+                  <a:lnTo>
+                    <a:pt x="2361824" y="0"/>
+                  </a:lnTo>
+                  <a:lnTo>
+                    <a:pt x="2361824" y="129015"/>
+                  </a:lnTo>
+                  <a:lnTo>
+                    <a:pt x="2362200" y="129015"/>
+                  </a:lnTo>
+                  <a:lnTo>
+                    <a:pt x="2362200" y="1101295"/>
+                  </a:lnTo>
+                  <a:lnTo>
+                    <a:pt x="0" y="1101295"/>
+                  </a:lnTo>
+                  <a:lnTo>
+                    <a:pt x="0" y="129015"/>
+                  </a:lnTo>
+                  <a:lnTo>
+                    <a:pt x="1524000" y="129015"/>
+                  </a:lnTo>
+                  <a:close/>
+                </a:path>
+              </a:pathLst>
+            </a:custGeom>
+            <a:grpFill/>
+            <a:ln>
+              <a:noFill/>
+            </a:ln>
+          </p:spPr>
+          <p:style>
+            <a:lnRef idx="2">
+              <a:schemeClr val="accent1">
+                <a:shade val="50000"/>
+              </a:schemeClr>
+            </a:lnRef>
+            <a:fillRef idx="1">
+              <a:schemeClr val="accent1"/>
+            </a:fillRef>
+            <a:effectRef idx="0">
+              <a:schemeClr val="accent1"/>
+            </a:effectRef>
+            <a:fontRef idx="minor">
+              <a:schemeClr val="lt1"/>
+            </a:fontRef>
+          </p:style>
+          <p:txBody>
+            <a:bodyPr rtlCol="0" anchor="t" anchorCtr="0"/>
+            <a:lstStyle/>
+            <a:p>
+              <a:pPr>
+                <a:lnSpc>
+                  <a:spcPct val="150000"/>
+                </a:lnSpc>
+                <a:spcBef>
+                  <a:spcPts val="600"/>
+                </a:spcBef>
+              </a:pPr>
+              <a:r>
+                <a:rPr lang="en-US" sz="1400" b="1" dirty="0"/>
+                <a:t>::driver</a:t>
+              </a:r>
+              <a:endParaRPr lang="en-SG" sz="1400" b="1" dirty="0"/>
+            </a:p>
+          </p:txBody>
+        </p:sp>
+        <p:cxnSp>
+          <p:nvCxnSpPr>
+            <p:cNvPr id="41" name="Straight Connector 40"/>
+            <p:cNvCxnSpPr/>
+            <p:nvPr/>
+          </p:nvCxnSpPr>
+          <p:spPr>
+            <a:xfrm>
+              <a:off x="4714875" y="1123350"/>
+              <a:ext cx="838200" cy="0"/>
+            </a:xfrm>
+            <a:prstGeom prst="line">
+              <a:avLst/>
+            </a:prstGeom>
+            <a:grpFill/>
+            <a:ln w="19050">
+              <a:solidFill>
+                <a:schemeClr val="bg1"/>
+              </a:solidFill>
+            </a:ln>
+          </p:spPr>
+          <p:style>
+            <a:lnRef idx="1">
+              <a:schemeClr val="accent1"/>
+            </a:lnRef>
+            <a:fillRef idx="0">
+              <a:schemeClr val="accent1"/>
+            </a:fillRef>
+            <a:effectRef idx="0">
+              <a:schemeClr val="accent1"/>
+            </a:effectRef>
+            <a:fontRef idx="minor">
+              <a:schemeClr val="tx1"/>
+            </a:fontRef>
+          </p:style>
+        </p:cxnSp>
+      </p:grpSp>
+      <p:grpSp>
+        <p:nvGrpSpPr>
+          <p:cNvPr id="289" name="Group 288"/>
+          <p:cNvGrpSpPr/>
+          <p:nvPr/>
+        </p:nvGrpSpPr>
+        <p:grpSpPr>
+          <a:xfrm>
+            <a:off x="3170009" y="2133600"/>
+            <a:ext cx="2362200" cy="1002607"/>
+            <a:chOff x="3170009" y="2133600"/>
+            <a:chExt cx="2362200" cy="1002607"/>
+          </a:xfrm>
+          <a:solidFill>
+            <a:schemeClr val="bg1">
+              <a:lumMod val="75000"/>
+            </a:schemeClr>
+          </a:solidFill>
+        </p:grpSpPr>
+        <p:sp>
+          <p:nvSpPr>
+            <p:cNvPr id="186" name="Rectangle 35"/>
+            <p:cNvSpPr/>
+            <p:nvPr/>
+          </p:nvSpPr>
+          <p:spPr>
+            <a:xfrm>
+              <a:off x="3170009" y="2133600"/>
+              <a:ext cx="2362200" cy="1002607"/>
+            </a:xfrm>
+            <a:custGeom>
+              <a:avLst/>
+              <a:gdLst/>
+              <a:ahLst/>
+              <a:cxnLst/>
+              <a:rect l="l" t="t" r="r" b="b"/>
+              <a:pathLst>
+                <a:path w="2362200" h="1101295">
+                  <a:moveTo>
+                    <a:pt x="1524000" y="0"/>
+                  </a:moveTo>
+                  <a:lnTo>
+                    <a:pt x="2361824" y="0"/>
+                  </a:lnTo>
+                  <a:lnTo>
+                    <a:pt x="2361824" y="129015"/>
+                  </a:lnTo>
+                  <a:lnTo>
+                    <a:pt x="2362200" y="129015"/>
+                  </a:lnTo>
+                  <a:lnTo>
+                    <a:pt x="2362200" y="1101295"/>
+                  </a:lnTo>
+                  <a:lnTo>
+                    <a:pt x="0" y="1101295"/>
+                  </a:lnTo>
+                  <a:lnTo>
+                    <a:pt x="0" y="129015"/>
+                  </a:lnTo>
+                  <a:lnTo>
+                    <a:pt x="1524000" y="129015"/>
+                  </a:lnTo>
+                  <a:close/>
+                </a:path>
+              </a:pathLst>
+            </a:custGeom>
+            <a:grpFill/>
+            <a:ln>
+              <a:noFill/>
+            </a:ln>
+          </p:spPr>
+          <p:style>
+            <a:lnRef idx="2">
+              <a:schemeClr val="accent1">
+                <a:shade val="50000"/>
+              </a:schemeClr>
+            </a:lnRef>
+            <a:fillRef idx="1">
+              <a:schemeClr val="accent1"/>
+            </a:fillRef>
+            <a:effectRef idx="0">
+              <a:schemeClr val="accent1"/>
+            </a:effectRef>
+            <a:fontRef idx="minor">
+              <a:schemeClr val="lt1"/>
+            </a:fontRef>
+          </p:style>
+          <p:txBody>
+            <a:bodyPr rtlCol="0" anchor="t" anchorCtr="0"/>
+            <a:lstStyle/>
+            <a:p>
+              <a:pPr>
+                <a:lnSpc>
+                  <a:spcPct val="150000"/>
+                </a:lnSpc>
+                <a:spcBef>
+                  <a:spcPts val="600"/>
+                </a:spcBef>
+              </a:pPr>
+              <a:r>
+                <a:rPr lang="en-US" sz="1400" b="1" dirty="0"/>
+                <a:t>::</a:t>
+              </a:r>
+              <a:r>
+                <a:rPr lang="en-US" sz="1400" b="1" dirty="0" err="1"/>
+                <a:t>browsertests</a:t>
+              </a:r>
+              <a:endParaRPr lang="en-SG" sz="1400" b="1" dirty="0"/>
+            </a:p>
+          </p:txBody>
+        </p:sp>
+        <p:cxnSp>
+          <p:nvCxnSpPr>
+            <p:cNvPr id="200" name="Straight Connector 199"/>
+            <p:cNvCxnSpPr/>
+            <p:nvPr/>
+          </p:nvCxnSpPr>
+          <p:spPr>
+            <a:xfrm>
+              <a:off x="4694009" y="2243141"/>
+              <a:ext cx="838200" cy="0"/>
+            </a:xfrm>
+            <a:prstGeom prst="line">
+              <a:avLst/>
+            </a:prstGeom>
+            <a:grpFill/>
+            <a:ln w="19050">
+              <a:solidFill>
+                <a:schemeClr val="bg1"/>
+              </a:solidFill>
+            </a:ln>
+          </p:spPr>
+          <p:style>
+            <a:lnRef idx="1">
+              <a:schemeClr val="accent1"/>
+            </a:lnRef>
+            <a:fillRef idx="0">
+              <a:schemeClr val="accent1"/>
+            </a:fillRef>
+            <a:effectRef idx="0">
+              <a:schemeClr val="accent1"/>
+            </a:effectRef>
+            <a:fontRef idx="minor">
+              <a:schemeClr val="tx1"/>
+            </a:fontRef>
+          </p:style>
+        </p:cxnSp>
+      </p:grpSp>
+      <p:grpSp>
+        <p:nvGrpSpPr>
+          <p:cNvPr id="288" name="Group 287"/>
+          <p:cNvGrpSpPr/>
+          <p:nvPr/>
+        </p:nvGrpSpPr>
+        <p:grpSpPr>
+          <a:xfrm>
+            <a:off x="3188277" y="3385269"/>
+            <a:ext cx="2362550" cy="872695"/>
+            <a:chOff x="3188277" y="3385269"/>
+            <a:chExt cx="2362550" cy="872695"/>
+          </a:xfrm>
+          <a:solidFill>
+            <a:schemeClr val="bg1">
+              <a:lumMod val="75000"/>
+            </a:schemeClr>
+          </a:solidFill>
+        </p:grpSpPr>
+        <p:sp>
+          <p:nvSpPr>
+            <p:cNvPr id="191" name="Rectangle 35"/>
+            <p:cNvSpPr/>
+            <p:nvPr/>
+          </p:nvSpPr>
+          <p:spPr>
+            <a:xfrm>
+              <a:off x="3188277" y="3385269"/>
+              <a:ext cx="2362200" cy="872695"/>
+            </a:xfrm>
+            <a:custGeom>
+              <a:avLst/>
+              <a:gdLst/>
+              <a:ahLst/>
+              <a:cxnLst/>
+              <a:rect l="l" t="t" r="r" b="b"/>
+              <a:pathLst>
+                <a:path w="2362200" h="1101295">
+                  <a:moveTo>
+                    <a:pt x="1524000" y="0"/>
+                  </a:moveTo>
+                  <a:lnTo>
+                    <a:pt x="2361824" y="0"/>
+                  </a:lnTo>
+                  <a:lnTo>
+                    <a:pt x="2361824" y="129015"/>
+                  </a:lnTo>
+                  <a:lnTo>
+                    <a:pt x="2362200" y="129015"/>
+                  </a:lnTo>
+                  <a:lnTo>
+                    <a:pt x="2362200" y="1101295"/>
+                  </a:lnTo>
+                  <a:lnTo>
+                    <a:pt x="0" y="1101295"/>
+                  </a:lnTo>
+                  <a:lnTo>
+                    <a:pt x="0" y="129015"/>
+                  </a:lnTo>
+                  <a:lnTo>
+                    <a:pt x="1524000" y="129015"/>
+                  </a:lnTo>
+                  <a:close/>
+                </a:path>
+              </a:pathLst>
+            </a:custGeom>
+            <a:grpFill/>
+            <a:ln>
+              <a:noFill/>
+            </a:ln>
+          </p:spPr>
+          <p:style>
+            <a:lnRef idx="2">
+              <a:schemeClr val="accent1">
+                <a:shade val="50000"/>
+              </a:schemeClr>
+            </a:lnRef>
+            <a:fillRef idx="1">
+              <a:schemeClr val="accent1"/>
+            </a:fillRef>
+            <a:effectRef idx="0">
+              <a:schemeClr val="accent1"/>
+            </a:effectRef>
+            <a:fontRef idx="minor">
+              <a:schemeClr val="lt1"/>
+            </a:fontRef>
+          </p:style>
+          <p:txBody>
+            <a:bodyPr rtlCol="0" anchor="t" anchorCtr="0"/>
+            <a:lstStyle/>
+            <a:p>
+              <a:pPr>
+                <a:lnSpc>
+                  <a:spcPct val="150000"/>
+                </a:lnSpc>
+                <a:spcBef>
+                  <a:spcPts val="600"/>
+                </a:spcBef>
+              </a:pPr>
+              <a:r>
+                <a:rPr lang="en-US" sz="1400" b="1" dirty="0"/>
+                <a:t>::common</a:t>
+              </a:r>
+              <a:endParaRPr lang="en-SG" sz="1400" b="1" dirty="0"/>
+            </a:p>
+          </p:txBody>
+        </p:sp>
+        <p:cxnSp>
+          <p:nvCxnSpPr>
+            <p:cNvPr id="201" name="Straight Connector 200"/>
+            <p:cNvCxnSpPr/>
+            <p:nvPr/>
+          </p:nvCxnSpPr>
+          <p:spPr>
+            <a:xfrm>
+              <a:off x="4712627" y="3476772"/>
+              <a:ext cx="838200" cy="0"/>
+            </a:xfrm>
+            <a:prstGeom prst="line">
+              <a:avLst/>
+            </a:prstGeom>
+            <a:grpFill/>
+            <a:ln w="19050">
+              <a:solidFill>
+                <a:schemeClr val="bg1"/>
+              </a:solidFill>
+            </a:ln>
+          </p:spPr>
+          <p:style>
+            <a:lnRef idx="1">
+              <a:schemeClr val="accent1"/>
+            </a:lnRef>
+            <a:fillRef idx="0">
+              <a:schemeClr val="accent1"/>
+            </a:fillRef>
+            <a:effectRef idx="0">
+              <a:schemeClr val="accent1"/>
+            </a:effectRef>
+            <a:fontRef idx="minor">
+              <a:schemeClr val="tx1"/>
+            </a:fontRef>
+          </p:style>
+        </p:cxnSp>
+      </p:grpSp>
+      <p:grpSp>
+        <p:nvGrpSpPr>
+          <p:cNvPr id="45" name="Group 44"/>
+          <p:cNvGrpSpPr/>
+          <p:nvPr/>
+        </p:nvGrpSpPr>
+        <p:grpSpPr>
+          <a:xfrm>
+            <a:off x="3170009" y="4300344"/>
+            <a:ext cx="2362200" cy="872695"/>
+            <a:chOff x="3170009" y="4300344"/>
+            <a:chExt cx="2362200" cy="872695"/>
+          </a:xfrm>
+          <a:solidFill>
+            <a:schemeClr val="bg1">
+              <a:lumMod val="75000"/>
+            </a:schemeClr>
+          </a:solidFill>
+        </p:grpSpPr>
+        <p:sp>
+          <p:nvSpPr>
+            <p:cNvPr id="189" name="Rectangle 35"/>
+            <p:cNvSpPr/>
+            <p:nvPr/>
+          </p:nvSpPr>
+          <p:spPr>
+            <a:xfrm>
+              <a:off x="3170009" y="4300344"/>
+              <a:ext cx="2362200" cy="872695"/>
+            </a:xfrm>
+            <a:custGeom>
+              <a:avLst/>
+              <a:gdLst/>
+              <a:ahLst/>
+              <a:cxnLst/>
+              <a:rect l="l" t="t" r="r" b="b"/>
+              <a:pathLst>
+                <a:path w="2362200" h="1101295">
+                  <a:moveTo>
+                    <a:pt x="1524000" y="0"/>
+                  </a:moveTo>
+                  <a:lnTo>
+                    <a:pt x="2361824" y="0"/>
+                  </a:lnTo>
+                  <a:lnTo>
+                    <a:pt x="2361824" y="129015"/>
+                  </a:lnTo>
+                  <a:lnTo>
+                    <a:pt x="2362200" y="129015"/>
+                  </a:lnTo>
+                  <a:lnTo>
+                    <a:pt x="2362200" y="1101295"/>
+                  </a:lnTo>
+                  <a:lnTo>
+                    <a:pt x="0" y="1101295"/>
+                  </a:lnTo>
+                  <a:lnTo>
+                    <a:pt x="0" y="129015"/>
+                  </a:lnTo>
+                  <a:lnTo>
+                    <a:pt x="1524000" y="129015"/>
+                  </a:lnTo>
+                  <a:close/>
+                </a:path>
+              </a:pathLst>
+            </a:custGeom>
+            <a:grpFill/>
+            <a:ln>
+              <a:noFill/>
+            </a:ln>
+          </p:spPr>
+          <p:style>
+            <a:lnRef idx="2">
+              <a:schemeClr val="accent1">
+                <a:shade val="50000"/>
+              </a:schemeClr>
+            </a:lnRef>
+            <a:fillRef idx="1">
+              <a:schemeClr val="accent1"/>
+            </a:fillRef>
+            <a:effectRef idx="0">
+              <a:schemeClr val="accent1"/>
+            </a:effectRef>
+            <a:fontRef idx="minor">
+              <a:schemeClr val="lt1"/>
+            </a:fontRef>
+          </p:style>
+          <p:txBody>
+            <a:bodyPr rtlCol="0" anchor="t" anchorCtr="0"/>
+            <a:lstStyle/>
+            <a:p>
+              <a:pPr>
+                <a:lnSpc>
+                  <a:spcPct val="150000"/>
+                </a:lnSpc>
+                <a:spcBef>
+                  <a:spcPts val="600"/>
+                </a:spcBef>
+              </a:pPr>
+              <a:r>
+                <a:rPr lang="en-US" sz="1400" b="1" dirty="0"/>
+                <a:t>::logic</a:t>
+              </a:r>
+              <a:endParaRPr lang="en-SG" sz="1400" b="1" dirty="0"/>
+            </a:p>
+          </p:txBody>
+        </p:sp>
+        <p:cxnSp>
+          <p:nvCxnSpPr>
+            <p:cNvPr id="202" name="Straight Connector 201"/>
+            <p:cNvCxnSpPr/>
+            <p:nvPr/>
+          </p:nvCxnSpPr>
+          <p:spPr>
+            <a:xfrm>
+              <a:off x="4693575" y="4389170"/>
+              <a:ext cx="838200" cy="0"/>
+            </a:xfrm>
+            <a:prstGeom prst="line">
+              <a:avLst/>
+            </a:prstGeom>
+            <a:grpFill/>
+            <a:ln w="19050">
+              <a:solidFill>
+                <a:schemeClr val="bg1"/>
+              </a:solidFill>
+            </a:ln>
+          </p:spPr>
+          <p:style>
+            <a:lnRef idx="1">
+              <a:schemeClr val="accent1"/>
+            </a:lnRef>
+            <a:fillRef idx="0">
+              <a:schemeClr val="accent1"/>
+            </a:fillRef>
+            <a:effectRef idx="0">
+              <a:schemeClr val="accent1"/>
+            </a:effectRef>
+            <a:fontRef idx="minor">
+              <a:schemeClr val="tx1"/>
+            </a:fontRef>
+          </p:style>
+        </p:cxnSp>
+      </p:grpSp>
+      <p:grpSp>
+        <p:nvGrpSpPr>
+          <p:cNvPr id="44" name="Group 43"/>
+          <p:cNvGrpSpPr/>
+          <p:nvPr/>
+        </p:nvGrpSpPr>
+        <p:grpSpPr>
+          <a:xfrm>
+            <a:off x="3174338" y="5223305"/>
+            <a:ext cx="2362200" cy="872695"/>
+            <a:chOff x="3174338" y="5223305"/>
+            <a:chExt cx="2362200" cy="872695"/>
+          </a:xfrm>
+          <a:solidFill>
+            <a:schemeClr val="bg1">
+              <a:lumMod val="75000"/>
+            </a:schemeClr>
+          </a:solidFill>
+        </p:grpSpPr>
+        <p:sp>
+          <p:nvSpPr>
+            <p:cNvPr id="190" name="Rectangle 35"/>
+            <p:cNvSpPr/>
+            <p:nvPr/>
+          </p:nvSpPr>
+          <p:spPr>
+            <a:xfrm>
+              <a:off x="3174338" y="5223305"/>
+              <a:ext cx="2362200" cy="872695"/>
+            </a:xfrm>
+            <a:custGeom>
+              <a:avLst/>
+              <a:gdLst/>
+              <a:ahLst/>
+              <a:cxnLst/>
+              <a:rect l="l" t="t" r="r" b="b"/>
+              <a:pathLst>
+                <a:path w="2362200" h="1101295">
+                  <a:moveTo>
+                    <a:pt x="1524000" y="0"/>
+                  </a:moveTo>
+                  <a:lnTo>
+                    <a:pt x="2361824" y="0"/>
+                  </a:lnTo>
+                  <a:lnTo>
+                    <a:pt x="2361824" y="129015"/>
+                  </a:lnTo>
+                  <a:lnTo>
+                    <a:pt x="2362200" y="129015"/>
+                  </a:lnTo>
+                  <a:lnTo>
+                    <a:pt x="2362200" y="1101295"/>
+                  </a:lnTo>
+                  <a:lnTo>
+                    <a:pt x="0" y="1101295"/>
+                  </a:lnTo>
+                  <a:lnTo>
+                    <a:pt x="0" y="129015"/>
+                  </a:lnTo>
+                  <a:lnTo>
+                    <a:pt x="1524000" y="129015"/>
+                  </a:lnTo>
+                  <a:close/>
+                </a:path>
+              </a:pathLst>
+            </a:custGeom>
+            <a:grpFill/>
+            <a:ln>
+              <a:noFill/>
+            </a:ln>
+          </p:spPr>
+          <p:style>
+            <a:lnRef idx="2">
+              <a:schemeClr val="accent1">
+                <a:shade val="50000"/>
+              </a:schemeClr>
+            </a:lnRef>
+            <a:fillRef idx="1">
+              <a:schemeClr val="accent1"/>
+            </a:fillRef>
+            <a:effectRef idx="0">
+              <a:schemeClr val="accent1"/>
+            </a:effectRef>
+            <a:fontRef idx="minor">
+              <a:schemeClr val="lt1"/>
+            </a:fontRef>
+          </p:style>
+          <p:txBody>
+            <a:bodyPr rtlCol="0" anchor="t" anchorCtr="0"/>
+            <a:lstStyle/>
+            <a:p>
+              <a:pPr>
+                <a:lnSpc>
+                  <a:spcPct val="150000"/>
+                </a:lnSpc>
+                <a:spcBef>
+                  <a:spcPts val="600"/>
+                </a:spcBef>
+              </a:pPr>
+              <a:r>
+                <a:rPr lang="en-US" sz="1400" b="1" dirty="0" smtClean="0"/>
+                <a:t>::storage</a:t>
+              </a:r>
+              <a:endParaRPr lang="en-SG" sz="1400" b="1" dirty="0"/>
+            </a:p>
+          </p:txBody>
+        </p:sp>
+        <p:cxnSp>
+          <p:nvCxnSpPr>
+            <p:cNvPr id="203" name="Straight Connector 202"/>
+            <p:cNvCxnSpPr/>
+            <p:nvPr/>
+          </p:nvCxnSpPr>
+          <p:spPr>
+            <a:xfrm>
+              <a:off x="4693575" y="5314879"/>
+              <a:ext cx="838200" cy="0"/>
+            </a:xfrm>
+            <a:prstGeom prst="line">
+              <a:avLst/>
+            </a:prstGeom>
+            <a:grpFill/>
+            <a:ln w="19050">
+              <a:solidFill>
+                <a:schemeClr val="bg1"/>
+              </a:solidFill>
+            </a:ln>
+          </p:spPr>
+          <p:style>
+            <a:lnRef idx="1">
+              <a:schemeClr val="accent1"/>
+            </a:lnRef>
+            <a:fillRef idx="0">
+              <a:schemeClr val="accent1"/>
+            </a:fillRef>
+            <a:effectRef idx="0">
+              <a:schemeClr val="accent1"/>
+            </a:effectRef>
+            <a:fontRef idx="minor">
+              <a:schemeClr val="tx1"/>
+            </a:fontRef>
+          </p:style>
+        </p:cxnSp>
+      </p:grpSp>
+      <p:sp>
+        <p:nvSpPr>
+          <p:cNvPr id="47" name="Rectangle 46"/>
           <p:cNvSpPr/>
           <p:nvPr/>
         </p:nvSpPr>
         <p:spPr>
           <a:xfrm>
-            <a:off x="4332511" y="1069373"/>
-            <a:ext cx="1800000" cy="367533"/>
+            <a:off x="6997411" y="3830309"/>
+            <a:ext cx="1774889" cy="252000"/>
           </a:xfrm>
           <a:prstGeom prst="rect">
             <a:avLst/>
@@ -4008,15 +4908,15 @@
         </p:spPr>
         <p:style>
           <a:lnRef idx="2">
-            <a:schemeClr val="accent1">
+            <a:schemeClr val="accent3">
               <a:shade val="50000"/>
             </a:schemeClr>
           </a:lnRef>
           <a:fillRef idx="1">
-            <a:schemeClr val="accent1"/>
+            <a:schemeClr val="accent3"/>
           </a:fillRef>
           <a:effectRef idx="0">
-            <a:schemeClr val="accent1"/>
+            <a:schemeClr val="accent3"/>
           </a:effectRef>
           <a:fontRef idx="minor">
             <a:schemeClr val="lt1"/>
@@ -4029,51 +4929,7 @@
             <a:pPr algn="ctr"/>
             <a:r>
               <a:rPr lang="en-US" sz="1600" b="1" dirty="0" err="1" smtClean="0"/>
-              <a:t>TestProperties</a:t>
-            </a:r>
-            <a:endParaRPr lang="en-SG" sz="1600" b="1" dirty="0"/>
-          </a:p>
-        </p:txBody>
-      </p:sp>
-      <p:sp>
-        <p:nvSpPr>
-          <p:cNvPr id="99" name="Rectangle 98"/>
-          <p:cNvSpPr/>
-          <p:nvPr/>
-        </p:nvSpPr>
-        <p:spPr>
-          <a:xfrm>
-            <a:off x="4724399" y="2204104"/>
-            <a:ext cx="1408111" cy="386114"/>
-          </a:xfrm>
-          <a:prstGeom prst="rect">
-            <a:avLst/>
-          </a:prstGeom>
-        </p:spPr>
-        <p:style>
-          <a:lnRef idx="2">
-            <a:schemeClr val="accent4">
-              <a:shade val="50000"/>
-            </a:schemeClr>
-          </a:lnRef>
-          <a:fillRef idx="1">
-            <a:schemeClr val="accent4"/>
-          </a:fillRef>
-          <a:effectRef idx="0">
-            <a:schemeClr val="accent4"/>
-          </a:effectRef>
-          <a:fontRef idx="minor">
-            <a:schemeClr val="lt1"/>
-          </a:fontRef>
-        </p:style>
-        <p:txBody>
-          <a:bodyPr rtlCol="0" anchor="ctr"/>
-          <a:lstStyle/>
-          <a:p>
-            <a:pPr algn="ctr"/>
-            <a:r>
-              <a:rPr lang="en-US" sz="1600" b="1" dirty="0" err="1" smtClean="0"/>
-              <a:t>HtmlHelper</a:t>
+              <a:t>GaeSimulation</a:t>
             </a:r>
             <a:endParaRPr lang="en-SG" sz="1600" b="1" dirty="0"/>
           </a:p>
@@ -4081,13 +4937,13 @@
       </p:sp>
       <p:cxnSp>
         <p:nvCxnSpPr>
-          <p:cNvPr id="79" name="Straight Arrow Connector 78"/>
+          <p:cNvPr id="48" name="Straight Arrow Connector 47"/>
           <p:cNvCxnSpPr/>
           <p:nvPr/>
         </p:nvCxnSpPr>
         <p:spPr>
           <a:xfrm flipH="1">
-            <a:off x="6115096" y="5514324"/>
+            <a:off x="8777830" y="5906340"/>
             <a:ext cx="971504" cy="0"/>
           </a:xfrm>
           <a:prstGeom prst="straightConnector1">
@@ -4119,13 +4975,13 @@
       </p:cxnSp>
       <p:sp>
         <p:nvSpPr>
-          <p:cNvPr id="94" name="TextBox 93"/>
+          <p:cNvPr id="49" name="TextBox 48"/>
           <p:cNvSpPr txBox="1"/>
           <p:nvPr/>
         </p:nvSpPr>
         <p:spPr>
           <a:xfrm>
-            <a:off x="6981284" y="5353314"/>
+            <a:off x="9644018" y="5715000"/>
             <a:ext cx="1319257" cy="307777"/>
           </a:xfrm>
           <a:prstGeom prst="rect">
@@ -4242,30 +5098,38 @@
       </p:sp>
       <p:sp>
         <p:nvSpPr>
-          <p:cNvPr id="103" name="Rectangle 102"/>
+          <p:cNvPr id="50" name="Rectangle 49"/>
           <p:cNvSpPr/>
           <p:nvPr/>
         </p:nvSpPr>
         <p:spPr>
           <a:xfrm>
-            <a:off x="1182189" y="5657380"/>
+            <a:off x="2771607" y="6428473"/>
             <a:ext cx="1368039" cy="361770"/>
           </a:xfrm>
           <a:prstGeom prst="rect">
             <a:avLst/>
           </a:prstGeom>
+          <a:solidFill>
+            <a:schemeClr val="bg1"/>
+          </a:solidFill>
+          <a:ln>
+            <a:solidFill>
+              <a:schemeClr val="tx1"/>
+            </a:solidFill>
+          </a:ln>
         </p:spPr>
         <p:style>
           <a:lnRef idx="2">
-            <a:schemeClr val="accent5">
+            <a:schemeClr val="accent1">
               <a:shade val="50000"/>
             </a:schemeClr>
           </a:lnRef>
           <a:fillRef idx="1">
-            <a:schemeClr val="accent5"/>
+            <a:schemeClr val="accent1"/>
           </a:fillRef>
           <a:effectRef idx="0">
-            <a:schemeClr val="accent5"/>
+            <a:schemeClr val="accent1"/>
           </a:effectRef>
           <a:fontRef idx="minor">
             <a:schemeClr val="lt1"/>
@@ -4277,81 +5141,98 @@
           <a:p>
             <a:pPr algn="ctr"/>
             <a:r>
-              <a:rPr lang="en-US" sz="1600" b="1" dirty="0" smtClean="0"/>
+              <a:rPr lang="en-US" sz="1600" b="1" dirty="0">
+                <a:solidFill>
+                  <a:schemeClr val="tx1"/>
+                </a:solidFill>
+              </a:rPr>
               <a:t>testng.xml</a:t>
             </a:r>
-            <a:endParaRPr lang="en-SG" sz="1600" b="1" dirty="0"/>
-          </a:p>
-        </p:txBody>
-      </p:sp>
-      <p:cxnSp>
-        <p:nvCxnSpPr>
-          <p:cNvPr id="127" name="Straight Arrow Connector 126"/>
-          <p:cNvCxnSpPr/>
+            <a:endParaRPr lang="en-SG" sz="1600" b="1" dirty="0">
+              <a:solidFill>
+                <a:schemeClr val="tx1"/>
+              </a:solidFill>
+            </a:endParaRPr>
+          </a:p>
+        </p:txBody>
+      </p:sp>
+      <p:sp>
+        <p:nvSpPr>
+          <p:cNvPr id="52" name="Rectangle 51"/>
+          <p:cNvSpPr/>
           <p:nvPr/>
-        </p:nvCxnSpPr>
-        <p:spPr>
-          <a:xfrm>
-            <a:off x="4572000" y="2011836"/>
-            <a:ext cx="1" cy="822758"/>
-          </a:xfrm>
-          <a:prstGeom prst="straightConnector1">
-            <a:avLst/>
-          </a:prstGeom>
-          <a:ln>
-            <a:solidFill>
-              <a:schemeClr val="accent4">
-                <a:lumMod val="75000"/>
-              </a:schemeClr>
-            </a:solidFill>
-            <a:prstDash val="sysDot"/>
-            <a:headEnd type="arrow" w="med" len="med"/>
-            <a:tailEnd type="none" w="med" len="med"/>
-          </a:ln>
+        </p:nvSpPr>
+        <p:spPr>
+          <a:xfrm>
+            <a:off x="741235" y="1375183"/>
+            <a:ext cx="1066800" cy="491669"/>
+          </a:xfrm>
+          <a:prstGeom prst="rect">
+            <a:avLst/>
+          </a:prstGeom>
         </p:spPr>
         <p:style>
           <a:lnRef idx="2">
-            <a:schemeClr val="accent6">
+            <a:schemeClr val="accent3">
               <a:shade val="50000"/>
             </a:schemeClr>
           </a:lnRef>
           <a:fillRef idx="1">
-            <a:schemeClr val="accent6"/>
+            <a:schemeClr val="accent3"/>
           </a:fillRef>
           <a:effectRef idx="0">
-            <a:schemeClr val="accent6"/>
+            <a:schemeClr val="accent3"/>
           </a:effectRef>
           <a:fontRef idx="minor">
             <a:schemeClr val="lt1"/>
           </a:fontRef>
         </p:style>
-      </p:cxnSp>
-      <p:sp>
-        <p:nvSpPr>
-          <p:cNvPr id="95" name="Rectangle 94"/>
+        <p:txBody>
+          <a:bodyPr rtlCol="0" anchor="ctr"/>
+          <a:lstStyle/>
+          <a:p>
+            <a:pPr algn="ctr"/>
+            <a:r>
+              <a:rPr lang="en-US" sz="1600" b="1" dirty="0"/>
+              <a:t>Base</a:t>
+            </a:r>
+            <a:br>
+              <a:rPr lang="en-US" sz="1600" b="1" dirty="0"/>
+            </a:br>
+            <a:r>
+              <a:rPr lang="en-US" sz="1600" b="1" dirty="0" err="1"/>
+              <a:t>TestCase</a:t>
+            </a:r>
+            <a:endParaRPr lang="en-SG" sz="1600" b="1" dirty="0"/>
+          </a:p>
+        </p:txBody>
+      </p:sp>
+      <p:sp>
+        <p:nvSpPr>
+          <p:cNvPr id="54" name="Isosceles Triangle 53"/>
           <p:cNvSpPr/>
           <p:nvPr/>
         </p:nvSpPr>
         <p:spPr>
           <a:xfrm>
-            <a:off x="1029789" y="1110176"/>
-            <a:ext cx="1321637" cy="361770"/>
-          </a:xfrm>
-          <a:prstGeom prst="rect">
+            <a:off x="893634" y="1886082"/>
+            <a:ext cx="276225" cy="228600"/>
+          </a:xfrm>
+          <a:prstGeom prst="triangle">
             <a:avLst/>
           </a:prstGeom>
         </p:spPr>
         <p:style>
           <a:lnRef idx="2">
-            <a:schemeClr val="accent6">
+            <a:schemeClr val="accent3">
               <a:shade val="50000"/>
             </a:schemeClr>
           </a:lnRef>
           <a:fillRef idx="1">
-            <a:schemeClr val="accent6"/>
+            <a:schemeClr val="accent3"/>
           </a:fillRef>
           <a:effectRef idx="0">
-            <a:schemeClr val="accent6"/>
+            <a:schemeClr val="accent3"/>
           </a:effectRef>
           <a:fontRef idx="minor">
             <a:schemeClr val="lt1"/>
@@ -4362,430 +5243,186 @@
           <a:lstStyle/>
           <a:p>
             <a:pPr algn="ctr"/>
-            <a:r>
-              <a:rPr lang="en-US" sz="1600" b="1" dirty="0" err="1" smtClean="0"/>
-              <a:t>BaseTestCase</a:t>
-            </a:r>
-            <a:endParaRPr lang="en-SG" sz="1600" b="1" dirty="0"/>
-          </a:p>
-        </p:txBody>
-      </p:sp>
-      <p:sp>
-        <p:nvSpPr>
-          <p:cNvPr id="97" name="Rectangle 96"/>
-          <p:cNvSpPr/>
+            <a:endParaRPr lang="en-SG" sz="1600" b="1"/>
+          </a:p>
+        </p:txBody>
+      </p:sp>
+      <p:grpSp>
+        <p:nvGrpSpPr>
+          <p:cNvPr id="29" name="Group 28"/>
+          <p:cNvGrpSpPr/>
           <p:nvPr/>
-        </p:nvSpPr>
-        <p:spPr>
-          <a:xfrm rot="16200000">
-            <a:off x="2021501" y="3154702"/>
-            <a:ext cx="1204823" cy="361770"/>
-          </a:xfrm>
-          <a:prstGeom prst="rect">
+        </p:nvGrpSpPr>
+        <p:grpSpPr>
+          <a:xfrm rot="5400000">
+            <a:off x="4127145" y="1841513"/>
+            <a:ext cx="448042" cy="1946617"/>
+            <a:chOff x="5145053" y="2923453"/>
+            <a:chExt cx="452572" cy="1278187"/>
+          </a:xfrm>
+        </p:grpSpPr>
+        <p:sp>
+          <p:nvSpPr>
+            <p:cNvPr id="53" name="Rectangle 52"/>
+            <p:cNvSpPr/>
+            <p:nvPr/>
+          </p:nvSpPr>
+          <p:spPr>
+            <a:xfrm rot="16200000">
+              <a:off x="4723526" y="3344980"/>
+              <a:ext cx="1204823" cy="361770"/>
+            </a:xfrm>
+            <a:prstGeom prst="rect">
+              <a:avLst/>
+            </a:prstGeom>
+          </p:spPr>
+          <p:style>
+            <a:lnRef idx="2">
+              <a:schemeClr val="accent5">
+                <a:shade val="50000"/>
+              </a:schemeClr>
+            </a:lnRef>
+            <a:fillRef idx="1">
+              <a:schemeClr val="accent5"/>
+            </a:fillRef>
+            <a:effectRef idx="0">
+              <a:schemeClr val="accent5"/>
+            </a:effectRef>
+            <a:fontRef idx="minor">
+              <a:schemeClr val="lt1"/>
+            </a:fontRef>
+          </p:style>
+          <p:txBody>
+            <a:bodyPr rtlCol="0" anchor="ctr"/>
+            <a:lstStyle/>
+            <a:p>
+              <a:pPr algn="ctr"/>
+              <a:r>
+                <a:rPr lang="en-US" sz="1600" b="1" dirty="0"/>
+                <a:t>Ui Tests</a:t>
+              </a:r>
+              <a:endParaRPr lang="en-SG" sz="1600" b="1" dirty="0"/>
+            </a:p>
+          </p:txBody>
+        </p:sp>
+        <p:sp>
+          <p:nvSpPr>
+            <p:cNvPr id="56" name="Rectangle 55"/>
+            <p:cNvSpPr/>
+            <p:nvPr/>
+          </p:nvSpPr>
+          <p:spPr>
+            <a:xfrm rot="16200000">
+              <a:off x="4767677" y="3375615"/>
+              <a:ext cx="1204823" cy="361770"/>
+            </a:xfrm>
+            <a:prstGeom prst="rect">
+              <a:avLst/>
+            </a:prstGeom>
+          </p:spPr>
+          <p:style>
+            <a:lnRef idx="2">
+              <a:schemeClr val="accent5">
+                <a:shade val="50000"/>
+              </a:schemeClr>
+            </a:lnRef>
+            <a:fillRef idx="1">
+              <a:schemeClr val="accent5"/>
+            </a:fillRef>
+            <a:effectRef idx="0">
+              <a:schemeClr val="accent5"/>
+            </a:effectRef>
+            <a:fontRef idx="minor">
+              <a:schemeClr val="lt1"/>
+            </a:fontRef>
+          </p:style>
+          <p:txBody>
+            <a:bodyPr rtlCol="0" anchor="ctr"/>
+            <a:lstStyle/>
+            <a:p>
+              <a:pPr algn="ctr"/>
+              <a:r>
+                <a:rPr lang="en-US" sz="1600" b="1" dirty="0"/>
+                <a:t>Ui Tests</a:t>
+              </a:r>
+              <a:endParaRPr lang="en-SG" sz="1600" b="1" dirty="0"/>
+            </a:p>
+          </p:txBody>
+        </p:sp>
+        <p:sp>
+          <p:nvSpPr>
+            <p:cNvPr id="57" name="Rectangle 56"/>
+            <p:cNvSpPr/>
+            <p:nvPr/>
+          </p:nvSpPr>
+          <p:spPr>
+            <a:xfrm rot="16200000">
+              <a:off x="4814328" y="3418344"/>
+              <a:ext cx="1204823" cy="361770"/>
+            </a:xfrm>
+            <a:prstGeom prst="rect">
+              <a:avLst/>
+            </a:prstGeom>
+          </p:spPr>
+          <p:style>
+            <a:lnRef idx="2">
+              <a:schemeClr val="accent5">
+                <a:shade val="50000"/>
+              </a:schemeClr>
+            </a:lnRef>
+            <a:fillRef idx="1">
+              <a:schemeClr val="accent5"/>
+            </a:fillRef>
+            <a:effectRef idx="0">
+              <a:schemeClr val="accent5"/>
+            </a:effectRef>
+            <a:fontRef idx="minor">
+              <a:schemeClr val="lt1"/>
+            </a:fontRef>
+          </p:style>
+          <p:txBody>
+            <a:bodyPr rtlCol="0" anchor="ctr"/>
+            <a:lstStyle/>
+            <a:p>
+              <a:pPr algn="ctr"/>
+              <a:r>
+                <a:rPr lang="en-US" sz="1600" b="1" dirty="0"/>
+                <a:t>Ui Tests</a:t>
+              </a:r>
+              <a:endParaRPr lang="en-SG" sz="1600" b="1" dirty="0"/>
+            </a:p>
+          </p:txBody>
+        </p:sp>
+      </p:grpSp>
+      <p:cxnSp>
+        <p:nvCxnSpPr>
+          <p:cNvPr id="68" name="Elbow Connector 67"/>
+          <p:cNvCxnSpPr>
+            <a:stCxn id="54" idx="3"/>
+            <a:endCxn id="123" idx="1"/>
+          </p:cNvCxnSpPr>
+          <p:nvPr/>
+        </p:nvCxnSpPr>
+        <p:spPr>
+          <a:xfrm rot="16200000" flipH="1">
+            <a:off x="228555" y="2917874"/>
+            <a:ext cx="1714441" cy="108056"/>
+          </a:xfrm>
+          <a:prstGeom prst="bentConnector2">
             <a:avLst/>
           </a:prstGeom>
         </p:spPr>
         <p:style>
           <a:lnRef idx="2">
-            <a:schemeClr val="accent6">
+            <a:schemeClr val="accent3">
               <a:shade val="50000"/>
             </a:schemeClr>
           </a:lnRef>
           <a:fillRef idx="1">
-            <a:schemeClr val="accent6"/>
+            <a:schemeClr val="accent3"/>
           </a:fillRef>
           <a:effectRef idx="0">
-            <a:schemeClr val="accent6"/>
-          </a:effectRef>
-          <a:fontRef idx="minor">
-            <a:schemeClr val="lt1"/>
-          </a:fontRef>
-        </p:style>
-        <p:txBody>
-          <a:bodyPr rtlCol="0" anchor="ctr"/>
-          <a:lstStyle/>
-          <a:p>
-            <a:pPr algn="ctr"/>
-            <a:r>
-              <a:rPr lang="en-US" sz="1600" b="1" dirty="0" smtClean="0"/>
-              <a:t>Ui Tests</a:t>
-            </a:r>
-            <a:endParaRPr lang="en-SG" sz="1600" b="1" dirty="0"/>
-          </a:p>
-        </p:txBody>
-      </p:sp>
-      <p:sp>
-        <p:nvSpPr>
-          <p:cNvPr id="104" name="Isosceles Triangle 103"/>
-          <p:cNvSpPr/>
-          <p:nvPr/>
-        </p:nvSpPr>
-        <p:spPr>
-          <a:xfrm>
-            <a:off x="1566338" y="1491176"/>
-            <a:ext cx="276225" cy="228600"/>
-          </a:xfrm>
-          <a:prstGeom prst="triangle">
-            <a:avLst/>
-          </a:prstGeom>
-        </p:spPr>
-        <p:style>
-          <a:lnRef idx="2">
-            <a:schemeClr val="accent6">
-              <a:shade val="50000"/>
-            </a:schemeClr>
-          </a:lnRef>
-          <a:fillRef idx="1">
-            <a:schemeClr val="accent6"/>
-          </a:fillRef>
-          <a:effectRef idx="0">
-            <a:schemeClr val="accent6"/>
-          </a:effectRef>
-          <a:fontRef idx="minor">
-            <a:schemeClr val="lt1"/>
-          </a:fontRef>
-        </p:style>
-        <p:txBody>
-          <a:bodyPr rtlCol="0" anchor="ctr"/>
-          <a:lstStyle/>
-          <a:p>
-            <a:pPr algn="ctr"/>
-            <a:endParaRPr lang="en-SG"/>
-          </a:p>
-        </p:txBody>
-      </p:sp>
-      <p:cxnSp>
-        <p:nvCxnSpPr>
-          <p:cNvPr id="65" name="Elbow Connector 64"/>
-          <p:cNvCxnSpPr>
-            <a:stCxn id="144" idx="3"/>
-            <a:endCxn id="104" idx="3"/>
-          </p:cNvCxnSpPr>
-          <p:nvPr/>
-        </p:nvCxnSpPr>
-        <p:spPr>
-          <a:xfrm rot="16200000" flipV="1">
-            <a:off x="1664241" y="1759987"/>
-            <a:ext cx="1044035" cy="963613"/>
-          </a:xfrm>
-          <a:prstGeom prst="bentConnector3">
-            <a:avLst>
-              <a:gd name="adj1" fmla="val 50000"/>
-            </a:avLst>
-          </a:prstGeom>
-        </p:spPr>
-        <p:style>
-          <a:lnRef idx="2">
-            <a:schemeClr val="accent6">
-              <a:shade val="50000"/>
-            </a:schemeClr>
-          </a:lnRef>
-          <a:fillRef idx="1">
-            <a:schemeClr val="accent6"/>
-          </a:fillRef>
-          <a:effectRef idx="0">
-            <a:schemeClr val="accent6"/>
-          </a:effectRef>
-          <a:fontRef idx="minor">
-            <a:schemeClr val="lt1"/>
-          </a:fontRef>
-        </p:style>
-      </p:cxnSp>
-      <p:sp>
-        <p:nvSpPr>
-          <p:cNvPr id="144" name="Rectangle 143"/>
-          <p:cNvSpPr/>
-          <p:nvPr/>
-        </p:nvSpPr>
-        <p:spPr>
-          <a:xfrm rot="16200000">
-            <a:off x="2065652" y="3185337"/>
-            <a:ext cx="1204823" cy="361770"/>
-          </a:xfrm>
-          <a:prstGeom prst="rect">
-            <a:avLst/>
-          </a:prstGeom>
-        </p:spPr>
-        <p:style>
-          <a:lnRef idx="2">
-            <a:schemeClr val="accent6">
-              <a:shade val="50000"/>
-            </a:schemeClr>
-          </a:lnRef>
-          <a:fillRef idx="1">
-            <a:schemeClr val="accent6"/>
-          </a:fillRef>
-          <a:effectRef idx="0">
-            <a:schemeClr val="accent6"/>
-          </a:effectRef>
-          <a:fontRef idx="minor">
-            <a:schemeClr val="lt1"/>
-          </a:fontRef>
-        </p:style>
-        <p:txBody>
-          <a:bodyPr rtlCol="0" anchor="ctr"/>
-          <a:lstStyle/>
-          <a:p>
-            <a:pPr algn="ctr"/>
-            <a:r>
-              <a:rPr lang="en-US" sz="1600" b="1" dirty="0" smtClean="0"/>
-              <a:t>Ui Tests</a:t>
-            </a:r>
-            <a:endParaRPr lang="en-SG" sz="1600" b="1" dirty="0"/>
-          </a:p>
-        </p:txBody>
-      </p:sp>
-      <p:sp>
-        <p:nvSpPr>
-          <p:cNvPr id="145" name="Rectangle 144"/>
-          <p:cNvSpPr/>
-          <p:nvPr/>
-        </p:nvSpPr>
-        <p:spPr>
-          <a:xfrm rot="16200000">
-            <a:off x="2112303" y="3228066"/>
-            <a:ext cx="1204823" cy="361770"/>
-          </a:xfrm>
-          <a:prstGeom prst="rect">
-            <a:avLst/>
-          </a:prstGeom>
-        </p:spPr>
-        <p:style>
-          <a:lnRef idx="2">
-            <a:schemeClr val="accent6">
-              <a:shade val="50000"/>
-            </a:schemeClr>
-          </a:lnRef>
-          <a:fillRef idx="1">
-            <a:schemeClr val="accent6"/>
-          </a:fillRef>
-          <a:effectRef idx="0">
-            <a:schemeClr val="accent6"/>
-          </a:effectRef>
-          <a:fontRef idx="minor">
-            <a:schemeClr val="lt1"/>
-          </a:fontRef>
-        </p:style>
-        <p:txBody>
-          <a:bodyPr rtlCol="0" anchor="ctr"/>
-          <a:lstStyle/>
-          <a:p>
-            <a:pPr algn="ctr"/>
-            <a:r>
-              <a:rPr lang="en-US" sz="1600" b="1" dirty="0" smtClean="0"/>
-              <a:t>Ui Tests</a:t>
-            </a:r>
-            <a:endParaRPr lang="en-SG" sz="1600" b="1" dirty="0"/>
-          </a:p>
-        </p:txBody>
-      </p:sp>
-      <p:sp>
-        <p:nvSpPr>
-          <p:cNvPr id="147" name="Rectangle 146"/>
-          <p:cNvSpPr/>
-          <p:nvPr/>
-        </p:nvSpPr>
-        <p:spPr>
-          <a:xfrm rot="16200000">
-            <a:off x="1102474" y="3154702"/>
-            <a:ext cx="1204823" cy="361770"/>
-          </a:xfrm>
-          <a:prstGeom prst="rect">
-            <a:avLst/>
-          </a:prstGeom>
-        </p:spPr>
-        <p:style>
-          <a:lnRef idx="2">
-            <a:schemeClr val="accent6">
-              <a:shade val="50000"/>
-            </a:schemeClr>
-          </a:lnRef>
-          <a:fillRef idx="1">
-            <a:schemeClr val="accent6"/>
-          </a:fillRef>
-          <a:effectRef idx="0">
-            <a:schemeClr val="accent6"/>
-          </a:effectRef>
-          <a:fontRef idx="minor">
-            <a:schemeClr val="lt1"/>
-          </a:fontRef>
-        </p:style>
-        <p:txBody>
-          <a:bodyPr rtlCol="0" anchor="ctr"/>
-          <a:lstStyle/>
-          <a:p>
-            <a:pPr algn="ctr"/>
-            <a:r>
-              <a:rPr lang="en-US" sz="1600" b="1" dirty="0" smtClean="0"/>
-              <a:t>Ui Tests</a:t>
-            </a:r>
-            <a:endParaRPr lang="en-SG" sz="1600" b="1" dirty="0"/>
-          </a:p>
-        </p:txBody>
-      </p:sp>
-      <p:sp>
-        <p:nvSpPr>
-          <p:cNvPr id="148" name="Rectangle 147"/>
-          <p:cNvSpPr/>
-          <p:nvPr/>
-        </p:nvSpPr>
-        <p:spPr>
-          <a:xfrm rot="16200000">
-            <a:off x="1146625" y="3185337"/>
-            <a:ext cx="1204823" cy="361770"/>
-          </a:xfrm>
-          <a:prstGeom prst="rect">
-            <a:avLst/>
-          </a:prstGeom>
-        </p:spPr>
-        <p:style>
-          <a:lnRef idx="2">
-            <a:schemeClr val="accent6">
-              <a:shade val="50000"/>
-            </a:schemeClr>
-          </a:lnRef>
-          <a:fillRef idx="1">
-            <a:schemeClr val="accent6"/>
-          </a:fillRef>
-          <a:effectRef idx="0">
-            <a:schemeClr val="accent6"/>
-          </a:effectRef>
-          <a:fontRef idx="minor">
-            <a:schemeClr val="lt1"/>
-          </a:fontRef>
-        </p:style>
-        <p:txBody>
-          <a:bodyPr rtlCol="0" anchor="ctr"/>
-          <a:lstStyle/>
-          <a:p>
-            <a:pPr algn="ctr"/>
-            <a:r>
-              <a:rPr lang="en-US" sz="1600" b="1" dirty="0" smtClean="0"/>
-              <a:t>Ui Tests</a:t>
-            </a:r>
-            <a:endParaRPr lang="en-SG" sz="1600" b="1" dirty="0"/>
-          </a:p>
-        </p:txBody>
-      </p:sp>
-      <p:sp>
-        <p:nvSpPr>
-          <p:cNvPr id="149" name="Rectangle 148"/>
-          <p:cNvSpPr/>
-          <p:nvPr/>
-        </p:nvSpPr>
-        <p:spPr>
-          <a:xfrm rot="16200000">
-            <a:off x="1265024" y="3156316"/>
-            <a:ext cx="1204823" cy="505268"/>
-          </a:xfrm>
-          <a:prstGeom prst="rect">
-            <a:avLst/>
-          </a:prstGeom>
-        </p:spPr>
-        <p:style>
-          <a:lnRef idx="2">
-            <a:schemeClr val="accent6">
-              <a:shade val="50000"/>
-            </a:schemeClr>
-          </a:lnRef>
-          <a:fillRef idx="1">
-            <a:schemeClr val="accent6"/>
-          </a:fillRef>
-          <a:effectRef idx="0">
-            <a:schemeClr val="accent6"/>
-          </a:effectRef>
-          <a:fontRef idx="minor">
-            <a:schemeClr val="lt1"/>
-          </a:fontRef>
-        </p:style>
-        <p:txBody>
-          <a:bodyPr rtlCol="0" anchor="ctr"/>
-          <a:lstStyle/>
-          <a:p>
-            <a:pPr algn="ctr"/>
-            <a:r>
-              <a:rPr lang="en-US" sz="1600" b="1" dirty="0" smtClean="0"/>
-              <a:t>Component Tests</a:t>
-            </a:r>
-            <a:endParaRPr lang="en-SG" sz="1600" b="1" dirty="0"/>
-          </a:p>
-        </p:txBody>
-      </p:sp>
-      <p:sp>
-        <p:nvSpPr>
-          <p:cNvPr id="150" name="Rectangle 149"/>
-          <p:cNvSpPr/>
-          <p:nvPr/>
-        </p:nvSpPr>
-        <p:spPr>
-          <a:xfrm rot="16200000">
-            <a:off x="366374" y="3205002"/>
-            <a:ext cx="1305424" cy="361770"/>
-          </a:xfrm>
-          <a:prstGeom prst="rect">
-            <a:avLst/>
-          </a:prstGeom>
-        </p:spPr>
-        <p:style>
-          <a:lnRef idx="2">
-            <a:schemeClr val="accent6">
-              <a:shade val="50000"/>
-            </a:schemeClr>
-          </a:lnRef>
-          <a:fillRef idx="1">
-            <a:schemeClr val="accent6"/>
-          </a:fillRef>
-          <a:effectRef idx="0">
-            <a:schemeClr val="accent6"/>
-          </a:effectRef>
-          <a:fontRef idx="minor">
-            <a:schemeClr val="lt1"/>
-          </a:fontRef>
-        </p:style>
-        <p:txBody>
-          <a:bodyPr rtlCol="0" anchor="ctr"/>
-          <a:lstStyle/>
-          <a:p>
-            <a:pPr algn="ctr"/>
-            <a:r>
-              <a:rPr lang="en-US" sz="1600" b="1" dirty="0" err="1" smtClean="0"/>
-              <a:t>AllJsTests</a:t>
-            </a:r>
-            <a:endParaRPr lang="en-SG" sz="1600" b="1" dirty="0"/>
-          </a:p>
-        </p:txBody>
-      </p:sp>
-      <p:cxnSp>
-        <p:nvCxnSpPr>
-          <p:cNvPr id="159" name="Elbow Connector 158"/>
-          <p:cNvCxnSpPr>
-            <a:stCxn id="104" idx="3"/>
-            <a:endCxn id="150" idx="3"/>
-          </p:cNvCxnSpPr>
-          <p:nvPr/>
-        </p:nvCxnSpPr>
-        <p:spPr>
-          <a:xfrm rot="5400000">
-            <a:off x="855070" y="1883793"/>
-            <a:ext cx="1013399" cy="685365"/>
-          </a:xfrm>
-          <a:prstGeom prst="bentConnector3">
-            <a:avLst>
-              <a:gd name="adj1" fmla="val 51289"/>
-            </a:avLst>
-          </a:prstGeom>
-        </p:spPr>
-        <p:style>
-          <a:lnRef idx="2">
-            <a:schemeClr val="accent6">
-              <a:shade val="50000"/>
-            </a:schemeClr>
-          </a:lnRef>
-          <a:fillRef idx="1">
-            <a:schemeClr val="accent6"/>
-          </a:fillRef>
-          <a:effectRef idx="0">
-            <a:schemeClr val="accent6"/>
+            <a:schemeClr val="accent3"/>
           </a:effectRef>
           <a:fontRef idx="minor">
             <a:schemeClr val="lt1"/>
@@ -4794,96 +5431,49 @@
       </p:cxnSp>
       <p:cxnSp>
         <p:nvCxnSpPr>
-          <p:cNvPr id="165" name="Elbow Connector 164"/>
+          <p:cNvPr id="69" name="Elbow Connector 68"/>
           <p:cNvCxnSpPr>
-            <a:stCxn id="147" idx="3"/>
-            <a:endCxn id="104" idx="3"/>
+            <a:stCxn id="121" idx="1"/>
+            <a:endCxn id="54" idx="3"/>
           </p:cNvCxnSpPr>
           <p:nvPr/>
         </p:nvCxnSpPr>
         <p:spPr>
-          <a:xfrm rot="16200000" flipV="1">
-            <a:off x="1197968" y="2226259"/>
-            <a:ext cx="1013400" cy="434"/>
-          </a:xfrm>
-          <a:prstGeom prst="bentConnector3">
-            <a:avLst>
-              <a:gd name="adj1" fmla="val 50000"/>
-            </a:avLst>
+          <a:xfrm rot="10800000">
+            <a:off x="1031748" y="2114682"/>
+            <a:ext cx="112963" cy="673566"/>
+          </a:xfrm>
+          <a:prstGeom prst="bentConnector2">
+            <a:avLst/>
           </a:prstGeom>
         </p:spPr>
         <p:style>
           <a:lnRef idx="2">
-            <a:schemeClr val="accent6">
+            <a:schemeClr val="accent3">
               <a:shade val="50000"/>
             </a:schemeClr>
           </a:lnRef>
           <a:fillRef idx="1">
-            <a:schemeClr val="accent6"/>
+            <a:schemeClr val="accent3"/>
           </a:fillRef>
           <a:effectRef idx="0">
-            <a:schemeClr val="accent6"/>
+            <a:schemeClr val="accent3"/>
           </a:effectRef>
           <a:fontRef idx="minor">
             <a:schemeClr val="lt1"/>
           </a:fontRef>
         </p:style>
       </p:cxnSp>
-      <p:cxnSp>
-        <p:nvCxnSpPr>
-          <p:cNvPr id="187" name="Elbow Connector 186"/>
-          <p:cNvCxnSpPr>
-            <a:stCxn id="150" idx="1"/>
-            <a:endCxn id="103" idx="0"/>
-          </p:cNvCxnSpPr>
-          <p:nvPr/>
-        </p:nvCxnSpPr>
-        <p:spPr>
-          <a:xfrm rot="16200000" flipH="1">
-            <a:off x="633257" y="4424427"/>
-            <a:ext cx="1618781" cy="847123"/>
-          </a:xfrm>
-          <a:prstGeom prst="bentConnector3">
-            <a:avLst>
-              <a:gd name="adj1" fmla="val 50000"/>
-            </a:avLst>
-          </a:prstGeom>
-          <a:ln>
-            <a:solidFill>
-              <a:schemeClr val="accent1"/>
-            </a:solidFill>
-            <a:prstDash val="sysDot"/>
-            <a:headEnd type="arrow" w="med" len="med"/>
-            <a:tailEnd type="none" w="med" len="med"/>
-          </a:ln>
-        </p:spPr>
-        <p:style>
-          <a:lnRef idx="2">
-            <a:schemeClr val="accent6">
-              <a:shade val="50000"/>
-            </a:schemeClr>
-          </a:lnRef>
-          <a:fillRef idx="1">
-            <a:schemeClr val="accent6"/>
-          </a:fillRef>
-          <a:effectRef idx="0">
-            <a:schemeClr val="accent6"/>
-          </a:effectRef>
-          <a:fontRef idx="minor">
-            <a:schemeClr val="lt1"/>
-          </a:fontRef>
-        </p:style>
-      </p:cxnSp>
-      <p:sp>
-        <p:nvSpPr>
-          <p:cNvPr id="196" name="Rectangle 195"/>
+      <p:sp>
+        <p:nvSpPr>
+          <p:cNvPr id="71" name="Rectangle 70"/>
           <p:cNvSpPr/>
           <p:nvPr/>
         </p:nvSpPr>
         <p:spPr>
           <a:xfrm>
-            <a:off x="4332511" y="3581400"/>
-            <a:ext cx="1800000" cy="457200"/>
+            <a:off x="7020356" y="990600"/>
+            <a:ext cx="1800000" cy="303605"/>
           </a:xfrm>
           <a:prstGeom prst="rect">
             <a:avLst/>
@@ -4912,18 +5502,7 @@
             <a:pPr algn="ctr"/>
             <a:r>
               <a:rPr lang="en-US" sz="1600" b="1" dirty="0" err="1" smtClean="0"/>
-              <a:t>BrowserInstance</a:t>
-            </a:r>
-            <a:r>
-              <a:rPr lang="en-US" sz="1600" b="1" dirty="0" smtClean="0"/>
-              <a:t/>
-            </a:r>
-            <a:br>
-              <a:rPr lang="en-US" sz="1600" b="1" dirty="0" smtClean="0"/>
-            </a:br>
-            <a:r>
-              <a:rPr lang="en-US" sz="1600" b="1" dirty="0" smtClean="0"/>
-              <a:t>Pool</a:t>
+              <a:t>BrowserPool</a:t>
             </a:r>
             <a:endParaRPr lang="en-SG" sz="1600" b="1" dirty="0"/>
           </a:p>
@@ -4931,13 +5510,13 @@
       </p:sp>
       <p:sp>
         <p:nvSpPr>
-          <p:cNvPr id="198" name="Flowchart: Decision 197"/>
+          <p:cNvPr id="72" name="Flowchart: Decision 71"/>
           <p:cNvSpPr/>
           <p:nvPr/>
         </p:nvSpPr>
         <p:spPr>
           <a:xfrm>
-            <a:off x="5159231" y="3453570"/>
+            <a:off x="7847076" y="1315230"/>
             <a:ext cx="141518" cy="127830"/>
           </a:xfrm>
           <a:prstGeom prst="flowChartDecision">
@@ -4971,17 +5550,17 @@
       </p:sp>
       <p:cxnSp>
         <p:nvCxnSpPr>
-          <p:cNvPr id="199" name="Elbow Connector 198"/>
+          <p:cNvPr id="73" name="Elbow Connector 72"/>
           <p:cNvCxnSpPr>
-            <a:stCxn id="116" idx="2"/>
-            <a:endCxn id="198" idx="0"/>
+            <a:stCxn id="83" idx="0"/>
+            <a:endCxn id="72" idx="2"/>
           </p:cNvCxnSpPr>
           <p:nvPr/>
         </p:nvCxnSpPr>
         <p:spPr>
-          <a:xfrm rot="5400000">
-            <a:off x="5139918" y="3360977"/>
-            <a:ext cx="182666" cy="2521"/>
+          <a:xfrm rot="16200000" flipV="1">
+            <a:off x="7862630" y="1498266"/>
+            <a:ext cx="112933" cy="2522"/>
           </a:xfrm>
           <a:prstGeom prst="bentConnector3">
             <a:avLst>
@@ -5009,13 +5588,13 @@
       </p:cxnSp>
       <p:cxnSp>
         <p:nvCxnSpPr>
-          <p:cNvPr id="231" name="Straight Arrow Connector 230"/>
+          <p:cNvPr id="74" name="Straight Arrow Connector 73"/>
           <p:cNvCxnSpPr/>
           <p:nvPr/>
         </p:nvCxnSpPr>
         <p:spPr>
           <a:xfrm flipH="1">
-            <a:off x="6096000" y="4733010"/>
+            <a:off x="8758734" y="5492033"/>
             <a:ext cx="971504" cy="0"/>
           </a:xfrm>
           <a:prstGeom prst="straightConnector1">
@@ -5047,13 +5626,13 @@
       </p:cxnSp>
       <p:sp>
         <p:nvSpPr>
-          <p:cNvPr id="232" name="TextBox 231"/>
+          <p:cNvPr id="75" name="TextBox 74"/>
           <p:cNvSpPr txBox="1"/>
           <p:nvPr/>
         </p:nvSpPr>
         <p:spPr>
           <a:xfrm>
-            <a:off x="6962188" y="4572000"/>
+            <a:off x="9624922" y="5331023"/>
             <a:ext cx="1319257" cy="307777"/>
           </a:xfrm>
           <a:prstGeom prst="rect">
@@ -5178,14 +5757,14 @@
       </p:sp>
       <p:cxnSp>
         <p:nvCxnSpPr>
-          <p:cNvPr id="233" name="Straight Arrow Connector 232"/>
+          <p:cNvPr id="76" name="Straight Arrow Connector 75"/>
           <p:cNvCxnSpPr/>
           <p:nvPr/>
         </p:nvCxnSpPr>
         <p:spPr>
-          <a:xfrm flipH="1">
-            <a:off x="6092439" y="3042304"/>
-            <a:ext cx="971504" cy="0"/>
+          <a:xfrm flipH="1" flipV="1">
+            <a:off x="8905873" y="1674911"/>
+            <a:ext cx="663146" cy="7122"/>
           </a:xfrm>
           <a:prstGeom prst="straightConnector1">
             <a:avLst/>
@@ -5216,13 +5795,13 @@
       </p:cxnSp>
       <p:sp>
         <p:nvSpPr>
-          <p:cNvPr id="234" name="TextBox 233"/>
+          <p:cNvPr id="77" name="TextBox 76"/>
           <p:cNvSpPr txBox="1"/>
           <p:nvPr/>
         </p:nvSpPr>
         <p:spPr>
           <a:xfrm>
-            <a:off x="6958627" y="2881294"/>
+            <a:off x="9463702" y="1521023"/>
             <a:ext cx="1319257" cy="307777"/>
           </a:xfrm>
           <a:prstGeom prst="rect">
@@ -5337,26 +5916,163 @@
           </a:p>
         </p:txBody>
       </p:sp>
+      <p:sp>
+        <p:nvSpPr>
+          <p:cNvPr id="82" name="Rectangle 81"/>
+          <p:cNvSpPr/>
+          <p:nvPr/>
+        </p:nvSpPr>
+        <p:spPr>
+          <a:xfrm>
+            <a:off x="6995245" y="5767800"/>
+            <a:ext cx="1800000" cy="252000"/>
+          </a:xfrm>
+          <a:prstGeom prst="rect">
+            <a:avLst/>
+          </a:prstGeom>
+        </p:spPr>
+        <p:style>
+          <a:lnRef idx="2">
+            <a:schemeClr val="accent3">
+              <a:shade val="50000"/>
+            </a:schemeClr>
+          </a:lnRef>
+          <a:fillRef idx="1">
+            <a:schemeClr val="accent3"/>
+          </a:fillRef>
+          <a:effectRef idx="0">
+            <a:schemeClr val="accent3"/>
+          </a:effectRef>
+          <a:fontRef idx="minor">
+            <a:schemeClr val="lt1"/>
+          </a:fontRef>
+        </p:style>
+        <p:txBody>
+          <a:bodyPr rtlCol="0" anchor="ctr"/>
+          <a:lstStyle/>
+          <a:p>
+            <a:pPr algn="ctr"/>
+            <a:r>
+              <a:rPr lang="en-US" sz="1600" b="1" dirty="0" err="1"/>
+              <a:t>EmailAccount</a:t>
+            </a:r>
+            <a:endParaRPr lang="en-SG" sz="1600" b="1" dirty="0"/>
+          </a:p>
+        </p:txBody>
+      </p:sp>
+      <p:sp>
+        <p:nvSpPr>
+          <p:cNvPr id="83" name="Rectangle 82"/>
+          <p:cNvSpPr/>
+          <p:nvPr/>
+        </p:nvSpPr>
+        <p:spPr>
+          <a:xfrm>
+            <a:off x="7020357" y="1555993"/>
+            <a:ext cx="1800000" cy="299104"/>
+          </a:xfrm>
+          <a:prstGeom prst="rect">
+            <a:avLst/>
+          </a:prstGeom>
+        </p:spPr>
+        <p:style>
+          <a:lnRef idx="2">
+            <a:schemeClr val="accent4">
+              <a:shade val="50000"/>
+            </a:schemeClr>
+          </a:lnRef>
+          <a:fillRef idx="1">
+            <a:schemeClr val="accent4"/>
+          </a:fillRef>
+          <a:effectRef idx="0">
+            <a:schemeClr val="accent4"/>
+          </a:effectRef>
+          <a:fontRef idx="minor">
+            <a:schemeClr val="lt1"/>
+          </a:fontRef>
+        </p:style>
+        <p:txBody>
+          <a:bodyPr rtlCol="0" anchor="ctr"/>
+          <a:lstStyle/>
+          <a:p>
+            <a:pPr algn="ctr"/>
+            <a:r>
+              <a:rPr lang="en-US" sz="1600" b="1" dirty="0" smtClean="0"/>
+              <a:t>Browser</a:t>
+            </a:r>
+            <a:endParaRPr lang="en-SG" sz="1600" b="1" dirty="0"/>
+          </a:p>
+        </p:txBody>
+      </p:sp>
+      <p:sp>
+        <p:nvSpPr>
+          <p:cNvPr id="84" name="Rectangle 83"/>
+          <p:cNvSpPr/>
+          <p:nvPr/>
+        </p:nvSpPr>
+        <p:spPr>
+          <a:xfrm>
+            <a:off x="6995245" y="5386835"/>
+            <a:ext cx="1800000" cy="252000"/>
+          </a:xfrm>
+          <a:prstGeom prst="rect">
+            <a:avLst/>
+          </a:prstGeom>
+        </p:spPr>
+        <p:style>
+          <a:lnRef idx="2">
+            <a:schemeClr val="accent3">
+              <a:shade val="50000"/>
+            </a:schemeClr>
+          </a:lnRef>
+          <a:fillRef idx="1">
+            <a:schemeClr val="accent3"/>
+          </a:fillRef>
+          <a:effectRef idx="0">
+            <a:schemeClr val="accent3"/>
+          </a:effectRef>
+          <a:fontRef idx="minor">
+            <a:schemeClr val="lt1"/>
+          </a:fontRef>
+        </p:style>
+        <p:txBody>
+          <a:bodyPr rtlCol="0" anchor="ctr"/>
+          <a:lstStyle/>
+          <a:p>
+            <a:pPr algn="ctr"/>
+            <a:r>
+              <a:rPr lang="en-US" sz="1600" b="1" dirty="0" err="1" smtClean="0"/>
+              <a:t>BackDoor</a:t>
+            </a:r>
+            <a:endParaRPr lang="en-SG" sz="1600" b="1" dirty="0"/>
+          </a:p>
+        </p:txBody>
+      </p:sp>
       <p:cxnSp>
         <p:nvCxnSpPr>
-          <p:cNvPr id="237" name="Elbow Connector 236"/>
+          <p:cNvPr id="89" name="Elbow Connector 88"/>
           <p:cNvCxnSpPr>
-            <a:stCxn id="145" idx="2"/>
-            <a:endCxn id="98" idx="1"/>
+            <a:stCxn id="123" idx="0"/>
+            <a:endCxn id="47" idx="0"/>
           </p:cNvCxnSpPr>
           <p:nvPr/>
         </p:nvCxnSpPr>
         <p:spPr>
-          <a:xfrm>
-            <a:off x="2895600" y="3408951"/>
-            <a:ext cx="1436911" cy="2112992"/>
+          <a:xfrm rot="16200000" flipH="1">
+            <a:off x="4591878" y="537332"/>
+            <a:ext cx="363063" cy="6222891"/>
           </a:xfrm>
           <a:prstGeom prst="bentConnector3">
             <a:avLst>
-              <a:gd name="adj1" fmla="val 50000"/>
+              <a:gd name="adj1" fmla="val -52788"/>
             </a:avLst>
           </a:prstGeom>
           <a:ln>
+            <a:solidFill>
+              <a:schemeClr val="accent2">
+                <a:lumMod val="75000"/>
+              </a:schemeClr>
+            </a:solidFill>
             <a:prstDash val="sysDot"/>
             <a:headEnd type="none" w="med" len="med"/>
             <a:tailEnd type="arrow" w="med" len="med"/>
@@ -5379,26 +6095,199 @@
           </a:fontRef>
         </p:style>
       </p:cxnSp>
+      <p:sp>
+        <p:nvSpPr>
+          <p:cNvPr id="90" name="Folded Corner 89"/>
+          <p:cNvSpPr/>
+          <p:nvPr/>
+        </p:nvSpPr>
+        <p:spPr>
+          <a:xfrm>
+            <a:off x="9463702" y="4125368"/>
+            <a:ext cx="1219200" cy="650402"/>
+          </a:xfrm>
+          <a:prstGeom prst="foldedCorner">
+            <a:avLst/>
+          </a:prstGeom>
+          <a:solidFill>
+            <a:schemeClr val="bg1"/>
+          </a:solidFill>
+          <a:ln>
+            <a:solidFill>
+              <a:schemeClr val="tx1"/>
+            </a:solidFill>
+          </a:ln>
+        </p:spPr>
+        <p:style>
+          <a:lnRef idx="2">
+            <a:schemeClr val="accent1">
+              <a:shade val="50000"/>
+            </a:schemeClr>
+          </a:lnRef>
+          <a:fillRef idx="1">
+            <a:schemeClr val="accent1"/>
+          </a:fillRef>
+          <a:effectRef idx="0">
+            <a:schemeClr val="accent1"/>
+          </a:effectRef>
+          <a:fontRef idx="minor">
+            <a:schemeClr val="lt1"/>
+          </a:fontRef>
+        </p:style>
+        <p:txBody>
+          <a:bodyPr rtlCol="0" anchor="ctr"/>
+          <a:lstStyle/>
+          <a:p>
+            <a:pPr algn="ctr"/>
+            <a:r>
+              <a:rPr lang="en-US" sz="1600" b="1" dirty="0" smtClean="0">
+                <a:solidFill>
+                  <a:schemeClr val="tx1"/>
+                </a:solidFill>
+              </a:rPr>
+              <a:t>test</a:t>
+            </a:r>
+            <a:br>
+              <a:rPr lang="en-US" sz="1600" b="1" dirty="0" smtClean="0">
+                <a:solidFill>
+                  <a:schemeClr val="tx1"/>
+                </a:solidFill>
+              </a:rPr>
+            </a:br>
+            <a:r>
+              <a:rPr lang="en-US" sz="1600" b="1" dirty="0" smtClean="0">
+                <a:solidFill>
+                  <a:schemeClr val="tx1"/>
+                </a:solidFill>
+              </a:rPr>
+              <a:t>.properties</a:t>
+            </a:r>
+            <a:endParaRPr lang="en-SG" sz="1600" b="1" dirty="0">
+              <a:solidFill>
+                <a:schemeClr val="tx1"/>
+              </a:solidFill>
+            </a:endParaRPr>
+          </a:p>
+        </p:txBody>
+      </p:sp>
+      <p:sp>
+        <p:nvSpPr>
+          <p:cNvPr id="91" name="Folded Corner 90"/>
+          <p:cNvSpPr/>
+          <p:nvPr/>
+        </p:nvSpPr>
+        <p:spPr>
+          <a:xfrm>
+            <a:off x="9311302" y="4683598"/>
+            <a:ext cx="1219200" cy="650402"/>
+          </a:xfrm>
+          <a:prstGeom prst="foldedCorner">
+            <a:avLst/>
+          </a:prstGeom>
+          <a:solidFill>
+            <a:schemeClr val="bg1"/>
+          </a:solidFill>
+          <a:ln>
+            <a:solidFill>
+              <a:schemeClr val="tx1"/>
+            </a:solidFill>
+          </a:ln>
+        </p:spPr>
+        <p:style>
+          <a:lnRef idx="2">
+            <a:schemeClr val="accent1">
+              <a:shade val="50000"/>
+            </a:schemeClr>
+          </a:lnRef>
+          <a:fillRef idx="1">
+            <a:schemeClr val="accent1"/>
+          </a:fillRef>
+          <a:effectRef idx="0">
+            <a:schemeClr val="accent1"/>
+          </a:effectRef>
+          <a:fontRef idx="minor">
+            <a:schemeClr val="lt1"/>
+          </a:fontRef>
+        </p:style>
+        <p:txBody>
+          <a:bodyPr rtlCol="0" anchor="ctr"/>
+          <a:lstStyle/>
+          <a:p>
+            <a:pPr algn="ctr"/>
+            <a:r>
+              <a:rPr lang="en-US" sz="1600" b="1" dirty="0" smtClean="0">
+                <a:solidFill>
+                  <a:schemeClr val="tx1"/>
+                </a:solidFill>
+              </a:rPr>
+              <a:t>appengine-web.xml</a:t>
+            </a:r>
+            <a:endParaRPr lang="en-SG" sz="1600" b="1" dirty="0">
+              <a:solidFill>
+                <a:schemeClr val="tx1"/>
+              </a:solidFill>
+            </a:endParaRPr>
+          </a:p>
+        </p:txBody>
+      </p:sp>
       <p:cxnSp>
         <p:nvCxnSpPr>
-          <p:cNvPr id="238" name="Elbow Connector 237"/>
-          <p:cNvCxnSpPr>
-            <a:stCxn id="145" idx="2"/>
-            <a:endCxn id="205" idx="1"/>
-          </p:cNvCxnSpPr>
+          <p:cNvPr id="92" name="Straight Arrow Connector 91"/>
+          <p:cNvCxnSpPr/>
           <p:nvPr/>
         </p:nvCxnSpPr>
         <p:spPr>
-          <a:xfrm>
-            <a:off x="2895600" y="3408951"/>
-            <a:ext cx="1436911" cy="1353549"/>
-          </a:xfrm>
-          <a:prstGeom prst="bentConnector3">
-            <a:avLst>
-              <a:gd name="adj1" fmla="val 50000"/>
-            </a:avLst>
+          <a:xfrm flipH="1">
+            <a:off x="8682652" y="4347055"/>
+            <a:ext cx="828134" cy="0"/>
+          </a:xfrm>
+          <a:prstGeom prst="straightConnector1">
+            <a:avLst/>
+          </a:prstGeom>
+          <a:ln w="38100">
+            <a:solidFill>
+              <a:schemeClr val="tx1"/>
+            </a:solidFill>
+            <a:prstDash val="sysDash"/>
+            <a:headEnd type="arrow" w="med" len="med"/>
+            <a:tailEnd type="none" w="med" len="med"/>
+          </a:ln>
+        </p:spPr>
+        <p:style>
+          <a:lnRef idx="1">
+            <a:schemeClr val="accent1"/>
+          </a:lnRef>
+          <a:fillRef idx="0">
+            <a:schemeClr val="accent1"/>
+          </a:fillRef>
+          <a:effectRef idx="0">
+            <a:schemeClr val="accent1"/>
+          </a:effectRef>
+          <a:fontRef idx="minor">
+            <a:schemeClr val="tx1"/>
+          </a:fontRef>
+        </p:style>
+      </p:cxnSp>
+      <p:cxnSp>
+        <p:nvCxnSpPr>
+          <p:cNvPr id="93" name="Straight Arrow Connector 92"/>
+          <p:cNvCxnSpPr/>
+          <p:nvPr/>
+        </p:nvCxnSpPr>
+        <p:spPr>
+          <a:xfrm>
+            <a:off x="6466320" y="4988625"/>
+            <a:ext cx="382155" cy="0"/>
+          </a:xfrm>
+          <a:prstGeom prst="straightConnector1">
+            <a:avLst/>
           </a:prstGeom>
           <a:ln>
+            <a:solidFill>
+              <a:schemeClr val="accent2">
+                <a:lumMod val="75000"/>
+              </a:schemeClr>
+            </a:solidFill>
             <a:prstDash val="sysDot"/>
             <a:headEnd type="none" w="med" len="med"/>
             <a:tailEnd type="arrow" w="med" len="med"/>
@@ -5421,575 +6310,16 @@
           </a:fontRef>
         </p:style>
       </p:cxnSp>
-      <p:cxnSp>
-        <p:nvCxnSpPr>
-          <p:cNvPr id="241" name="Elbow Connector 240"/>
-          <p:cNvCxnSpPr>
-            <a:stCxn id="145" idx="2"/>
-            <a:endCxn id="116" idx="1"/>
-          </p:cNvCxnSpPr>
-          <p:nvPr/>
-        </p:nvCxnSpPr>
-        <p:spPr>
-          <a:xfrm flipV="1">
-            <a:off x="2895600" y="3042304"/>
-            <a:ext cx="1436911" cy="366647"/>
-          </a:xfrm>
-          <a:prstGeom prst="bentConnector3">
-            <a:avLst>
-              <a:gd name="adj1" fmla="val 50000"/>
-            </a:avLst>
-          </a:prstGeom>
-          <a:ln>
-            <a:prstDash val="sysDot"/>
-            <a:headEnd type="none" w="med" len="med"/>
-            <a:tailEnd type="arrow" w="med" len="med"/>
-          </a:ln>
-        </p:spPr>
-        <p:style>
-          <a:lnRef idx="2">
-            <a:schemeClr val="accent6">
-              <a:shade val="50000"/>
-            </a:schemeClr>
-          </a:lnRef>
-          <a:fillRef idx="1">
-            <a:schemeClr val="accent6"/>
-          </a:fillRef>
-          <a:effectRef idx="0">
-            <a:schemeClr val="accent6"/>
-          </a:effectRef>
-          <a:fontRef idx="minor">
-            <a:schemeClr val="lt1"/>
-          </a:fontRef>
-        </p:style>
-      </p:cxnSp>
-      <p:sp>
-        <p:nvSpPr>
-          <p:cNvPr id="98" name="Rectangle 97"/>
-          <p:cNvSpPr/>
-          <p:nvPr/>
-        </p:nvSpPr>
-        <p:spPr>
-          <a:xfrm>
-            <a:off x="4332511" y="5328886"/>
-            <a:ext cx="1800000" cy="386114"/>
-          </a:xfrm>
-          <a:prstGeom prst="rect">
-            <a:avLst/>
-          </a:prstGeom>
-        </p:spPr>
-        <p:style>
-          <a:lnRef idx="2">
-            <a:schemeClr val="accent2">
-              <a:shade val="50000"/>
-            </a:schemeClr>
-          </a:lnRef>
-          <a:fillRef idx="1">
-            <a:schemeClr val="accent2"/>
-          </a:fillRef>
-          <a:effectRef idx="0">
-            <a:schemeClr val="accent2"/>
-          </a:effectRef>
-          <a:fontRef idx="minor">
-            <a:schemeClr val="lt1"/>
-          </a:fontRef>
-        </p:style>
-        <p:txBody>
-          <a:bodyPr rtlCol="0" anchor="ctr"/>
-          <a:lstStyle/>
-          <a:p>
-            <a:pPr algn="ctr"/>
-            <a:r>
-              <a:rPr lang="en-US" sz="1600" b="1" dirty="0" err="1" smtClean="0"/>
-              <a:t>EmailAccount</a:t>
-            </a:r>
-            <a:endParaRPr lang="en-SG" sz="1600" b="1" dirty="0"/>
-          </a:p>
-        </p:txBody>
-      </p:sp>
-      <p:sp>
-        <p:nvSpPr>
-          <p:cNvPr id="116" name="Rectangle 115"/>
-          <p:cNvSpPr/>
-          <p:nvPr/>
-        </p:nvSpPr>
-        <p:spPr>
-          <a:xfrm>
-            <a:off x="4332511" y="2813704"/>
-            <a:ext cx="1800000" cy="457200"/>
-          </a:xfrm>
-          <a:prstGeom prst="rect">
-            <a:avLst/>
-          </a:prstGeom>
-        </p:spPr>
-        <p:style>
-          <a:lnRef idx="2">
-            <a:schemeClr val="accent4">
-              <a:shade val="50000"/>
-            </a:schemeClr>
-          </a:lnRef>
-          <a:fillRef idx="1">
-            <a:schemeClr val="accent4"/>
-          </a:fillRef>
-          <a:effectRef idx="0">
-            <a:schemeClr val="accent4"/>
-          </a:effectRef>
-          <a:fontRef idx="minor">
-            <a:schemeClr val="lt1"/>
-          </a:fontRef>
-        </p:style>
-        <p:txBody>
-          <a:bodyPr rtlCol="0" anchor="ctr"/>
-          <a:lstStyle/>
-          <a:p>
-            <a:pPr algn="ctr"/>
-            <a:r>
-              <a:rPr lang="en-US" sz="1600" b="1" dirty="0" err="1" smtClean="0"/>
-              <a:t>BrowserInstance</a:t>
-            </a:r>
-            <a:endParaRPr lang="en-SG" sz="1600" b="1" dirty="0"/>
-          </a:p>
-        </p:txBody>
-      </p:sp>
-      <p:sp>
-        <p:nvSpPr>
-          <p:cNvPr id="205" name="Rectangle 204"/>
-          <p:cNvSpPr/>
-          <p:nvPr/>
-        </p:nvSpPr>
-        <p:spPr>
-          <a:xfrm>
-            <a:off x="4332511" y="4572000"/>
-            <a:ext cx="1800000" cy="381000"/>
-          </a:xfrm>
-          <a:prstGeom prst="rect">
-            <a:avLst/>
-          </a:prstGeom>
-        </p:spPr>
-        <p:style>
-          <a:lnRef idx="2">
-            <a:schemeClr val="accent3">
-              <a:shade val="50000"/>
-            </a:schemeClr>
-          </a:lnRef>
-          <a:fillRef idx="1">
-            <a:schemeClr val="accent3"/>
-          </a:fillRef>
-          <a:effectRef idx="0">
-            <a:schemeClr val="accent3"/>
-          </a:effectRef>
-          <a:fontRef idx="minor">
-            <a:schemeClr val="lt1"/>
-          </a:fontRef>
-        </p:style>
-        <p:txBody>
-          <a:bodyPr rtlCol="0" anchor="ctr"/>
-          <a:lstStyle/>
-          <a:p>
-            <a:pPr algn="ctr"/>
-            <a:r>
-              <a:rPr lang="en-US" sz="1600" b="1" dirty="0" err="1" smtClean="0"/>
-              <a:t>BackDoor</a:t>
-            </a:r>
-            <a:endParaRPr lang="en-SG" sz="1600" b="1" dirty="0"/>
-          </a:p>
-        </p:txBody>
-      </p:sp>
-      <p:sp>
-        <p:nvSpPr>
-          <p:cNvPr id="291" name="Rectangle 290"/>
-          <p:cNvSpPr/>
-          <p:nvPr/>
-        </p:nvSpPr>
-        <p:spPr>
-          <a:xfrm>
-            <a:off x="4332511" y="1644302"/>
-            <a:ext cx="1805445" cy="367533"/>
-          </a:xfrm>
-          <a:prstGeom prst="rect">
-            <a:avLst/>
-          </a:prstGeom>
-        </p:spPr>
-        <p:style>
-          <a:lnRef idx="2">
-            <a:schemeClr val="accent4">
-              <a:shade val="50000"/>
-            </a:schemeClr>
-          </a:lnRef>
-          <a:fillRef idx="1">
-            <a:schemeClr val="accent4"/>
-          </a:fillRef>
-          <a:effectRef idx="0">
-            <a:schemeClr val="accent4"/>
-          </a:effectRef>
-          <a:fontRef idx="minor">
-            <a:schemeClr val="lt1"/>
-          </a:fontRef>
-        </p:style>
-        <p:txBody>
-          <a:bodyPr rtlCol="0" anchor="ctr"/>
-          <a:lstStyle/>
-          <a:p>
-            <a:pPr algn="ctr"/>
-            <a:r>
-              <a:rPr lang="en-US" sz="1600" b="1" dirty="0" err="1" smtClean="0"/>
-              <a:t>NoAlertException</a:t>
-            </a:r>
-            <a:endParaRPr lang="en-SG" sz="1600" b="1" dirty="0"/>
-          </a:p>
-        </p:txBody>
-      </p:sp>
-      <p:cxnSp>
-        <p:nvCxnSpPr>
-          <p:cNvPr id="295" name="Straight Arrow Connector 294"/>
-          <p:cNvCxnSpPr/>
-          <p:nvPr/>
-        </p:nvCxnSpPr>
-        <p:spPr>
-          <a:xfrm>
-            <a:off x="4953000" y="2583612"/>
-            <a:ext cx="0" cy="220347"/>
-          </a:xfrm>
-          <a:prstGeom prst="straightConnector1">
-            <a:avLst/>
-          </a:prstGeom>
-          <a:ln>
-            <a:solidFill>
-              <a:schemeClr val="accent4">
-                <a:lumMod val="75000"/>
-              </a:schemeClr>
-            </a:solidFill>
-            <a:prstDash val="sysDot"/>
-            <a:headEnd type="arrow" w="med" len="med"/>
-            <a:tailEnd type="none" w="med" len="med"/>
-          </a:ln>
-        </p:spPr>
-        <p:style>
-          <a:lnRef idx="2">
-            <a:schemeClr val="accent6">
-              <a:shade val="50000"/>
-            </a:schemeClr>
-          </a:lnRef>
-          <a:fillRef idx="1">
-            <a:schemeClr val="accent6"/>
-          </a:fillRef>
-          <a:effectRef idx="0">
-            <a:schemeClr val="accent6"/>
-          </a:effectRef>
-          <a:fontRef idx="minor">
-            <a:schemeClr val="lt1"/>
-          </a:fontRef>
-        </p:style>
-      </p:cxnSp>
-      <p:cxnSp>
-        <p:nvCxnSpPr>
-          <p:cNvPr id="297" name="Elbow Connector 296"/>
-          <p:cNvCxnSpPr>
-            <a:stCxn id="145" idx="2"/>
-            <a:endCxn id="291" idx="1"/>
-          </p:cNvCxnSpPr>
-          <p:nvPr/>
-        </p:nvCxnSpPr>
-        <p:spPr>
-          <a:xfrm flipV="1">
-            <a:off x="2895600" y="1828069"/>
-            <a:ext cx="1436911" cy="1580882"/>
-          </a:xfrm>
-          <a:prstGeom prst="bentConnector3">
-            <a:avLst>
-              <a:gd name="adj1" fmla="val 50000"/>
-            </a:avLst>
-          </a:prstGeom>
-          <a:ln>
-            <a:prstDash val="sysDot"/>
-            <a:headEnd type="none" w="med" len="med"/>
-            <a:tailEnd type="arrow" w="med" len="med"/>
-          </a:ln>
-        </p:spPr>
-        <p:style>
-          <a:lnRef idx="2">
-            <a:schemeClr val="accent6">
-              <a:shade val="50000"/>
-            </a:schemeClr>
-          </a:lnRef>
-          <a:fillRef idx="1">
-            <a:schemeClr val="accent6"/>
-          </a:fillRef>
-          <a:effectRef idx="0">
-            <a:schemeClr val="accent6"/>
-          </a:effectRef>
-          <a:fontRef idx="minor">
-            <a:schemeClr val="lt1"/>
-          </a:fontRef>
-        </p:style>
-      </p:cxnSp>
-      <p:cxnSp>
-        <p:nvCxnSpPr>
-          <p:cNvPr id="300" name="Elbow Connector 299"/>
-          <p:cNvCxnSpPr>
-            <a:stCxn id="145" idx="2"/>
-            <a:endCxn id="196" idx="1"/>
-          </p:cNvCxnSpPr>
-          <p:nvPr/>
-        </p:nvCxnSpPr>
-        <p:spPr>
-          <a:xfrm>
-            <a:off x="2895600" y="3408951"/>
-            <a:ext cx="1436911" cy="401049"/>
-          </a:xfrm>
-          <a:prstGeom prst="bentConnector3">
-            <a:avLst>
-              <a:gd name="adj1" fmla="val 50000"/>
-            </a:avLst>
-          </a:prstGeom>
-          <a:ln>
-            <a:prstDash val="sysDot"/>
-            <a:headEnd type="none" w="med" len="med"/>
-            <a:tailEnd type="arrow" w="med" len="med"/>
-          </a:ln>
-        </p:spPr>
-        <p:style>
-          <a:lnRef idx="2">
-            <a:schemeClr val="accent6">
-              <a:shade val="50000"/>
-            </a:schemeClr>
-          </a:lnRef>
-          <a:fillRef idx="1">
-            <a:schemeClr val="accent6"/>
-          </a:fillRef>
-          <a:effectRef idx="0">
-            <a:schemeClr val="accent6"/>
-          </a:effectRef>
-          <a:fontRef idx="minor">
-            <a:schemeClr val="lt1"/>
-          </a:fontRef>
-        </p:style>
-      </p:cxnSp>
-      <p:sp>
-        <p:nvSpPr>
-          <p:cNvPr id="304" name="Folded Corner 303"/>
-          <p:cNvSpPr/>
-          <p:nvPr/>
-        </p:nvSpPr>
-        <p:spPr>
-          <a:xfrm>
-            <a:off x="6934200" y="1069374"/>
-            <a:ext cx="1219200" cy="650402"/>
-          </a:xfrm>
-          <a:prstGeom prst="foldedCorner">
-            <a:avLst/>
-          </a:prstGeom>
-          <a:solidFill>
-            <a:schemeClr val="bg1"/>
-          </a:solidFill>
-          <a:ln>
-            <a:solidFill>
-              <a:schemeClr val="tx1"/>
-            </a:solidFill>
-          </a:ln>
-        </p:spPr>
-        <p:style>
-          <a:lnRef idx="2">
-            <a:schemeClr val="accent1">
-              <a:shade val="50000"/>
-            </a:schemeClr>
-          </a:lnRef>
-          <a:fillRef idx="1">
-            <a:schemeClr val="accent1"/>
-          </a:fillRef>
-          <a:effectRef idx="0">
-            <a:schemeClr val="accent1"/>
-          </a:effectRef>
-          <a:fontRef idx="minor">
-            <a:schemeClr val="lt1"/>
-          </a:fontRef>
-        </p:style>
-        <p:txBody>
-          <a:bodyPr rtlCol="0" anchor="ctr"/>
-          <a:lstStyle/>
-          <a:p>
-            <a:pPr algn="ctr"/>
-            <a:r>
-              <a:rPr lang="en-US" sz="1600" b="1" dirty="0" smtClean="0">
-                <a:solidFill>
-                  <a:schemeClr val="tx1"/>
-                </a:solidFill>
-              </a:rPr>
-              <a:t>test</a:t>
-            </a:r>
-            <a:br>
-              <a:rPr lang="en-US" sz="1600" b="1" dirty="0" smtClean="0">
-                <a:solidFill>
-                  <a:schemeClr val="tx1"/>
-                </a:solidFill>
-              </a:rPr>
-            </a:br>
-            <a:r>
-              <a:rPr lang="en-US" sz="1600" b="1" dirty="0" smtClean="0">
-                <a:solidFill>
-                  <a:schemeClr val="tx1"/>
-                </a:solidFill>
-              </a:rPr>
-              <a:t>.properties</a:t>
-            </a:r>
-            <a:endParaRPr lang="en-SG" sz="1600" b="1" dirty="0">
-              <a:solidFill>
-                <a:schemeClr val="tx1"/>
-              </a:solidFill>
-            </a:endParaRPr>
-          </a:p>
-        </p:txBody>
-      </p:sp>
-      <p:sp>
-        <p:nvSpPr>
-          <p:cNvPr id="305" name="Folded Corner 304"/>
-          <p:cNvSpPr/>
-          <p:nvPr/>
-        </p:nvSpPr>
-        <p:spPr>
-          <a:xfrm>
-            <a:off x="6781800" y="1627604"/>
-            <a:ext cx="1219200" cy="650402"/>
-          </a:xfrm>
-          <a:prstGeom prst="foldedCorner">
-            <a:avLst/>
-          </a:prstGeom>
-          <a:solidFill>
-            <a:schemeClr val="bg1"/>
-          </a:solidFill>
-          <a:ln>
-            <a:solidFill>
-              <a:schemeClr val="tx1"/>
-            </a:solidFill>
-          </a:ln>
-        </p:spPr>
-        <p:style>
-          <a:lnRef idx="2">
-            <a:schemeClr val="accent1">
-              <a:shade val="50000"/>
-            </a:schemeClr>
-          </a:lnRef>
-          <a:fillRef idx="1">
-            <a:schemeClr val="accent1"/>
-          </a:fillRef>
-          <a:effectRef idx="0">
-            <a:schemeClr val="accent1"/>
-          </a:effectRef>
-          <a:fontRef idx="minor">
-            <a:schemeClr val="lt1"/>
-          </a:fontRef>
-        </p:style>
-        <p:txBody>
-          <a:bodyPr rtlCol="0" anchor="ctr"/>
-          <a:lstStyle/>
-          <a:p>
-            <a:pPr algn="ctr"/>
-            <a:r>
-              <a:rPr lang="en-US" sz="1600" b="1" dirty="0" smtClean="0">
-                <a:solidFill>
-                  <a:schemeClr val="tx1"/>
-                </a:solidFill>
-              </a:rPr>
-              <a:t>appengine-web.xml</a:t>
-            </a:r>
-            <a:endParaRPr lang="en-SG" sz="1600" b="1" dirty="0">
-              <a:solidFill>
-                <a:schemeClr val="tx1"/>
-              </a:solidFill>
-            </a:endParaRPr>
-          </a:p>
-        </p:txBody>
-      </p:sp>
-      <p:cxnSp>
-        <p:nvCxnSpPr>
-          <p:cNvPr id="303" name="Straight Arrow Connector 302"/>
-          <p:cNvCxnSpPr/>
-          <p:nvPr/>
-        </p:nvCxnSpPr>
-        <p:spPr>
-          <a:xfrm flipH="1">
-            <a:off x="6153150" y="1291061"/>
-            <a:ext cx="828134" cy="0"/>
-          </a:xfrm>
-          <a:prstGeom prst="straightConnector1">
-            <a:avLst/>
-          </a:prstGeom>
-          <a:ln w="38100">
-            <a:solidFill>
-              <a:schemeClr val="tx1"/>
-            </a:solidFill>
-            <a:prstDash val="sysDash"/>
-            <a:headEnd type="arrow" w="med" len="med"/>
-            <a:tailEnd type="none" w="med" len="med"/>
-          </a:ln>
-        </p:spPr>
-        <p:style>
-          <a:lnRef idx="1">
-            <a:schemeClr val="accent1"/>
-          </a:lnRef>
-          <a:fillRef idx="0">
-            <a:schemeClr val="accent1"/>
-          </a:fillRef>
-          <a:effectRef idx="0">
-            <a:schemeClr val="accent1"/>
-          </a:effectRef>
-          <a:fontRef idx="minor">
-            <a:schemeClr val="tx1"/>
-          </a:fontRef>
-        </p:style>
-      </p:cxnSp>
-      <p:cxnSp>
-        <p:nvCxnSpPr>
-          <p:cNvPr id="61" name="Straight Arrow Connector 60"/>
-          <p:cNvCxnSpPr/>
-          <p:nvPr/>
-        </p:nvCxnSpPr>
-        <p:spPr>
-          <a:xfrm>
-            <a:off x="3276600" y="1295400"/>
-            <a:ext cx="1066800" cy="0"/>
-          </a:xfrm>
-          <a:prstGeom prst="straightConnector1">
-            <a:avLst/>
-          </a:prstGeom>
-          <a:ln>
-            <a:solidFill>
-              <a:schemeClr val="accent2">
-                <a:lumMod val="75000"/>
-              </a:schemeClr>
-            </a:solidFill>
-            <a:prstDash val="sysDot"/>
-            <a:headEnd type="none" w="med" len="med"/>
-            <a:tailEnd type="arrow" w="med" len="med"/>
-          </a:ln>
-        </p:spPr>
-        <p:style>
-          <a:lnRef idx="2">
-            <a:schemeClr val="accent6">
-              <a:shade val="50000"/>
-            </a:schemeClr>
-          </a:lnRef>
-          <a:fillRef idx="1">
-            <a:schemeClr val="accent6"/>
-          </a:fillRef>
-          <a:effectRef idx="0">
-            <a:schemeClr val="accent6"/>
-          </a:effectRef>
-          <a:fontRef idx="minor">
-            <a:schemeClr val="lt1"/>
-          </a:fontRef>
-        </p:style>
-      </p:cxnSp>
-      <p:sp>
-        <p:nvSpPr>
-          <p:cNvPr id="58" name="TextBox 57"/>
+      <p:sp>
+        <p:nvSpPr>
+          <p:cNvPr id="96" name="TextBox 95"/>
           <p:cNvSpPr txBox="1"/>
           <p:nvPr/>
         </p:nvSpPr>
         <p:spPr>
           <a:xfrm>
-            <a:off x="838200" y="6550223"/>
-            <a:ext cx="1319257" cy="307777"/>
+            <a:off x="1371600" y="6458654"/>
+            <a:ext cx="981075" cy="307777"/>
           </a:xfrm>
           <a:prstGeom prst="rect">
             <a:avLst/>
@@ -6105,14 +6435,16 @@
       </p:sp>
       <p:cxnSp>
         <p:nvCxnSpPr>
-          <p:cNvPr id="59" name="Straight Arrow Connector 58"/>
-          <p:cNvCxnSpPr/>
+          <p:cNvPr id="100" name="Straight Arrow Connector 99"/>
+          <p:cNvCxnSpPr>
+            <a:stCxn id="50" idx="1"/>
+          </p:cNvCxnSpPr>
           <p:nvPr/>
         </p:nvCxnSpPr>
         <p:spPr>
           <a:xfrm flipH="1">
-            <a:off x="1524000" y="6172200"/>
-            <a:ext cx="1" cy="457200"/>
+            <a:off x="2173415" y="6609358"/>
+            <a:ext cx="598192" cy="0"/>
           </a:xfrm>
           <a:prstGeom prst="straightConnector1">
             <a:avLst/>
@@ -6141,19 +6473,1329 @@
           </a:fontRef>
         </p:style>
       </p:cxnSp>
+      <p:sp>
+        <p:nvSpPr>
+          <p:cNvPr id="105" name="Rectangle 104"/>
+          <p:cNvSpPr/>
+          <p:nvPr/>
+        </p:nvSpPr>
+        <p:spPr>
+          <a:xfrm>
+            <a:off x="6995245" y="5005903"/>
+            <a:ext cx="1774889" cy="252000"/>
+          </a:xfrm>
+          <a:prstGeom prst="rect">
+            <a:avLst/>
+          </a:prstGeom>
+        </p:spPr>
+        <p:style>
+          <a:lnRef idx="2">
+            <a:schemeClr val="accent3">
+              <a:shade val="50000"/>
+            </a:schemeClr>
+          </a:lnRef>
+          <a:fillRef idx="1">
+            <a:schemeClr val="accent3"/>
+          </a:fillRef>
+          <a:effectRef idx="0">
+            <a:schemeClr val="accent3"/>
+          </a:effectRef>
+          <a:fontRef idx="minor">
+            <a:schemeClr val="lt1"/>
+          </a:fontRef>
+        </p:style>
+        <p:txBody>
+          <a:bodyPr rtlCol="0" anchor="ctr"/>
+          <a:lstStyle/>
+          <a:p>
+            <a:pPr algn="ctr"/>
+            <a:r>
+              <a:rPr lang="en-US" sz="1600" b="1" dirty="0" err="1"/>
+              <a:t>HtmlHelper</a:t>
+            </a:r>
+            <a:endParaRPr lang="en-SG" sz="1600" b="1" dirty="0"/>
+          </a:p>
+        </p:txBody>
+      </p:sp>
+      <p:sp>
+        <p:nvSpPr>
+          <p:cNvPr id="106" name="Rectangle 105"/>
+          <p:cNvSpPr/>
+          <p:nvPr/>
+        </p:nvSpPr>
+        <p:spPr>
+          <a:xfrm>
+            <a:off x="6995245" y="4624937"/>
+            <a:ext cx="1774889" cy="252000"/>
+          </a:xfrm>
+          <a:prstGeom prst="rect">
+            <a:avLst/>
+          </a:prstGeom>
+        </p:spPr>
+        <p:style>
+          <a:lnRef idx="2">
+            <a:schemeClr val="accent3">
+              <a:shade val="50000"/>
+            </a:schemeClr>
+          </a:lnRef>
+          <a:fillRef idx="1">
+            <a:schemeClr val="accent3"/>
+          </a:fillRef>
+          <a:effectRef idx="0">
+            <a:schemeClr val="accent3"/>
+          </a:effectRef>
+          <a:fontRef idx="minor">
+            <a:schemeClr val="lt1"/>
+          </a:fontRef>
+        </p:style>
+        <p:txBody>
+          <a:bodyPr rtlCol="0" anchor="ctr"/>
+          <a:lstStyle/>
+          <a:p>
+            <a:pPr algn="ctr"/>
+            <a:r>
+              <a:rPr lang="en-US" sz="1600" b="1" dirty="0" err="1" smtClean="0"/>
+              <a:t>AssertHelper</a:t>
+            </a:r>
+            <a:endParaRPr lang="en-SG" sz="1600" b="1" dirty="0"/>
+          </a:p>
+        </p:txBody>
+      </p:sp>
+      <p:sp>
+        <p:nvSpPr>
+          <p:cNvPr id="46" name="Rectangle 45"/>
+          <p:cNvSpPr/>
+          <p:nvPr/>
+        </p:nvSpPr>
+        <p:spPr>
+          <a:xfrm>
+            <a:off x="6995245" y="4243971"/>
+            <a:ext cx="1800000" cy="252000"/>
+          </a:xfrm>
+          <a:prstGeom prst="rect">
+            <a:avLst/>
+          </a:prstGeom>
+        </p:spPr>
+        <p:style>
+          <a:lnRef idx="2">
+            <a:schemeClr val="accent3">
+              <a:shade val="50000"/>
+            </a:schemeClr>
+          </a:lnRef>
+          <a:fillRef idx="1">
+            <a:schemeClr val="accent3"/>
+          </a:fillRef>
+          <a:effectRef idx="0">
+            <a:schemeClr val="accent3"/>
+          </a:effectRef>
+          <a:fontRef idx="minor">
+            <a:schemeClr val="lt1"/>
+          </a:fontRef>
+        </p:style>
+        <p:txBody>
+          <a:bodyPr rtlCol="0" anchor="ctr"/>
+          <a:lstStyle/>
+          <a:p>
+            <a:pPr algn="ctr"/>
+            <a:r>
+              <a:rPr lang="en-US" sz="1600" b="1" dirty="0" err="1"/>
+              <a:t>TestProperties</a:t>
+            </a:r>
+            <a:endParaRPr lang="en-SG" sz="1600" b="1" dirty="0"/>
+          </a:p>
+        </p:txBody>
+      </p:sp>
+      <p:sp>
+        <p:nvSpPr>
+          <p:cNvPr id="107" name="Rectangle 106"/>
+          <p:cNvSpPr/>
+          <p:nvPr/>
+        </p:nvSpPr>
+        <p:spPr>
+          <a:xfrm>
+            <a:off x="7020357" y="2107303"/>
+            <a:ext cx="1799999" cy="303605"/>
+          </a:xfrm>
+          <a:prstGeom prst="rect">
+            <a:avLst/>
+          </a:prstGeom>
+        </p:spPr>
+        <p:style>
+          <a:lnRef idx="2">
+            <a:schemeClr val="accent5">
+              <a:shade val="50000"/>
+            </a:schemeClr>
+          </a:lnRef>
+          <a:fillRef idx="1">
+            <a:schemeClr val="accent5"/>
+          </a:fillRef>
+          <a:effectRef idx="0">
+            <a:schemeClr val="accent5"/>
+          </a:effectRef>
+          <a:fontRef idx="minor">
+            <a:schemeClr val="lt1"/>
+          </a:fontRef>
+        </p:style>
+        <p:txBody>
+          <a:bodyPr rtlCol="0" anchor="ctr"/>
+          <a:lstStyle/>
+          <a:p>
+            <a:pPr algn="ctr"/>
+            <a:r>
+              <a:rPr lang="en-US" sz="1600" b="1" dirty="0" err="1"/>
+              <a:t>AppPage</a:t>
+            </a:r>
+            <a:endParaRPr lang="en-SG" sz="1600" b="1" dirty="0"/>
+          </a:p>
+        </p:txBody>
+      </p:sp>
+      <p:sp>
+        <p:nvSpPr>
+          <p:cNvPr id="108" name="Rectangle 107"/>
+          <p:cNvSpPr/>
+          <p:nvPr/>
+        </p:nvSpPr>
+        <p:spPr>
+          <a:xfrm>
+            <a:off x="7005724" y="2667000"/>
+            <a:ext cx="1819101" cy="299104"/>
+          </a:xfrm>
+          <a:prstGeom prst="rect">
+            <a:avLst/>
+          </a:prstGeom>
+        </p:spPr>
+        <p:style>
+          <a:lnRef idx="2">
+            <a:schemeClr val="accent5">
+              <a:shade val="50000"/>
+            </a:schemeClr>
+          </a:lnRef>
+          <a:fillRef idx="1">
+            <a:schemeClr val="accent5"/>
+          </a:fillRef>
+          <a:effectRef idx="0">
+            <a:schemeClr val="accent5"/>
+          </a:effectRef>
+          <a:fontRef idx="minor">
+            <a:schemeClr val="lt1"/>
+          </a:fontRef>
+        </p:style>
+        <p:txBody>
+          <a:bodyPr lIns="0" rIns="0" rtlCol="0" anchor="ctr"/>
+          <a:lstStyle/>
+          <a:p>
+            <a:pPr algn="ctr"/>
+            <a:endParaRPr lang="en-SG" sz="1600" b="1" dirty="0"/>
+          </a:p>
+        </p:txBody>
+      </p:sp>
+      <p:sp>
+        <p:nvSpPr>
+          <p:cNvPr id="109" name="Isosceles Triangle 108"/>
+          <p:cNvSpPr/>
+          <p:nvPr/>
+        </p:nvSpPr>
+        <p:spPr>
+          <a:xfrm>
+            <a:off x="7823187" y="2438400"/>
+            <a:ext cx="184175" cy="153300"/>
+          </a:xfrm>
+          <a:prstGeom prst="triangle">
+            <a:avLst/>
+          </a:prstGeom>
+        </p:spPr>
+        <p:style>
+          <a:lnRef idx="2">
+            <a:schemeClr val="accent5">
+              <a:shade val="50000"/>
+            </a:schemeClr>
+          </a:lnRef>
+          <a:fillRef idx="1">
+            <a:schemeClr val="accent5"/>
+          </a:fillRef>
+          <a:effectRef idx="0">
+            <a:schemeClr val="accent5"/>
+          </a:effectRef>
+          <a:fontRef idx="minor">
+            <a:schemeClr val="lt1"/>
+          </a:fontRef>
+        </p:style>
+        <p:txBody>
+          <a:bodyPr rtlCol="0" anchor="ctr"/>
+          <a:lstStyle/>
+          <a:p>
+            <a:pPr algn="ctr"/>
+            <a:endParaRPr lang="en-SG" sz="1600" b="1"/>
+          </a:p>
+        </p:txBody>
+      </p:sp>
       <p:cxnSp>
         <p:nvCxnSpPr>
-          <p:cNvPr id="62" name="Elbow Connector 61"/>
+          <p:cNvPr id="16" name="Straight Connector 15"/>
           <p:cNvCxnSpPr>
-            <a:stCxn id="149" idx="1"/>
-            <a:endCxn id="103" idx="0"/>
+            <a:stCxn id="109" idx="3"/>
+            <a:endCxn id="108" idx="0"/>
           </p:cNvCxnSpPr>
           <p:nvPr/>
         </p:nvCxnSpPr>
         <p:spPr>
+          <a:xfrm>
+            <a:off x="7915275" y="2591700"/>
+            <a:ext cx="0" cy="75300"/>
+          </a:xfrm>
+          <a:prstGeom prst="line">
+            <a:avLst/>
+          </a:prstGeom>
+        </p:spPr>
+        <p:style>
+          <a:lnRef idx="2">
+            <a:schemeClr val="accent5">
+              <a:shade val="50000"/>
+            </a:schemeClr>
+          </a:lnRef>
+          <a:fillRef idx="1">
+            <a:schemeClr val="accent5"/>
+          </a:fillRef>
+          <a:effectRef idx="0">
+            <a:schemeClr val="accent5"/>
+          </a:effectRef>
+          <a:fontRef idx="minor">
+            <a:schemeClr val="lt1"/>
+          </a:fontRef>
+        </p:style>
+      </p:cxnSp>
+      <p:sp>
+        <p:nvSpPr>
+          <p:cNvPr id="111" name="Rectangle 110"/>
+          <p:cNvSpPr/>
+          <p:nvPr/>
+        </p:nvSpPr>
+        <p:spPr>
+          <a:xfrm>
+            <a:off x="7065764" y="2719032"/>
+            <a:ext cx="1819101" cy="299104"/>
+          </a:xfrm>
+          <a:prstGeom prst="rect">
+            <a:avLst/>
+          </a:prstGeom>
+        </p:spPr>
+        <p:style>
+          <a:lnRef idx="2">
+            <a:schemeClr val="accent5">
+              <a:shade val="50000"/>
+            </a:schemeClr>
+          </a:lnRef>
+          <a:fillRef idx="1">
+            <a:schemeClr val="accent5"/>
+          </a:fillRef>
+          <a:effectRef idx="0">
+            <a:schemeClr val="accent5"/>
+          </a:effectRef>
+          <a:fontRef idx="minor">
+            <a:schemeClr val="lt1"/>
+          </a:fontRef>
+        </p:style>
+        <p:txBody>
+          <a:bodyPr lIns="0" rIns="0" rtlCol="0" anchor="ctr"/>
+          <a:lstStyle/>
+          <a:p>
+            <a:pPr algn="ctr"/>
+            <a:endParaRPr lang="en-SG" sz="1600" b="1" dirty="0"/>
+          </a:p>
+        </p:txBody>
+      </p:sp>
+      <p:sp>
+        <p:nvSpPr>
+          <p:cNvPr id="112" name="Rectangle 111"/>
+          <p:cNvSpPr/>
+          <p:nvPr/>
+        </p:nvSpPr>
+        <p:spPr>
+          <a:xfrm>
+            <a:off x="7125804" y="2771064"/>
+            <a:ext cx="1819101" cy="299104"/>
+          </a:xfrm>
+          <a:prstGeom prst="rect">
+            <a:avLst/>
+          </a:prstGeom>
+        </p:spPr>
+        <p:style>
+          <a:lnRef idx="2">
+            <a:schemeClr val="accent5">
+              <a:shade val="50000"/>
+            </a:schemeClr>
+          </a:lnRef>
+          <a:fillRef idx="1">
+            <a:schemeClr val="accent5"/>
+          </a:fillRef>
+          <a:effectRef idx="0">
+            <a:schemeClr val="accent5"/>
+          </a:effectRef>
+          <a:fontRef idx="minor">
+            <a:schemeClr val="lt1"/>
+          </a:fontRef>
+        </p:style>
+        <p:txBody>
+          <a:bodyPr lIns="0" rIns="0" rtlCol="0" anchor="ctr"/>
+          <a:lstStyle/>
+          <a:p>
+            <a:pPr algn="ctr"/>
+            <a:r>
+              <a:rPr lang="en-US" sz="1600" b="1" dirty="0" err="1"/>
+              <a:t>AdminHomePage</a:t>
+            </a:r>
+            <a:r>
+              <a:rPr lang="en-US" sz="1600" b="1" dirty="0"/>
+              <a:t> etc.</a:t>
+            </a:r>
+            <a:endParaRPr lang="en-SG" sz="1600" b="1" dirty="0"/>
+          </a:p>
+        </p:txBody>
+      </p:sp>
+      <p:sp>
+        <p:nvSpPr>
+          <p:cNvPr id="121" name="Rectangle 120"/>
+          <p:cNvSpPr/>
+          <p:nvPr/>
+        </p:nvSpPr>
+        <p:spPr>
+          <a:xfrm>
+            <a:off x="1144710" y="2520184"/>
+            <a:ext cx="1044324" cy="536127"/>
+          </a:xfrm>
+          <a:prstGeom prst="rect">
+            <a:avLst/>
+          </a:prstGeom>
+        </p:spPr>
+        <p:style>
+          <a:lnRef idx="2">
+            <a:schemeClr val="accent5">
+              <a:shade val="50000"/>
+            </a:schemeClr>
+          </a:lnRef>
+          <a:fillRef idx="1">
+            <a:schemeClr val="accent5"/>
+          </a:fillRef>
+          <a:effectRef idx="0">
+            <a:schemeClr val="accent5"/>
+          </a:effectRef>
+          <a:fontRef idx="minor">
+            <a:schemeClr val="lt1"/>
+          </a:fontRef>
+        </p:style>
+        <p:txBody>
+          <a:bodyPr rtlCol="0" anchor="ctr"/>
+          <a:lstStyle/>
+          <a:p>
+            <a:pPr algn="ctr"/>
+            <a:r>
+              <a:rPr lang="en-US" sz="1600" b="1" dirty="0" err="1"/>
+              <a:t>BaseUi</a:t>
+            </a:r>
+            <a:r>
+              <a:rPr lang="en-US" sz="1600" b="1" dirty="0"/>
+              <a:t/>
+            </a:r>
+            <a:br>
+              <a:rPr lang="en-US" sz="1600" b="1" dirty="0"/>
+            </a:br>
+            <a:r>
+              <a:rPr lang="en-US" sz="1600" b="1" dirty="0" err="1"/>
+              <a:t>TestCase</a:t>
+            </a:r>
+            <a:endParaRPr lang="en-SG" sz="1600" b="1" dirty="0"/>
+          </a:p>
+        </p:txBody>
+      </p:sp>
+      <p:sp>
+        <p:nvSpPr>
+          <p:cNvPr id="123" name="Rectangle 122"/>
+          <p:cNvSpPr/>
+          <p:nvPr/>
+        </p:nvSpPr>
+        <p:spPr>
+          <a:xfrm>
+            <a:off x="1139803" y="3467246"/>
+            <a:ext cx="1044324" cy="723754"/>
+          </a:xfrm>
+          <a:prstGeom prst="rect">
+            <a:avLst/>
+          </a:prstGeom>
+          <a:solidFill>
+            <a:schemeClr val="accent2">
+              <a:lumMod val="60000"/>
+              <a:lumOff val="40000"/>
+            </a:schemeClr>
+          </a:solidFill>
+          <a:ln>
+            <a:solidFill>
+              <a:schemeClr val="accent2">
+                <a:lumMod val="75000"/>
+              </a:schemeClr>
+            </a:solidFill>
+          </a:ln>
+        </p:spPr>
+        <p:style>
+          <a:lnRef idx="2">
+            <a:schemeClr val="accent6">
+              <a:shade val="50000"/>
+            </a:schemeClr>
+          </a:lnRef>
+          <a:fillRef idx="1">
+            <a:schemeClr val="accent6"/>
+          </a:fillRef>
+          <a:effectRef idx="0">
+            <a:schemeClr val="accent6"/>
+          </a:effectRef>
+          <a:fontRef idx="minor">
+            <a:schemeClr val="lt1"/>
+          </a:fontRef>
+        </p:style>
+        <p:txBody>
+          <a:bodyPr lIns="0" rIns="0" rtlCol="0" anchor="ctr"/>
+          <a:lstStyle/>
+          <a:p>
+            <a:pPr algn="ctr"/>
+            <a:r>
+              <a:rPr lang="en-US" sz="1600" b="1" dirty="0" smtClean="0"/>
+              <a:t>Base</a:t>
+            </a:r>
+            <a:br>
+              <a:rPr lang="en-US" sz="1600" b="1" dirty="0" smtClean="0"/>
+            </a:br>
+            <a:r>
+              <a:rPr lang="en-US" sz="1600" b="1" dirty="0" smtClean="0"/>
+              <a:t>Component</a:t>
+            </a:r>
+            <a:br>
+              <a:rPr lang="en-US" sz="1600" b="1" dirty="0" smtClean="0"/>
+            </a:br>
+            <a:r>
+              <a:rPr lang="en-US" sz="1600" b="1" dirty="0" err="1" smtClean="0"/>
+              <a:t>TestCase</a:t>
+            </a:r>
+            <a:endParaRPr lang="en-SG" sz="1600" b="1" dirty="0"/>
+          </a:p>
+        </p:txBody>
+      </p:sp>
+      <p:sp>
+        <p:nvSpPr>
+          <p:cNvPr id="131" name="Isosceles Triangle 130"/>
+          <p:cNvSpPr/>
+          <p:nvPr/>
+        </p:nvSpPr>
+        <p:spPr>
+          <a:xfrm rot="16200000" flipH="1">
+            <a:off x="2165222" y="2711065"/>
+            <a:ext cx="276225" cy="228600"/>
+          </a:xfrm>
+          <a:prstGeom prst="triangle">
+            <a:avLst/>
+          </a:prstGeom>
+        </p:spPr>
+        <p:style>
+          <a:lnRef idx="2">
+            <a:schemeClr val="accent5">
+              <a:shade val="50000"/>
+            </a:schemeClr>
+          </a:lnRef>
+          <a:fillRef idx="1">
+            <a:schemeClr val="accent5"/>
+          </a:fillRef>
+          <a:effectRef idx="0">
+            <a:schemeClr val="accent5"/>
+          </a:effectRef>
+          <a:fontRef idx="minor">
+            <a:schemeClr val="lt1"/>
+          </a:fontRef>
+        </p:style>
+        <p:txBody>
+          <a:bodyPr rtlCol="0" anchor="ctr"/>
+          <a:lstStyle/>
+          <a:p>
+            <a:pPr algn="ctr"/>
+            <a:endParaRPr lang="en-SG" sz="1600" b="1"/>
+          </a:p>
+        </p:txBody>
+      </p:sp>
+      <p:cxnSp>
+        <p:nvCxnSpPr>
+          <p:cNvPr id="225" name="Straight Connector 224"/>
+          <p:cNvCxnSpPr>
+            <a:stCxn id="131" idx="3"/>
+          </p:cNvCxnSpPr>
+          <p:nvPr/>
+        </p:nvCxnSpPr>
+        <p:spPr>
+          <a:xfrm flipV="1">
+            <a:off x="2417635" y="2825365"/>
+            <a:ext cx="941359" cy="1"/>
+          </a:xfrm>
+          <a:prstGeom prst="line">
+            <a:avLst/>
+          </a:prstGeom>
+        </p:spPr>
+        <p:style>
+          <a:lnRef idx="2">
+            <a:schemeClr val="accent5">
+              <a:shade val="50000"/>
+            </a:schemeClr>
+          </a:lnRef>
+          <a:fillRef idx="1">
+            <a:schemeClr val="accent5"/>
+          </a:fillRef>
+          <a:effectRef idx="0">
+            <a:schemeClr val="accent5"/>
+          </a:effectRef>
+          <a:fontRef idx="minor">
+            <a:schemeClr val="lt1"/>
+          </a:fontRef>
+        </p:style>
+      </p:cxnSp>
+      <p:grpSp>
+        <p:nvGrpSpPr>
+          <p:cNvPr id="134" name="Group 133"/>
+          <p:cNvGrpSpPr/>
+          <p:nvPr/>
+        </p:nvGrpSpPr>
+        <p:grpSpPr>
           <a:xfrm rot="5400000">
-            <a:off x="1043814" y="4833758"/>
-            <a:ext cx="1646018" cy="1227"/>
+            <a:off x="4108673" y="631470"/>
+            <a:ext cx="448041" cy="1946617"/>
+            <a:chOff x="5145053" y="2923453"/>
+            <a:chExt cx="452572" cy="1278187"/>
+          </a:xfrm>
+        </p:grpSpPr>
+        <p:sp>
+          <p:nvSpPr>
+            <p:cNvPr id="135" name="Rectangle 134"/>
+            <p:cNvSpPr/>
+            <p:nvPr/>
+          </p:nvSpPr>
+          <p:spPr>
+            <a:xfrm rot="16200000">
+              <a:off x="4723526" y="3344980"/>
+              <a:ext cx="1204823" cy="361770"/>
+            </a:xfrm>
+            <a:prstGeom prst="rect">
+              <a:avLst/>
+            </a:prstGeom>
+          </p:spPr>
+          <p:style>
+            <a:lnRef idx="2">
+              <a:schemeClr val="accent3">
+                <a:shade val="50000"/>
+              </a:schemeClr>
+            </a:lnRef>
+            <a:fillRef idx="1">
+              <a:schemeClr val="accent3"/>
+            </a:fillRef>
+            <a:effectRef idx="0">
+              <a:schemeClr val="accent3"/>
+            </a:effectRef>
+            <a:fontRef idx="minor">
+              <a:schemeClr val="lt1"/>
+            </a:fontRef>
+          </p:style>
+          <p:txBody>
+            <a:bodyPr rtlCol="0" anchor="ctr"/>
+            <a:lstStyle/>
+            <a:p>
+              <a:pPr algn="ctr"/>
+              <a:r>
+                <a:rPr lang="en-US" sz="1600" b="1" dirty="0"/>
+                <a:t>Ui Tests</a:t>
+              </a:r>
+              <a:endParaRPr lang="en-SG" sz="1600" b="1" dirty="0"/>
+            </a:p>
+          </p:txBody>
+        </p:sp>
+        <p:sp>
+          <p:nvSpPr>
+            <p:cNvPr id="136" name="Rectangle 135"/>
+            <p:cNvSpPr/>
+            <p:nvPr/>
+          </p:nvSpPr>
+          <p:spPr>
+            <a:xfrm rot="16200000">
+              <a:off x="4767677" y="3375615"/>
+              <a:ext cx="1204823" cy="361770"/>
+            </a:xfrm>
+            <a:prstGeom prst="rect">
+              <a:avLst/>
+            </a:prstGeom>
+          </p:spPr>
+          <p:style>
+            <a:lnRef idx="2">
+              <a:schemeClr val="accent3">
+                <a:shade val="50000"/>
+              </a:schemeClr>
+            </a:lnRef>
+            <a:fillRef idx="1">
+              <a:schemeClr val="accent3"/>
+            </a:fillRef>
+            <a:effectRef idx="0">
+              <a:schemeClr val="accent3"/>
+            </a:effectRef>
+            <a:fontRef idx="minor">
+              <a:schemeClr val="lt1"/>
+            </a:fontRef>
+          </p:style>
+          <p:txBody>
+            <a:bodyPr rtlCol="0" anchor="ctr"/>
+            <a:lstStyle/>
+            <a:p>
+              <a:pPr algn="ctr"/>
+              <a:r>
+                <a:rPr lang="en-US" sz="1600" b="1" dirty="0"/>
+                <a:t>Ui Tests</a:t>
+              </a:r>
+              <a:endParaRPr lang="en-SG" sz="1600" b="1" dirty="0"/>
+            </a:p>
+          </p:txBody>
+        </p:sp>
+        <p:sp>
+          <p:nvSpPr>
+            <p:cNvPr id="137" name="Rectangle 136"/>
+            <p:cNvSpPr/>
+            <p:nvPr/>
+          </p:nvSpPr>
+          <p:spPr>
+            <a:xfrm rot="16200000">
+              <a:off x="4814328" y="3418344"/>
+              <a:ext cx="1204823" cy="361770"/>
+            </a:xfrm>
+            <a:prstGeom prst="rect">
+              <a:avLst/>
+            </a:prstGeom>
+          </p:spPr>
+          <p:style>
+            <a:lnRef idx="2">
+              <a:schemeClr val="accent3">
+                <a:shade val="50000"/>
+              </a:schemeClr>
+            </a:lnRef>
+            <a:fillRef idx="1">
+              <a:schemeClr val="accent3"/>
+            </a:fillRef>
+            <a:effectRef idx="0">
+              <a:schemeClr val="accent3"/>
+            </a:effectRef>
+            <a:fontRef idx="minor">
+              <a:schemeClr val="lt1"/>
+            </a:fontRef>
+          </p:style>
+          <p:txBody>
+            <a:bodyPr rtlCol="0" anchor="ctr"/>
+            <a:lstStyle/>
+            <a:p>
+              <a:pPr algn="ctr"/>
+              <a:r>
+                <a:rPr lang="en-US" sz="1600" b="1" dirty="0"/>
+                <a:t>Driver tests</a:t>
+              </a:r>
+              <a:endParaRPr lang="en-SG" sz="1600" b="1" dirty="0"/>
+            </a:p>
+          </p:txBody>
+        </p:sp>
+      </p:grpSp>
+      <p:grpSp>
+        <p:nvGrpSpPr>
+          <p:cNvPr id="138" name="Group 137"/>
+          <p:cNvGrpSpPr/>
+          <p:nvPr/>
+        </p:nvGrpSpPr>
+        <p:grpSpPr>
+          <a:xfrm rot="5400000">
+            <a:off x="4092563" y="2989274"/>
+            <a:ext cx="448042" cy="1946617"/>
+            <a:chOff x="5145053" y="2923453"/>
+            <a:chExt cx="452572" cy="1278187"/>
+          </a:xfrm>
+          <a:solidFill>
+            <a:schemeClr val="accent2">
+              <a:lumMod val="60000"/>
+              <a:lumOff val="40000"/>
+            </a:schemeClr>
+          </a:solidFill>
+        </p:grpSpPr>
+        <p:sp>
+          <p:nvSpPr>
+            <p:cNvPr id="139" name="Rectangle 138"/>
+            <p:cNvSpPr/>
+            <p:nvPr/>
+          </p:nvSpPr>
+          <p:spPr>
+            <a:xfrm rot="16200000">
+              <a:off x="4723526" y="3344980"/>
+              <a:ext cx="1204823" cy="361770"/>
+            </a:xfrm>
+            <a:prstGeom prst="rect">
+              <a:avLst/>
+            </a:prstGeom>
+            <a:grpFill/>
+            <a:ln>
+              <a:solidFill>
+                <a:schemeClr val="accent2">
+                  <a:lumMod val="75000"/>
+                </a:schemeClr>
+              </a:solidFill>
+            </a:ln>
+          </p:spPr>
+          <p:style>
+            <a:lnRef idx="2">
+              <a:schemeClr val="accent6">
+                <a:shade val="50000"/>
+              </a:schemeClr>
+            </a:lnRef>
+            <a:fillRef idx="1">
+              <a:schemeClr val="accent6"/>
+            </a:fillRef>
+            <a:effectRef idx="0">
+              <a:schemeClr val="accent6"/>
+            </a:effectRef>
+            <a:fontRef idx="minor">
+              <a:schemeClr val="lt1"/>
+            </a:fontRef>
+          </p:style>
+          <p:txBody>
+            <a:bodyPr lIns="0" rIns="0" rtlCol="0" anchor="ctr"/>
+            <a:lstStyle/>
+            <a:p>
+              <a:pPr algn="ctr"/>
+              <a:r>
+                <a:rPr lang="en-US" sz="1600" b="1" dirty="0"/>
+                <a:t>Ui Tests</a:t>
+              </a:r>
+              <a:endParaRPr lang="en-SG" sz="1600" b="1" dirty="0"/>
+            </a:p>
+          </p:txBody>
+        </p:sp>
+        <p:sp>
+          <p:nvSpPr>
+            <p:cNvPr id="140" name="Rectangle 139"/>
+            <p:cNvSpPr/>
+            <p:nvPr/>
+          </p:nvSpPr>
+          <p:spPr>
+            <a:xfrm rot="16200000">
+              <a:off x="4767677" y="3375615"/>
+              <a:ext cx="1204823" cy="361770"/>
+            </a:xfrm>
+            <a:prstGeom prst="rect">
+              <a:avLst/>
+            </a:prstGeom>
+            <a:grpFill/>
+            <a:ln>
+              <a:solidFill>
+                <a:schemeClr val="accent2">
+                  <a:lumMod val="75000"/>
+                </a:schemeClr>
+              </a:solidFill>
+            </a:ln>
+          </p:spPr>
+          <p:style>
+            <a:lnRef idx="2">
+              <a:schemeClr val="accent6">
+                <a:shade val="50000"/>
+              </a:schemeClr>
+            </a:lnRef>
+            <a:fillRef idx="1">
+              <a:schemeClr val="accent6"/>
+            </a:fillRef>
+            <a:effectRef idx="0">
+              <a:schemeClr val="accent6"/>
+            </a:effectRef>
+            <a:fontRef idx="minor">
+              <a:schemeClr val="lt1"/>
+            </a:fontRef>
+          </p:style>
+          <p:txBody>
+            <a:bodyPr lIns="0" rIns="0" rtlCol="0" anchor="ctr"/>
+            <a:lstStyle/>
+            <a:p>
+              <a:pPr algn="ctr"/>
+              <a:r>
+                <a:rPr lang="en-US" sz="1600" b="1" dirty="0"/>
+                <a:t>Ui Tests</a:t>
+              </a:r>
+              <a:endParaRPr lang="en-SG" sz="1600" b="1" dirty="0"/>
+            </a:p>
+          </p:txBody>
+        </p:sp>
+        <p:sp>
+          <p:nvSpPr>
+            <p:cNvPr id="141" name="Rectangle 140"/>
+            <p:cNvSpPr/>
+            <p:nvPr/>
+          </p:nvSpPr>
+          <p:spPr>
+            <a:xfrm rot="16200000">
+              <a:off x="4814328" y="3418344"/>
+              <a:ext cx="1204823" cy="361770"/>
+            </a:xfrm>
+            <a:prstGeom prst="rect">
+              <a:avLst/>
+            </a:prstGeom>
+            <a:grpFill/>
+            <a:ln>
+              <a:solidFill>
+                <a:schemeClr val="accent2">
+                  <a:lumMod val="75000"/>
+                </a:schemeClr>
+              </a:solidFill>
+            </a:ln>
+          </p:spPr>
+          <p:style>
+            <a:lnRef idx="2">
+              <a:schemeClr val="accent6">
+                <a:shade val="50000"/>
+              </a:schemeClr>
+            </a:lnRef>
+            <a:fillRef idx="1">
+              <a:schemeClr val="accent6"/>
+            </a:fillRef>
+            <a:effectRef idx="0">
+              <a:schemeClr val="accent6"/>
+            </a:effectRef>
+            <a:fontRef idx="minor">
+              <a:schemeClr val="lt1"/>
+            </a:fontRef>
+          </p:style>
+          <p:txBody>
+            <a:bodyPr lIns="0" rIns="0" rtlCol="0" anchor="ctr"/>
+            <a:lstStyle/>
+            <a:p>
+              <a:pPr algn="ctr"/>
+              <a:r>
+                <a:rPr lang="en-US" sz="1600" b="1" dirty="0" smtClean="0"/>
+                <a:t>Common tests</a:t>
+              </a:r>
+              <a:endParaRPr lang="en-SG" sz="1600" b="1" dirty="0"/>
+            </a:p>
+          </p:txBody>
+        </p:sp>
+      </p:grpSp>
+      <p:grpSp>
+        <p:nvGrpSpPr>
+          <p:cNvPr id="143" name="Group 142"/>
+          <p:cNvGrpSpPr/>
+          <p:nvPr/>
+        </p:nvGrpSpPr>
+        <p:grpSpPr>
+          <a:xfrm rot="5400000">
+            <a:off x="4100982" y="3912832"/>
+            <a:ext cx="448040" cy="1946617"/>
+            <a:chOff x="5145053" y="2923453"/>
+            <a:chExt cx="452572" cy="1278187"/>
+          </a:xfrm>
+          <a:solidFill>
+            <a:schemeClr val="accent2">
+              <a:lumMod val="60000"/>
+              <a:lumOff val="40000"/>
+            </a:schemeClr>
+          </a:solidFill>
+        </p:grpSpPr>
+        <p:sp>
+          <p:nvSpPr>
+            <p:cNvPr id="146" name="Rectangle 145"/>
+            <p:cNvSpPr/>
+            <p:nvPr/>
+          </p:nvSpPr>
+          <p:spPr>
+            <a:xfrm rot="16200000">
+              <a:off x="4723526" y="3344980"/>
+              <a:ext cx="1204823" cy="361770"/>
+            </a:xfrm>
+            <a:prstGeom prst="rect">
+              <a:avLst/>
+            </a:prstGeom>
+            <a:grpFill/>
+            <a:ln>
+              <a:solidFill>
+                <a:schemeClr val="accent2">
+                  <a:lumMod val="75000"/>
+                </a:schemeClr>
+              </a:solidFill>
+            </a:ln>
+          </p:spPr>
+          <p:style>
+            <a:lnRef idx="2">
+              <a:schemeClr val="accent6">
+                <a:shade val="50000"/>
+              </a:schemeClr>
+            </a:lnRef>
+            <a:fillRef idx="1">
+              <a:schemeClr val="accent6"/>
+            </a:fillRef>
+            <a:effectRef idx="0">
+              <a:schemeClr val="accent6"/>
+            </a:effectRef>
+            <a:fontRef idx="minor">
+              <a:schemeClr val="lt1"/>
+            </a:fontRef>
+          </p:style>
+          <p:txBody>
+            <a:bodyPr lIns="0" rIns="0" rtlCol="0" anchor="ctr"/>
+            <a:lstStyle/>
+            <a:p>
+              <a:pPr algn="ctr"/>
+              <a:r>
+                <a:rPr lang="en-US" sz="1600" b="1" dirty="0"/>
+                <a:t>Ui Tests</a:t>
+              </a:r>
+              <a:endParaRPr lang="en-SG" sz="1600" b="1" dirty="0"/>
+            </a:p>
+          </p:txBody>
+        </p:sp>
+        <p:sp>
+          <p:nvSpPr>
+            <p:cNvPr id="151" name="Rectangle 150"/>
+            <p:cNvSpPr/>
+            <p:nvPr/>
+          </p:nvSpPr>
+          <p:spPr>
+            <a:xfrm rot="16200000">
+              <a:off x="4767677" y="3375615"/>
+              <a:ext cx="1204823" cy="361770"/>
+            </a:xfrm>
+            <a:prstGeom prst="rect">
+              <a:avLst/>
+            </a:prstGeom>
+            <a:grpFill/>
+            <a:ln>
+              <a:solidFill>
+                <a:schemeClr val="accent2">
+                  <a:lumMod val="75000"/>
+                </a:schemeClr>
+              </a:solidFill>
+            </a:ln>
+          </p:spPr>
+          <p:style>
+            <a:lnRef idx="2">
+              <a:schemeClr val="accent6">
+                <a:shade val="50000"/>
+              </a:schemeClr>
+            </a:lnRef>
+            <a:fillRef idx="1">
+              <a:schemeClr val="accent6"/>
+            </a:fillRef>
+            <a:effectRef idx="0">
+              <a:schemeClr val="accent6"/>
+            </a:effectRef>
+            <a:fontRef idx="minor">
+              <a:schemeClr val="lt1"/>
+            </a:fontRef>
+          </p:style>
+          <p:txBody>
+            <a:bodyPr lIns="0" rIns="0" rtlCol="0" anchor="ctr"/>
+            <a:lstStyle/>
+            <a:p>
+              <a:pPr algn="ctr"/>
+              <a:r>
+                <a:rPr lang="en-US" sz="1600" b="1" dirty="0"/>
+                <a:t>Ui Tests</a:t>
+              </a:r>
+              <a:endParaRPr lang="en-SG" sz="1600" b="1" dirty="0"/>
+            </a:p>
+          </p:txBody>
+        </p:sp>
+        <p:sp>
+          <p:nvSpPr>
+            <p:cNvPr id="152" name="Rectangle 151"/>
+            <p:cNvSpPr/>
+            <p:nvPr/>
+          </p:nvSpPr>
+          <p:spPr>
+            <a:xfrm rot="16200000">
+              <a:off x="4814328" y="3418344"/>
+              <a:ext cx="1204823" cy="361770"/>
+            </a:xfrm>
+            <a:prstGeom prst="rect">
+              <a:avLst/>
+            </a:prstGeom>
+            <a:grpFill/>
+            <a:ln>
+              <a:solidFill>
+                <a:schemeClr val="accent2">
+                  <a:lumMod val="75000"/>
+                </a:schemeClr>
+              </a:solidFill>
+            </a:ln>
+          </p:spPr>
+          <p:style>
+            <a:lnRef idx="2">
+              <a:schemeClr val="accent6">
+                <a:shade val="50000"/>
+              </a:schemeClr>
+            </a:lnRef>
+            <a:fillRef idx="1">
+              <a:schemeClr val="accent6"/>
+            </a:fillRef>
+            <a:effectRef idx="0">
+              <a:schemeClr val="accent6"/>
+            </a:effectRef>
+            <a:fontRef idx="minor">
+              <a:schemeClr val="lt1"/>
+            </a:fontRef>
+          </p:style>
+          <p:txBody>
+            <a:bodyPr lIns="0" rIns="0" rtlCol="0" anchor="ctr"/>
+            <a:lstStyle/>
+            <a:p>
+              <a:pPr algn="ctr"/>
+              <a:r>
+                <a:rPr lang="en-US" sz="1600" b="1" dirty="0" smtClean="0"/>
+                <a:t>Logic tests</a:t>
+              </a:r>
+              <a:endParaRPr lang="en-SG" sz="1600" b="1" dirty="0"/>
+            </a:p>
+          </p:txBody>
+        </p:sp>
+      </p:grpSp>
+      <p:grpSp>
+        <p:nvGrpSpPr>
+          <p:cNvPr id="153" name="Group 152"/>
+          <p:cNvGrpSpPr/>
+          <p:nvPr/>
+        </p:nvGrpSpPr>
+        <p:grpSpPr>
+          <a:xfrm rot="5400000">
+            <a:off x="4091715" y="4827232"/>
+            <a:ext cx="448040" cy="1946617"/>
+            <a:chOff x="5145053" y="2923453"/>
+            <a:chExt cx="452572" cy="1278187"/>
+          </a:xfrm>
+          <a:solidFill>
+            <a:schemeClr val="accent2">
+              <a:lumMod val="60000"/>
+              <a:lumOff val="40000"/>
+            </a:schemeClr>
+          </a:solidFill>
+        </p:grpSpPr>
+        <p:sp>
+          <p:nvSpPr>
+            <p:cNvPr id="154" name="Rectangle 153"/>
+            <p:cNvSpPr/>
+            <p:nvPr/>
+          </p:nvSpPr>
+          <p:spPr>
+            <a:xfrm rot="16200000">
+              <a:off x="4723526" y="3344980"/>
+              <a:ext cx="1204823" cy="361770"/>
+            </a:xfrm>
+            <a:prstGeom prst="rect">
+              <a:avLst/>
+            </a:prstGeom>
+            <a:grpFill/>
+            <a:ln>
+              <a:solidFill>
+                <a:schemeClr val="accent2">
+                  <a:lumMod val="75000"/>
+                </a:schemeClr>
+              </a:solidFill>
+            </a:ln>
+          </p:spPr>
+          <p:style>
+            <a:lnRef idx="2">
+              <a:schemeClr val="accent6">
+                <a:shade val="50000"/>
+              </a:schemeClr>
+            </a:lnRef>
+            <a:fillRef idx="1">
+              <a:schemeClr val="accent6"/>
+            </a:fillRef>
+            <a:effectRef idx="0">
+              <a:schemeClr val="accent6"/>
+            </a:effectRef>
+            <a:fontRef idx="minor">
+              <a:schemeClr val="lt1"/>
+            </a:fontRef>
+          </p:style>
+          <p:txBody>
+            <a:bodyPr lIns="0" rIns="0" rtlCol="0" anchor="ctr"/>
+            <a:lstStyle/>
+            <a:p>
+              <a:pPr algn="ctr"/>
+              <a:r>
+                <a:rPr lang="en-US" sz="1600" b="1" dirty="0"/>
+                <a:t>Ui Tests</a:t>
+              </a:r>
+              <a:endParaRPr lang="en-SG" sz="1600" b="1" dirty="0"/>
+            </a:p>
+          </p:txBody>
+        </p:sp>
+        <p:sp>
+          <p:nvSpPr>
+            <p:cNvPr id="155" name="Rectangle 154"/>
+            <p:cNvSpPr/>
+            <p:nvPr/>
+          </p:nvSpPr>
+          <p:spPr>
+            <a:xfrm rot="16200000">
+              <a:off x="4767677" y="3375615"/>
+              <a:ext cx="1204823" cy="361770"/>
+            </a:xfrm>
+            <a:prstGeom prst="rect">
+              <a:avLst/>
+            </a:prstGeom>
+            <a:grpFill/>
+            <a:ln>
+              <a:solidFill>
+                <a:schemeClr val="accent2">
+                  <a:lumMod val="75000"/>
+                </a:schemeClr>
+              </a:solidFill>
+            </a:ln>
+          </p:spPr>
+          <p:style>
+            <a:lnRef idx="2">
+              <a:schemeClr val="accent6">
+                <a:shade val="50000"/>
+              </a:schemeClr>
+            </a:lnRef>
+            <a:fillRef idx="1">
+              <a:schemeClr val="accent6"/>
+            </a:fillRef>
+            <a:effectRef idx="0">
+              <a:schemeClr val="accent6"/>
+            </a:effectRef>
+            <a:fontRef idx="minor">
+              <a:schemeClr val="lt1"/>
+            </a:fontRef>
+          </p:style>
+          <p:txBody>
+            <a:bodyPr lIns="0" rIns="0" rtlCol="0" anchor="ctr"/>
+            <a:lstStyle/>
+            <a:p>
+              <a:pPr algn="ctr"/>
+              <a:r>
+                <a:rPr lang="en-US" sz="1600" b="1" dirty="0"/>
+                <a:t>Ui Tests</a:t>
+              </a:r>
+              <a:endParaRPr lang="en-SG" sz="1600" b="1" dirty="0"/>
+            </a:p>
+          </p:txBody>
+        </p:sp>
+        <p:sp>
+          <p:nvSpPr>
+            <p:cNvPr id="156" name="Rectangle 155"/>
+            <p:cNvSpPr/>
+            <p:nvPr/>
+          </p:nvSpPr>
+          <p:spPr>
+            <a:xfrm rot="16200000">
+              <a:off x="4814328" y="3418344"/>
+              <a:ext cx="1204823" cy="361770"/>
+            </a:xfrm>
+            <a:prstGeom prst="rect">
+              <a:avLst/>
+            </a:prstGeom>
+            <a:grpFill/>
+            <a:ln>
+              <a:solidFill>
+                <a:schemeClr val="accent2">
+                  <a:lumMod val="75000"/>
+                </a:schemeClr>
+              </a:solidFill>
+            </a:ln>
+          </p:spPr>
+          <p:style>
+            <a:lnRef idx="2">
+              <a:schemeClr val="accent6">
+                <a:shade val="50000"/>
+              </a:schemeClr>
+            </a:lnRef>
+            <a:fillRef idx="1">
+              <a:schemeClr val="accent6"/>
+            </a:fillRef>
+            <a:effectRef idx="0">
+              <a:schemeClr val="accent6"/>
+            </a:effectRef>
+            <a:fontRef idx="minor">
+              <a:schemeClr val="lt1"/>
+            </a:fontRef>
+          </p:style>
+          <p:txBody>
+            <a:bodyPr lIns="0" rIns="0" rtlCol="0" anchor="ctr"/>
+            <a:lstStyle/>
+            <a:p>
+              <a:pPr algn="ctr"/>
+              <a:r>
+                <a:rPr lang="en-US" sz="1600" b="1" dirty="0" smtClean="0"/>
+                <a:t>Storage tests</a:t>
+              </a:r>
+              <a:endParaRPr lang="en-SG" sz="1600" b="1" dirty="0"/>
+            </a:p>
+          </p:txBody>
+        </p:sp>
+      </p:grpSp>
+      <p:sp>
+        <p:nvSpPr>
+          <p:cNvPr id="157" name="Isosceles Triangle 156"/>
+          <p:cNvSpPr/>
+          <p:nvPr/>
+        </p:nvSpPr>
+        <p:spPr>
+          <a:xfrm rot="16200000" flipH="1">
+            <a:off x="2176462" y="3619904"/>
+            <a:ext cx="276225" cy="228600"/>
+          </a:xfrm>
+          <a:prstGeom prst="triangle">
+            <a:avLst/>
+          </a:prstGeom>
+          <a:solidFill>
+            <a:schemeClr val="accent2">
+              <a:lumMod val="60000"/>
+              <a:lumOff val="40000"/>
+            </a:schemeClr>
+          </a:solidFill>
+          <a:ln>
+            <a:solidFill>
+              <a:schemeClr val="accent2">
+                <a:lumMod val="75000"/>
+              </a:schemeClr>
+            </a:solidFill>
+          </a:ln>
+        </p:spPr>
+        <p:style>
+          <a:lnRef idx="2">
+            <a:schemeClr val="accent6">
+              <a:shade val="50000"/>
+            </a:schemeClr>
+          </a:lnRef>
+          <a:fillRef idx="1">
+            <a:schemeClr val="accent6"/>
+          </a:fillRef>
+          <a:effectRef idx="0">
+            <a:schemeClr val="accent6"/>
+          </a:effectRef>
+          <a:fontRef idx="minor">
+            <a:schemeClr val="lt1"/>
+          </a:fontRef>
+        </p:style>
+        <p:txBody>
+          <a:bodyPr lIns="0" rIns="0" rtlCol="0" anchor="ctr"/>
+          <a:lstStyle/>
+          <a:p>
+            <a:pPr algn="ctr"/>
+            <a:endParaRPr lang="en-SG"/>
+          </a:p>
+        </p:txBody>
+      </p:sp>
+      <p:cxnSp>
+        <p:nvCxnSpPr>
+          <p:cNvPr id="158" name="Elbow Connector 157"/>
+          <p:cNvCxnSpPr>
+            <a:stCxn id="157" idx="3"/>
+            <a:endCxn id="141" idx="1"/>
+          </p:cNvCxnSpPr>
+          <p:nvPr/>
+        </p:nvCxnSpPr>
+        <p:spPr>
+          <a:xfrm>
+            <a:off x="2428875" y="3734205"/>
+            <a:ext cx="914400" cy="273324"/>
           </a:xfrm>
           <a:prstGeom prst="bentConnector3">
             <a:avLst>
@@ -6162,11 +7804,10 @@
           </a:prstGeom>
           <a:ln>
             <a:solidFill>
-              <a:schemeClr val="accent1"/>
+              <a:schemeClr val="accent2">
+                <a:lumMod val="75000"/>
+              </a:schemeClr>
             </a:solidFill>
-            <a:prstDash val="sysDot"/>
-            <a:headEnd type="arrow" w="med" len="med"/>
-            <a:tailEnd type="none" w="med" len="med"/>
           </a:ln>
         </p:spPr>
         <p:style>
@@ -6188,17 +7829,17 @@
       </p:cxnSp>
       <p:cxnSp>
         <p:nvCxnSpPr>
-          <p:cNvPr id="64" name="Elbow Connector 63"/>
+          <p:cNvPr id="160" name="Elbow Connector 159"/>
           <p:cNvCxnSpPr>
-            <a:stCxn id="145" idx="1"/>
-            <a:endCxn id="103" idx="0"/>
+            <a:stCxn id="157" idx="3"/>
+            <a:endCxn id="156" idx="1"/>
           </p:cNvCxnSpPr>
           <p:nvPr/>
         </p:nvCxnSpPr>
         <p:spPr>
-          <a:xfrm rot="5400000">
-            <a:off x="1467454" y="4410118"/>
-            <a:ext cx="1646017" cy="848506"/>
+          <a:xfrm>
+            <a:off x="2428875" y="3734205"/>
+            <a:ext cx="913551" cy="2111282"/>
           </a:xfrm>
           <a:prstGeom prst="bentConnector3">
             <a:avLst>
@@ -6207,11 +7848,253 @@
           </a:prstGeom>
           <a:ln>
             <a:solidFill>
-              <a:schemeClr val="accent1"/>
+              <a:schemeClr val="accent2">
+                <a:lumMod val="75000"/>
+              </a:schemeClr>
+            </a:solidFill>
+          </a:ln>
+        </p:spPr>
+        <p:style>
+          <a:lnRef idx="2">
+            <a:schemeClr val="accent6">
+              <a:shade val="50000"/>
+            </a:schemeClr>
+          </a:lnRef>
+          <a:fillRef idx="1">
+            <a:schemeClr val="accent6"/>
+          </a:fillRef>
+          <a:effectRef idx="0">
+            <a:schemeClr val="accent6"/>
+          </a:effectRef>
+          <a:fontRef idx="minor">
+            <a:schemeClr val="lt1"/>
+          </a:fontRef>
+        </p:style>
+      </p:cxnSp>
+      <p:cxnSp>
+        <p:nvCxnSpPr>
+          <p:cNvPr id="161" name="Elbow Connector 160"/>
+          <p:cNvCxnSpPr>
+            <a:stCxn id="157" idx="3"/>
+            <a:endCxn id="152" idx="1"/>
+          </p:cNvCxnSpPr>
+          <p:nvPr/>
+        </p:nvCxnSpPr>
+        <p:spPr>
+          <a:xfrm>
+            <a:off x="2428875" y="3734205"/>
+            <a:ext cx="922818" cy="1196882"/>
+          </a:xfrm>
+          <a:prstGeom prst="bentConnector3">
+            <a:avLst>
+              <a:gd name="adj1" fmla="val 50000"/>
+            </a:avLst>
+          </a:prstGeom>
+          <a:ln>
+            <a:solidFill>
+              <a:schemeClr val="accent2">
+                <a:lumMod val="75000"/>
+              </a:schemeClr>
+            </a:solidFill>
+          </a:ln>
+        </p:spPr>
+        <p:style>
+          <a:lnRef idx="2">
+            <a:schemeClr val="accent6">
+              <a:shade val="50000"/>
+            </a:schemeClr>
+          </a:lnRef>
+          <a:fillRef idx="1">
+            <a:schemeClr val="accent6"/>
+          </a:fillRef>
+          <a:effectRef idx="0">
+            <a:schemeClr val="accent6"/>
+          </a:effectRef>
+          <a:fontRef idx="minor">
+            <a:schemeClr val="lt1"/>
+          </a:fontRef>
+        </p:style>
+      </p:cxnSp>
+      <p:cxnSp>
+        <p:nvCxnSpPr>
+          <p:cNvPr id="245" name="Straight Arrow Connector 244"/>
+          <p:cNvCxnSpPr>
+            <a:stCxn id="50" idx="0"/>
+          </p:cNvCxnSpPr>
+          <p:nvPr/>
+        </p:nvCxnSpPr>
+        <p:spPr>
+          <a:xfrm flipH="1" flipV="1">
+            <a:off x="3455626" y="6172200"/>
+            <a:ext cx="1" cy="256273"/>
+          </a:xfrm>
+          <a:prstGeom prst="straightConnector1">
+            <a:avLst/>
+          </a:prstGeom>
+          <a:ln w="38100">
+            <a:solidFill>
+              <a:schemeClr val="tx1"/>
+            </a:solidFill>
+            <a:prstDash val="sysDash"/>
+            <a:headEnd type="none" w="med" len="med"/>
+            <a:tailEnd type="arrow" w="med" len="med"/>
+          </a:ln>
+        </p:spPr>
+        <p:style>
+          <a:lnRef idx="1">
+            <a:schemeClr val="accent1"/>
+          </a:lnRef>
+          <a:fillRef idx="0">
+            <a:schemeClr val="accent1"/>
+          </a:fillRef>
+          <a:effectRef idx="0">
+            <a:schemeClr val="accent1"/>
+          </a:effectRef>
+          <a:fontRef idx="minor">
+            <a:schemeClr val="tx1"/>
+          </a:fontRef>
+        </p:style>
+      </p:cxnSp>
+      <p:sp>
+        <p:nvSpPr>
+          <p:cNvPr id="167" name="Isosceles Triangle 166"/>
+          <p:cNvSpPr/>
+          <p:nvPr/>
+        </p:nvSpPr>
+        <p:spPr>
+          <a:xfrm rot="16200000" flipH="1">
+            <a:off x="1784223" y="1511978"/>
+            <a:ext cx="276225" cy="228600"/>
+          </a:xfrm>
+          <a:prstGeom prst="triangle">
+            <a:avLst/>
+          </a:prstGeom>
+        </p:spPr>
+        <p:style>
+          <a:lnRef idx="2">
+            <a:schemeClr val="accent3">
+              <a:shade val="50000"/>
+            </a:schemeClr>
+          </a:lnRef>
+          <a:fillRef idx="1">
+            <a:schemeClr val="accent3"/>
+          </a:fillRef>
+          <a:effectRef idx="0">
+            <a:schemeClr val="accent3"/>
+          </a:effectRef>
+          <a:fontRef idx="minor">
+            <a:schemeClr val="lt1"/>
+          </a:fontRef>
+        </p:style>
+        <p:txBody>
+          <a:bodyPr rtlCol="0" anchor="ctr"/>
+          <a:lstStyle/>
+          <a:p>
+            <a:pPr algn="ctr"/>
+            <a:endParaRPr lang="en-SG" sz="1600" b="1"/>
+          </a:p>
+        </p:txBody>
+      </p:sp>
+      <p:cxnSp>
+        <p:nvCxnSpPr>
+          <p:cNvPr id="168" name="Straight Connector 167"/>
+          <p:cNvCxnSpPr/>
+          <p:nvPr/>
+        </p:nvCxnSpPr>
+        <p:spPr>
+          <a:xfrm flipV="1">
+            <a:off x="2064836" y="1626279"/>
+            <a:ext cx="1278439" cy="1"/>
+          </a:xfrm>
+          <a:prstGeom prst="line">
+            <a:avLst/>
+          </a:prstGeom>
+        </p:spPr>
+        <p:style>
+          <a:lnRef idx="2">
+            <a:schemeClr val="accent3">
+              <a:shade val="50000"/>
+            </a:schemeClr>
+          </a:lnRef>
+          <a:fillRef idx="1">
+            <a:schemeClr val="accent3"/>
+          </a:fillRef>
+          <a:effectRef idx="0">
+            <a:schemeClr val="accent3"/>
+          </a:effectRef>
+          <a:fontRef idx="minor">
+            <a:schemeClr val="lt1"/>
+          </a:fontRef>
+        </p:style>
+      </p:cxnSp>
+      <p:cxnSp>
+        <p:nvCxnSpPr>
+          <p:cNvPr id="209" name="Straight Arrow Connector 208"/>
+          <p:cNvCxnSpPr>
+            <a:stCxn id="107" idx="0"/>
+            <a:endCxn id="83" idx="2"/>
+          </p:cNvCxnSpPr>
+          <p:nvPr/>
+        </p:nvCxnSpPr>
+        <p:spPr>
+          <a:xfrm flipV="1">
+            <a:off x="7920357" y="1855097"/>
+            <a:ext cx="0" cy="252206"/>
+          </a:xfrm>
+          <a:prstGeom prst="straightConnector1">
+            <a:avLst/>
+          </a:prstGeom>
+          <a:ln>
+            <a:solidFill>
+              <a:schemeClr val="accent5">
+                <a:lumMod val="50000"/>
+              </a:schemeClr>
             </a:solidFill>
             <a:prstDash val="sysDot"/>
-            <a:headEnd type="arrow" w="med" len="med"/>
-            <a:tailEnd type="none" w="med" len="med"/>
+            <a:headEnd type="none" w="med" len="med"/>
+            <a:tailEnd type="arrow" w="med" len="med"/>
+          </a:ln>
+        </p:spPr>
+        <p:style>
+          <a:lnRef idx="2">
+            <a:schemeClr val="accent6">
+              <a:shade val="50000"/>
+            </a:schemeClr>
+          </a:lnRef>
+          <a:fillRef idx="1">
+            <a:schemeClr val="accent6"/>
+          </a:fillRef>
+          <a:effectRef idx="0">
+            <a:schemeClr val="accent6"/>
+          </a:effectRef>
+          <a:fontRef idx="minor">
+            <a:schemeClr val="lt1"/>
+          </a:fontRef>
+        </p:style>
+      </p:cxnSp>
+      <p:cxnSp>
+        <p:nvCxnSpPr>
+          <p:cNvPr id="307" name="Straight Arrow Connector 306"/>
+          <p:cNvCxnSpPr/>
+          <p:nvPr/>
+        </p:nvCxnSpPr>
+        <p:spPr>
+          <a:xfrm>
+            <a:off x="5536538" y="2788248"/>
+            <a:ext cx="1311937" cy="0"/>
+          </a:xfrm>
+          <a:prstGeom prst="straightConnector1">
+            <a:avLst/>
+          </a:prstGeom>
+          <a:ln>
+            <a:solidFill>
+              <a:schemeClr val="accent5">
+                <a:lumMod val="50000"/>
+              </a:schemeClr>
+            </a:solidFill>
+            <a:prstDash val="sysDot"/>
+            <a:headEnd type="none" w="med" len="med"/>
+            <a:tailEnd type="arrow" w="med" len="med"/>
           </a:ln>
         </p:spPr>
         <p:style>

--- a/doc/diagrams/TestDriverComponent.pptx
+++ b/doc/diagrams/TestDriverComponent.pptx
@@ -193,7 +193,7 @@
             <a:fld id="{AF301891-4E62-472A-98E9-95DBD40531A4}" type="datetimeFigureOut">
               <a:rPr lang="en-SG" smtClean="0"/>
               <a:pPr/>
-              <a:t>6/7/2013</a:t>
+              <a:t>8/7/2013</a:t>
             </a:fld>
             <a:endParaRPr lang="en-SG"/>
           </a:p>
@@ -748,7 +748,7 @@
             <a:fld id="{1D8BD707-D9CF-40AE-B4C6-C98DA3205C09}" type="datetimeFigureOut">
               <a:rPr lang="en-US" smtClean="0"/>
               <a:pPr/>
-              <a:t>7/6/2013</a:t>
+              <a:t>7/8/2013</a:t>
             </a:fld>
             <a:endParaRPr lang="en-US"/>
           </a:p>
@@ -962,7 +962,7 @@
             <a:fld id="{1D8BD707-D9CF-40AE-B4C6-C98DA3205C09}" type="datetimeFigureOut">
               <a:rPr lang="en-US" smtClean="0"/>
               <a:pPr/>
-              <a:t>7/6/2013</a:t>
+              <a:t>7/8/2013</a:t>
             </a:fld>
             <a:endParaRPr lang="en-US"/>
           </a:p>
@@ -1169,7 +1169,7 @@
             <a:fld id="{1D8BD707-D9CF-40AE-B4C6-C98DA3205C09}" type="datetimeFigureOut">
               <a:rPr lang="en-US" smtClean="0"/>
               <a:pPr/>
-              <a:t>7/6/2013</a:t>
+              <a:t>7/8/2013</a:t>
             </a:fld>
             <a:endParaRPr lang="en-US"/>
           </a:p>
@@ -1376,7 +1376,7 @@
             <a:fld id="{1D8BD707-D9CF-40AE-B4C6-C98DA3205C09}" type="datetimeFigureOut">
               <a:rPr lang="en-US" smtClean="0"/>
               <a:pPr/>
-              <a:t>7/6/2013</a:t>
+              <a:t>7/8/2013</a:t>
             </a:fld>
             <a:endParaRPr lang="en-US"/>
           </a:p>
@@ -1649,7 +1649,7 @@
             <a:fld id="{1D8BD707-D9CF-40AE-B4C6-C98DA3205C09}" type="datetimeFigureOut">
               <a:rPr lang="en-US" smtClean="0"/>
               <a:pPr/>
-              <a:t>7/6/2013</a:t>
+              <a:t>7/8/2013</a:t>
             </a:fld>
             <a:endParaRPr lang="en-US"/>
           </a:p>
@@ -1972,7 +1972,7 @@
             <a:fld id="{1D8BD707-D9CF-40AE-B4C6-C98DA3205C09}" type="datetimeFigureOut">
               <a:rPr lang="en-US" smtClean="0"/>
               <a:pPr/>
-              <a:t>7/6/2013</a:t>
+              <a:t>7/8/2013</a:t>
             </a:fld>
             <a:endParaRPr lang="en-US"/>
           </a:p>
@@ -2435,7 +2435,7 @@
             <a:fld id="{1D8BD707-D9CF-40AE-B4C6-C98DA3205C09}" type="datetimeFigureOut">
               <a:rPr lang="en-US" smtClean="0"/>
               <a:pPr/>
-              <a:t>7/6/2013</a:t>
+              <a:t>7/8/2013</a:t>
             </a:fld>
             <a:endParaRPr lang="en-US"/>
           </a:p>
@@ -2582,7 +2582,7 @@
             <a:fld id="{1D8BD707-D9CF-40AE-B4C6-C98DA3205C09}" type="datetimeFigureOut">
               <a:rPr lang="en-US" smtClean="0"/>
               <a:pPr/>
-              <a:t>7/6/2013</a:t>
+              <a:t>7/8/2013</a:t>
             </a:fld>
             <a:endParaRPr lang="en-US"/>
           </a:p>
@@ -2698,7 +2698,7 @@
             <a:fld id="{1D8BD707-D9CF-40AE-B4C6-C98DA3205C09}" type="datetimeFigureOut">
               <a:rPr lang="en-US" smtClean="0"/>
               <a:pPr/>
-              <a:t>7/6/2013</a:t>
+              <a:t>7/8/2013</a:t>
             </a:fld>
             <a:endParaRPr lang="en-US"/>
           </a:p>
@@ -3005,7 +3005,7 @@
             <a:fld id="{1D8BD707-D9CF-40AE-B4C6-C98DA3205C09}" type="datetimeFigureOut">
               <a:rPr lang="en-US" smtClean="0"/>
               <a:pPr/>
-              <a:t>7/6/2013</a:t>
+              <a:t>7/8/2013</a:t>
             </a:fld>
             <a:endParaRPr lang="en-US"/>
           </a:p>
@@ -3288,7 +3288,7 @@
             <a:fld id="{1D8BD707-D9CF-40AE-B4C6-C98DA3205C09}" type="datetimeFigureOut">
               <a:rPr lang="en-US" smtClean="0"/>
               <a:pPr/>
-              <a:t>7/6/2013</a:t>
+              <a:t>7/8/2013</a:t>
             </a:fld>
             <a:endParaRPr lang="en-US"/>
           </a:p>
@@ -3512,17 +3512,7 @@
                     </a:schemeClr>
                   </a:solidFill>
                 </a:rPr>
-                <a:t>test</a:t>
-              </a:r>
-              <a:r>
-                <a:rPr lang="en-US" sz="1400" b="1" dirty="0" smtClean="0">
-                  <a:solidFill>
-                    <a:schemeClr val="accent2">
-                      <a:lumMod val="75000"/>
-                    </a:schemeClr>
-                  </a:solidFill>
-                </a:rPr>
-                <a:t>::</a:t>
+                <a:t>test::</a:t>
               </a:r>
               <a:r>
                 <a:rPr lang="en-US" sz="1400" b="1" dirty="0" err="1" smtClean="0">
@@ -4175,7 +4165,7 @@
         </p:nvGrpSpPr>
         <p:grpSpPr>
           <a:xfrm>
-            <a:off x="3190875" y="1032305"/>
+            <a:off x="3190875" y="803705"/>
             <a:ext cx="2362200" cy="872695"/>
             <a:chOff x="3190875" y="1032305"/>
             <a:chExt cx="2362200" cy="872695"/>
@@ -4319,7 +4309,7 @@
         </p:nvGrpSpPr>
         <p:grpSpPr>
           <a:xfrm>
-            <a:off x="3170009" y="2133600"/>
+            <a:off x="3170009" y="2731193"/>
             <a:ext cx="2362200" cy="1002607"/>
             <a:chOff x="3170009" y="2133600"/>
             <a:chExt cx="2362200" cy="1002607"/>
@@ -4467,7 +4457,7 @@
         </p:nvGrpSpPr>
         <p:grpSpPr>
           <a:xfrm>
-            <a:off x="3188277" y="3385269"/>
+            <a:off x="3199591" y="1793634"/>
             <a:ext cx="2362550" cy="872695"/>
             <a:chOff x="3188277" y="3385269"/>
             <a:chExt cx="2362550" cy="872695"/>
@@ -4611,7 +4601,7 @@
         </p:nvGrpSpPr>
         <p:grpSpPr>
           <a:xfrm>
-            <a:off x="3170009" y="4300344"/>
+            <a:off x="3170009" y="4156505"/>
             <a:ext cx="2362200" cy="872695"/>
             <a:chOff x="3170009" y="4300344"/>
             <a:chExt cx="2362200" cy="872695"/>
@@ -5255,7 +5245,7 @@
         </p:nvGrpSpPr>
         <p:grpSpPr>
           <a:xfrm rot="5400000">
-            <a:off x="4127145" y="1841513"/>
+            <a:off x="4127145" y="2439106"/>
             <a:ext cx="448042" cy="1946617"/>
             <a:chOff x="5145053" y="2923453"/>
             <a:chExt cx="452572" cy="1278187"/>
@@ -5405,8 +5395,8 @@
         </p:nvCxnSpPr>
         <p:spPr>
           <a:xfrm rot="16200000" flipH="1">
-            <a:off x="228555" y="2917874"/>
-            <a:ext cx="1714441" cy="108056"/>
+            <a:off x="-381045" y="3527474"/>
+            <a:ext cx="2933641" cy="108056"/>
           </a:xfrm>
           <a:prstGeom prst="bentConnector2">
             <a:avLst/>
@@ -5434,13 +5424,12 @@
           <p:cNvPr id="69" name="Elbow Connector 68"/>
           <p:cNvCxnSpPr>
             <a:stCxn id="121" idx="1"/>
-            <a:endCxn id="54" idx="3"/>
           </p:cNvCxnSpPr>
           <p:nvPr/>
         </p:nvCxnSpPr>
         <p:spPr>
           <a:xfrm rot="10800000">
-            <a:off x="1031748" y="2114682"/>
+            <a:off x="1031748" y="2715971"/>
             <a:ext cx="112963" cy="673566"/>
           </a:xfrm>
           <a:prstGeom prst="bentConnector2">
@@ -6053,19 +6042,17 @@
           <p:cNvPr id="89" name="Elbow Connector 88"/>
           <p:cNvCxnSpPr>
             <a:stCxn id="123" idx="0"/>
-            <a:endCxn id="47" idx="0"/>
+            <a:endCxn id="47" idx="1"/>
           </p:cNvCxnSpPr>
           <p:nvPr/>
         </p:nvCxnSpPr>
         <p:spPr>
-          <a:xfrm rot="16200000" flipH="1">
-            <a:off x="4591878" y="537332"/>
-            <a:ext cx="363063" cy="6222891"/>
-          </a:xfrm>
-          <a:prstGeom prst="bentConnector3">
-            <a:avLst>
-              <a:gd name="adj1" fmla="val -52788"/>
-            </a:avLst>
+          <a:xfrm rot="5400000" flipH="1" flipV="1">
+            <a:off x="3964620" y="1653655"/>
+            <a:ext cx="730137" cy="5335446"/>
+          </a:xfrm>
+          <a:prstGeom prst="bentConnector2">
+            <a:avLst/>
           </a:prstGeom>
           <a:ln>
             <a:solidFill>
@@ -6860,7 +6847,7 @@
         </p:nvSpPr>
         <p:spPr>
           <a:xfrm>
-            <a:off x="1144710" y="2520184"/>
+            <a:off x="1144710" y="3121473"/>
             <a:ext cx="1044324" cy="536127"/>
           </a:xfrm>
           <a:prstGeom prst="rect">
@@ -6915,7 +6902,7 @@
         </p:nvSpPr>
         <p:spPr>
           <a:xfrm>
-            <a:off x="1139803" y="3467246"/>
+            <a:off x="1139803" y="4686446"/>
             <a:ext cx="1044324" cy="723754"/>
           </a:xfrm>
           <a:prstGeom prst="rect">
@@ -6986,7 +6973,7 @@
         </p:nvSpPr>
         <p:spPr>
           <a:xfrm rot="16200000" flipH="1">
-            <a:off x="2165222" y="2711065"/>
+            <a:off x="2165222" y="3308658"/>
             <a:ext cx="276225" cy="228600"/>
           </a:xfrm>
           <a:prstGeom prst="triangle">
@@ -7028,7 +7015,7 @@
         </p:nvCxnSpPr>
         <p:spPr>
           <a:xfrm flipV="1">
-            <a:off x="2417635" y="2825365"/>
+            <a:off x="2417635" y="3422958"/>
             <a:ext cx="941359" cy="1"/>
           </a:xfrm>
           <a:prstGeom prst="line">
@@ -7060,7 +7047,7 @@
         </p:nvGrpSpPr>
         <p:grpSpPr>
           <a:xfrm rot="5400000">
-            <a:off x="4108673" y="631470"/>
+            <a:off x="4108673" y="402870"/>
             <a:ext cx="448041" cy="1946617"/>
             <a:chOff x="5145053" y="2923453"/>
             <a:chExt cx="452572" cy="1278187"/>
@@ -7207,7 +7194,7 @@
         </p:nvGrpSpPr>
         <p:grpSpPr>
           <a:xfrm rot="5400000">
-            <a:off x="4092563" y="2989274"/>
+            <a:off x="4103877" y="1397639"/>
             <a:ext cx="448042" cy="1946617"/>
             <a:chOff x="5145053" y="2923453"/>
             <a:chExt cx="452572" cy="1278187"/>
@@ -7233,33 +7220,25 @@
             <a:prstGeom prst="rect">
               <a:avLst/>
             </a:prstGeom>
-            <a:grpFill/>
-            <a:ln>
-              <a:solidFill>
-                <a:schemeClr val="accent2">
-                  <a:lumMod val="75000"/>
-                </a:schemeClr>
-              </a:solidFill>
-            </a:ln>
           </p:spPr>
           <p:style>
             <a:lnRef idx="2">
-              <a:schemeClr val="accent6">
+              <a:schemeClr val="accent3">
                 <a:shade val="50000"/>
               </a:schemeClr>
             </a:lnRef>
             <a:fillRef idx="1">
-              <a:schemeClr val="accent6"/>
+              <a:schemeClr val="accent3"/>
             </a:fillRef>
             <a:effectRef idx="0">
-              <a:schemeClr val="accent6"/>
+              <a:schemeClr val="accent3"/>
             </a:effectRef>
             <a:fontRef idx="minor">
               <a:schemeClr val="lt1"/>
             </a:fontRef>
           </p:style>
           <p:txBody>
-            <a:bodyPr lIns="0" rIns="0" rtlCol="0" anchor="ctr"/>
+            <a:bodyPr rtlCol="0" anchor="ctr"/>
             <a:lstStyle/>
             <a:p>
               <a:pPr algn="ctr"/>
@@ -7285,33 +7264,25 @@
             <a:prstGeom prst="rect">
               <a:avLst/>
             </a:prstGeom>
-            <a:grpFill/>
-            <a:ln>
-              <a:solidFill>
-                <a:schemeClr val="accent2">
-                  <a:lumMod val="75000"/>
-                </a:schemeClr>
-              </a:solidFill>
-            </a:ln>
           </p:spPr>
           <p:style>
             <a:lnRef idx="2">
-              <a:schemeClr val="accent6">
+              <a:schemeClr val="accent3">
                 <a:shade val="50000"/>
               </a:schemeClr>
             </a:lnRef>
             <a:fillRef idx="1">
-              <a:schemeClr val="accent6"/>
+              <a:schemeClr val="accent3"/>
             </a:fillRef>
             <a:effectRef idx="0">
-              <a:schemeClr val="accent6"/>
+              <a:schemeClr val="accent3"/>
             </a:effectRef>
             <a:fontRef idx="minor">
               <a:schemeClr val="lt1"/>
             </a:fontRef>
           </p:style>
           <p:txBody>
-            <a:bodyPr lIns="0" rIns="0" rtlCol="0" anchor="ctr"/>
+            <a:bodyPr rtlCol="0" anchor="ctr"/>
             <a:lstStyle/>
             <a:p>
               <a:pPr algn="ctr"/>
@@ -7337,38 +7308,30 @@
             <a:prstGeom prst="rect">
               <a:avLst/>
             </a:prstGeom>
-            <a:grpFill/>
-            <a:ln>
-              <a:solidFill>
-                <a:schemeClr val="accent2">
-                  <a:lumMod val="75000"/>
-                </a:schemeClr>
-              </a:solidFill>
-            </a:ln>
           </p:spPr>
           <p:style>
             <a:lnRef idx="2">
-              <a:schemeClr val="accent6">
+              <a:schemeClr val="accent3">
                 <a:shade val="50000"/>
               </a:schemeClr>
             </a:lnRef>
             <a:fillRef idx="1">
-              <a:schemeClr val="accent6"/>
+              <a:schemeClr val="accent3"/>
             </a:fillRef>
             <a:effectRef idx="0">
-              <a:schemeClr val="accent6"/>
+              <a:schemeClr val="accent3"/>
             </a:effectRef>
             <a:fontRef idx="minor">
               <a:schemeClr val="lt1"/>
             </a:fontRef>
           </p:style>
           <p:txBody>
-            <a:bodyPr lIns="0" rIns="0" rtlCol="0" anchor="ctr"/>
+            <a:bodyPr rtlCol="0" anchor="ctr"/>
             <a:lstStyle/>
             <a:p>
               <a:pPr algn="ctr"/>
               <a:r>
-                <a:rPr lang="en-US" sz="1600" b="1" dirty="0" smtClean="0"/>
+                <a:rPr lang="en-US" sz="1600" b="1" dirty="0"/>
                 <a:t>Common tests</a:t>
               </a:r>
               <a:endParaRPr lang="en-SG" sz="1600" b="1" dirty="0"/>
@@ -7384,7 +7347,7 @@
         </p:nvGrpSpPr>
         <p:grpSpPr>
           <a:xfrm rot="5400000">
-            <a:off x="4100982" y="3912832"/>
+            <a:off x="4100982" y="3768993"/>
             <a:ext cx="448040" cy="1946617"/>
             <a:chOff x="5145053" y="2923453"/>
             <a:chExt cx="452572" cy="1278187"/>
@@ -7738,7 +7701,7 @@
         </p:nvSpPr>
         <p:spPr>
           <a:xfrm rot="16200000" flipH="1">
-            <a:off x="2176462" y="3619904"/>
+            <a:off x="2176462" y="5005387"/>
             <a:ext cx="276225" cy="228600"/>
           </a:xfrm>
           <a:prstGeom prst="triangle">
@@ -7787,40 +7750,33 @@
         <p:nvCxnSpPr>
           <p:cNvPr id="158" name="Elbow Connector 157"/>
           <p:cNvCxnSpPr>
-            <a:stCxn id="157" idx="3"/>
+            <a:stCxn id="167" idx="3"/>
             <a:endCxn id="141" idx="1"/>
           </p:cNvCxnSpPr>
           <p:nvPr/>
         </p:nvCxnSpPr>
         <p:spPr>
           <a:xfrm>
-            <a:off x="2428875" y="3734205"/>
-            <a:ext cx="914400" cy="273324"/>
+            <a:off x="2036636" y="1626279"/>
+            <a:ext cx="1317953" cy="789615"/>
           </a:xfrm>
           <a:prstGeom prst="bentConnector3">
             <a:avLst>
               <a:gd name="adj1" fmla="val 50000"/>
             </a:avLst>
           </a:prstGeom>
-          <a:ln>
-            <a:solidFill>
-              <a:schemeClr val="accent2">
-                <a:lumMod val="75000"/>
-              </a:schemeClr>
-            </a:solidFill>
-          </a:ln>
         </p:spPr>
         <p:style>
           <a:lnRef idx="2">
-            <a:schemeClr val="accent6">
+            <a:schemeClr val="accent3">
               <a:shade val="50000"/>
             </a:schemeClr>
           </a:lnRef>
           <a:fillRef idx="1">
-            <a:schemeClr val="accent6"/>
+            <a:schemeClr val="accent3"/>
           </a:fillRef>
           <a:effectRef idx="0">
-            <a:schemeClr val="accent6"/>
+            <a:schemeClr val="accent3"/>
           </a:effectRef>
           <a:fontRef idx="minor">
             <a:schemeClr val="lt1"/>
@@ -7838,8 +7794,8 @@
         </p:nvCxnSpPr>
         <p:spPr>
           <a:xfrm>
-            <a:off x="2428875" y="3734205"/>
-            <a:ext cx="913551" cy="2111282"/>
+            <a:off x="2428875" y="5119688"/>
+            <a:ext cx="913551" cy="725799"/>
           </a:xfrm>
           <a:prstGeom prst="bentConnector3">
             <a:avLst>
@@ -7881,9 +7837,9 @@
           <p:nvPr/>
         </p:nvCxnSpPr>
         <p:spPr>
-          <a:xfrm>
-            <a:off x="2428875" y="3734205"/>
-            <a:ext cx="922818" cy="1196882"/>
+          <a:xfrm flipV="1">
+            <a:off x="2428875" y="4787248"/>
+            <a:ext cx="922818" cy="332440"/>
           </a:xfrm>
           <a:prstGeom prst="bentConnector3">
             <a:avLst>
@@ -7997,38 +7953,6 @@
       </p:sp>
       <p:cxnSp>
         <p:nvCxnSpPr>
-          <p:cNvPr id="168" name="Straight Connector 167"/>
-          <p:cNvCxnSpPr/>
-          <p:nvPr/>
-        </p:nvCxnSpPr>
-        <p:spPr>
-          <a:xfrm flipV="1">
-            <a:off x="2064836" y="1626279"/>
-            <a:ext cx="1278439" cy="1"/>
-          </a:xfrm>
-          <a:prstGeom prst="line">
-            <a:avLst/>
-          </a:prstGeom>
-        </p:spPr>
-        <p:style>
-          <a:lnRef idx="2">
-            <a:schemeClr val="accent3">
-              <a:shade val="50000"/>
-            </a:schemeClr>
-          </a:lnRef>
-          <a:fillRef idx="1">
-            <a:schemeClr val="accent3"/>
-          </a:fillRef>
-          <a:effectRef idx="0">
-            <a:schemeClr val="accent3"/>
-          </a:effectRef>
-          <a:fontRef idx="minor">
-            <a:schemeClr val="lt1"/>
-          </a:fontRef>
-        </p:style>
-      </p:cxnSp>
-      <p:cxnSp>
-        <p:nvCxnSpPr>
           <p:cNvPr id="209" name="Straight Arrow Connector 208"/>
           <p:cNvCxnSpPr>
             <a:stCxn id="107" idx="0"/>
@@ -8080,7 +8004,7 @@
         </p:nvCxnSpPr>
         <p:spPr>
           <a:xfrm>
-            <a:off x="5536538" y="2788248"/>
+            <a:off x="5536538" y="3048000"/>
             <a:ext cx="1311937" cy="0"/>
           </a:xfrm>
           <a:prstGeom prst="straightConnector1">
@@ -8108,6 +8032,43 @@
           </a:fillRef>
           <a:effectRef idx="0">
             <a:schemeClr val="accent6"/>
+          </a:effectRef>
+          <a:fontRef idx="minor">
+            <a:schemeClr val="lt1"/>
+          </a:fontRef>
+        </p:style>
+      </p:cxnSp>
+      <p:cxnSp>
+        <p:nvCxnSpPr>
+          <p:cNvPr id="94" name="Elbow Connector 93"/>
+          <p:cNvCxnSpPr>
+            <a:stCxn id="167" idx="3"/>
+            <a:endCxn id="137" idx="1"/>
+          </p:cNvCxnSpPr>
+          <p:nvPr/>
+        </p:nvCxnSpPr>
+        <p:spPr>
+          <a:xfrm flipV="1">
+            <a:off x="2036636" y="1421124"/>
+            <a:ext cx="1322748" cy="205155"/>
+          </a:xfrm>
+          <a:prstGeom prst="bentConnector3">
+            <a:avLst>
+              <a:gd name="adj1" fmla="val 50000"/>
+            </a:avLst>
+          </a:prstGeom>
+        </p:spPr>
+        <p:style>
+          <a:lnRef idx="2">
+            <a:schemeClr val="accent3">
+              <a:shade val="50000"/>
+            </a:schemeClr>
+          </a:lnRef>
+          <a:fillRef idx="1">
+            <a:schemeClr val="accent3"/>
+          </a:fillRef>
+          <a:effectRef idx="0">
+            <a:schemeClr val="accent3"/>
           </a:effectRef>
           <a:fontRef idx="minor">
             <a:schemeClr val="lt1"/>
